--- a/document/Presentation/Present01.pptx
+++ b/document/Presentation/Present01.pptx
@@ -5,7 +5,7 @@
     <p:sldMasterId id="2147483648" r:id="rId1"/>
   </p:sldMasterIdLst>
   <p:notesMasterIdLst>
-    <p:notesMasterId r:id="rId14"/>
+    <p:notesMasterId r:id="rId15"/>
   </p:notesMasterIdLst>
   <p:sldIdLst>
     <p:sldId id="256" r:id="rId2"/>
@@ -19,7 +19,8 @@
     <p:sldId id="261" r:id="rId10"/>
     <p:sldId id="259" r:id="rId11"/>
     <p:sldId id="260" r:id="rId12"/>
-    <p:sldId id="267" r:id="rId13"/>
+    <p:sldId id="268" r:id="rId13"/>
+    <p:sldId id="267" r:id="rId14"/>
   </p:sldIdLst>
   <p:sldSz cx="12192000" cy="6858000"/>
   <p:notesSz cx="6858000" cy="9144000"/>
@@ -303,7 +304,6 @@
               <a:rPr lang="en-US"/>
               <a:t>Fifth level</a:t>
             </a:r>
-            <a:endParaRPr lang="en-US"/>
           </a:p>
         </p:txBody>
       </p:sp>
@@ -2459,6 +2459,90 @@
 </p:notes>
 </file>
 
+<file path=ppt/notesSlides/notesSlide3.xml><?xml version="1.0" encoding="utf-8"?>
+<p:notes xmlns:a="http://schemas.openxmlformats.org/drawingml/2006/main" xmlns:r="http://schemas.openxmlformats.org/officeDocument/2006/relationships" xmlns:p="http://schemas.openxmlformats.org/presentationml/2006/main">
+  <p:cSld>
+    <p:spTree>
+      <p:nvGrpSpPr>
+        <p:cNvPr id="1" name=""/>
+        <p:cNvGrpSpPr/>
+        <p:nvPr/>
+      </p:nvGrpSpPr>
+      <p:grpSpPr>
+        <a:xfrm>
+          <a:off x="0" y="0"/>
+          <a:ext cx="0" cy="0"/>
+          <a:chOff x="0" y="0"/>
+          <a:chExt cx="0" cy="0"/>
+        </a:xfrm>
+      </p:grpSpPr>
+      <p:sp>
+        <p:nvSpPr>
+          <p:cNvPr id="2" name="Slide Image Placeholder 1"/>
+          <p:cNvSpPr>
+            <a:spLocks noGrp="1" noRot="1" noChangeAspect="1"/>
+          </p:cNvSpPr>
+          <p:nvPr>
+            <p:ph type="sldImg"/>
+          </p:nvPr>
+        </p:nvSpPr>
+        <p:spPr/>
+      </p:sp>
+      <p:sp>
+        <p:nvSpPr>
+          <p:cNvPr id="3" name="Notes Placeholder 2"/>
+          <p:cNvSpPr>
+            <a:spLocks noGrp="1"/>
+          </p:cNvSpPr>
+          <p:nvPr>
+            <p:ph type="body" idx="1"/>
+          </p:nvPr>
+        </p:nvSpPr>
+        <p:spPr/>
+        <p:txBody>
+          <a:bodyPr/>
+          <a:lstStyle/>
+          <a:p>
+            <a:endParaRPr lang="en-US" dirty="0"/>
+          </a:p>
+        </p:txBody>
+      </p:sp>
+      <p:sp>
+        <p:nvSpPr>
+          <p:cNvPr id="4" name="Slide Number Placeholder 3"/>
+          <p:cNvSpPr>
+            <a:spLocks noGrp="1"/>
+          </p:cNvSpPr>
+          <p:nvPr>
+            <p:ph type="sldNum" sz="quarter" idx="10"/>
+          </p:nvPr>
+        </p:nvSpPr>
+        <p:spPr/>
+        <p:txBody>
+          <a:bodyPr/>
+          <a:lstStyle/>
+          <a:p>
+            <a:fld id="{76F5EC85-3486-4889-B23D-EE630AD46919}" type="slidenum">
+              <a:rPr lang="en-US" smtClean="0"/>
+              <a:t>10</a:t>
+            </a:fld>
+            <a:endParaRPr lang="en-US"/>
+          </a:p>
+        </p:txBody>
+      </p:sp>
+    </p:spTree>
+    <p:extLst>
+      <p:ext uri="{BB962C8B-B14F-4D97-AF65-F5344CB8AC3E}">
+        <p14:creationId xmlns:p14="http://schemas.microsoft.com/office/powerpoint/2010/main" val="1583716568"/>
+      </p:ext>
+    </p:extLst>
+  </p:cSld>
+  <p:clrMapOvr>
+    <a:masterClrMapping/>
+  </p:clrMapOvr>
+</p:notes>
+</file>
+
 <file path=ppt/slideLayouts/slideLayout1.xml><?xml version="1.0" encoding="utf-8"?>
 <p:sldLayout xmlns:a="http://schemas.openxmlformats.org/drawingml/2006/main" xmlns:r="http://schemas.openxmlformats.org/officeDocument/2006/relationships" xmlns:p="http://schemas.openxmlformats.org/presentationml/2006/main" type="title" preserve="1">
   <p:cSld name="Title Slide">
@@ -2588,7 +2672,7 @@
           <a:p>
             <a:fld id="{99C8624C-1EBE-4CE4-9B5E-4E5B8FBFAF31}" type="datetimeFigureOut">
               <a:rPr lang="en-US" smtClean="0"/>
-              <a:t>5/19/2016</a:t>
+              <a:t>5/20/2016</a:t>
             </a:fld>
             <a:endParaRPr lang="en-US"/>
           </a:p>
@@ -2756,7 +2840,7 @@
           <a:p>
             <a:fld id="{99C8624C-1EBE-4CE4-9B5E-4E5B8FBFAF31}" type="datetimeFigureOut">
               <a:rPr lang="en-US" smtClean="0"/>
-              <a:t>5/19/2016</a:t>
+              <a:t>5/20/2016</a:t>
             </a:fld>
             <a:endParaRPr lang="en-US"/>
           </a:p>
@@ -2934,7 +3018,7 @@
           <a:p>
             <a:fld id="{99C8624C-1EBE-4CE4-9B5E-4E5B8FBFAF31}" type="datetimeFigureOut">
               <a:rPr lang="en-US" smtClean="0"/>
-              <a:t>5/19/2016</a:t>
+              <a:t>5/20/2016</a:t>
             </a:fld>
             <a:endParaRPr lang="en-US"/>
           </a:p>
@@ -3102,7 +3186,7 @@
           <a:p>
             <a:fld id="{99C8624C-1EBE-4CE4-9B5E-4E5B8FBFAF31}" type="datetimeFigureOut">
               <a:rPr lang="en-US" smtClean="0"/>
-              <a:t>5/19/2016</a:t>
+              <a:t>5/20/2016</a:t>
             </a:fld>
             <a:endParaRPr lang="en-US"/>
           </a:p>
@@ -3347,7 +3431,7 @@
           <a:p>
             <a:fld id="{99C8624C-1EBE-4CE4-9B5E-4E5B8FBFAF31}" type="datetimeFigureOut">
               <a:rPr lang="en-US" smtClean="0"/>
-              <a:t>5/19/2016</a:t>
+              <a:t>5/20/2016</a:t>
             </a:fld>
             <a:endParaRPr lang="en-US"/>
           </a:p>
@@ -3576,7 +3660,7 @@
           <a:p>
             <a:fld id="{99C8624C-1EBE-4CE4-9B5E-4E5B8FBFAF31}" type="datetimeFigureOut">
               <a:rPr lang="en-US" smtClean="0"/>
-              <a:t>5/19/2016</a:t>
+              <a:t>5/20/2016</a:t>
             </a:fld>
             <a:endParaRPr lang="en-US"/>
           </a:p>
@@ -3940,7 +4024,7 @@
           <a:p>
             <a:fld id="{99C8624C-1EBE-4CE4-9B5E-4E5B8FBFAF31}" type="datetimeFigureOut">
               <a:rPr lang="en-US" smtClean="0"/>
-              <a:t>5/19/2016</a:t>
+              <a:t>5/20/2016</a:t>
             </a:fld>
             <a:endParaRPr lang="en-US"/>
           </a:p>
@@ -4057,7 +4141,7 @@
           <a:p>
             <a:fld id="{99C8624C-1EBE-4CE4-9B5E-4E5B8FBFAF31}" type="datetimeFigureOut">
               <a:rPr lang="en-US" smtClean="0"/>
-              <a:t>5/19/2016</a:t>
+              <a:t>5/20/2016</a:t>
             </a:fld>
             <a:endParaRPr lang="en-US"/>
           </a:p>
@@ -4152,7 +4236,7 @@
           <a:p>
             <a:fld id="{99C8624C-1EBE-4CE4-9B5E-4E5B8FBFAF31}" type="datetimeFigureOut">
               <a:rPr lang="en-US" smtClean="0"/>
-              <a:t>5/19/2016</a:t>
+              <a:t>5/20/2016</a:t>
             </a:fld>
             <a:endParaRPr lang="en-US"/>
           </a:p>
@@ -4427,7 +4511,7 @@
           <a:p>
             <a:fld id="{99C8624C-1EBE-4CE4-9B5E-4E5B8FBFAF31}" type="datetimeFigureOut">
               <a:rPr lang="en-US" smtClean="0"/>
-              <a:t>5/19/2016</a:t>
+              <a:t>5/20/2016</a:t>
             </a:fld>
             <a:endParaRPr lang="en-US"/>
           </a:p>
@@ -4679,7 +4763,7 @@
           <a:p>
             <a:fld id="{99C8624C-1EBE-4CE4-9B5E-4E5B8FBFAF31}" type="datetimeFigureOut">
               <a:rPr lang="en-US" smtClean="0"/>
-              <a:t>5/19/2016</a:t>
+              <a:t>5/20/2016</a:t>
             </a:fld>
             <a:endParaRPr lang="en-US"/>
           </a:p>
@@ -4890,7 +4974,7 @@
           <a:p>
             <a:fld id="{99C8624C-1EBE-4CE4-9B5E-4E5B8FBFAF31}" type="datetimeFigureOut">
               <a:rPr lang="en-US" smtClean="0"/>
-              <a:t>5/19/2016</a:t>
+              <a:t>5/20/2016</a:t>
             </a:fld>
             <a:endParaRPr lang="en-US"/>
           </a:p>
@@ -5375,7 +5459,7 @@
           <p:nvPr/>
         </p:nvPicPr>
         <p:blipFill>
-          <a:blip r:embed="rId2">
+          <a:blip r:embed="rId3">
             <a:extLst>
               <a:ext uri="{28A0092B-C50C-407E-A947-70E740481C1C}">
                 <a14:useLocalDpi xmlns:a14="http://schemas.microsoft.com/office/drawing/2010/main" val="0"/>
@@ -5402,94 +5486,6 @@
           <p:cNvPicPr>
             <a:picLocks noChangeAspect="1"/>
           </p:cNvPicPr>
-          <p:nvPr/>
-        </p:nvPicPr>
-        <p:blipFill>
-          <a:blip r:embed="rId2">
-            <a:extLst>
-              <a:ext uri="{28A0092B-C50C-407E-A947-70E740481C1C}">
-                <a14:useLocalDpi xmlns:a14="http://schemas.microsoft.com/office/drawing/2010/main" val="0"/>
-              </a:ext>
-            </a:extLst>
-          </a:blip>
-          <a:stretch>
-            <a:fillRect/>
-          </a:stretch>
-        </p:blipFill>
-        <p:spPr>
-          <a:xfrm>
-            <a:off x="1824629" y="569856"/>
-            <a:ext cx="2116818" cy="1360812"/>
-          </a:xfrm>
-          <a:prstGeom prst="rect">
-            <a:avLst/>
-          </a:prstGeom>
-        </p:spPr>
-      </p:pic>
-      <p:pic>
-        <p:nvPicPr>
-          <p:cNvPr id="4" name="Picture 3"/>
-          <p:cNvPicPr>
-            <a:picLocks noChangeAspect="1"/>
-          </p:cNvPicPr>
-          <p:nvPr/>
-        </p:nvPicPr>
-        <p:blipFill>
-          <a:blip r:embed="rId2">
-            <a:extLst>
-              <a:ext uri="{28A0092B-C50C-407E-A947-70E740481C1C}">
-                <a14:useLocalDpi xmlns:a14="http://schemas.microsoft.com/office/drawing/2010/main" val="0"/>
-              </a:ext>
-            </a:extLst>
-          </a:blip>
-          <a:stretch>
-            <a:fillRect/>
-          </a:stretch>
-        </p:blipFill>
-        <p:spPr>
-          <a:xfrm>
-            <a:off x="1953810" y="2726985"/>
-            <a:ext cx="2116818" cy="1360812"/>
-          </a:xfrm>
-          <a:prstGeom prst="rect">
-            <a:avLst/>
-          </a:prstGeom>
-        </p:spPr>
-      </p:pic>
-      <p:pic>
-        <p:nvPicPr>
-          <p:cNvPr id="5" name="Picture 4"/>
-          <p:cNvPicPr>
-            <a:picLocks noChangeAspect="1"/>
-          </p:cNvPicPr>
-          <p:nvPr/>
-        </p:nvPicPr>
-        <p:blipFill>
-          <a:blip r:embed="rId2">
-            <a:extLst>
-              <a:ext uri="{28A0092B-C50C-407E-A947-70E740481C1C}">
-                <a14:useLocalDpi xmlns:a14="http://schemas.microsoft.com/office/drawing/2010/main" val="0"/>
-              </a:ext>
-            </a:extLst>
-          </a:blip>
-          <a:stretch>
-            <a:fillRect/>
-          </a:stretch>
-        </p:blipFill>
-        <p:spPr>
-          <a:xfrm>
-            <a:off x="5030112" y="3387624"/>
-            <a:ext cx="2116818" cy="1360812"/>
-          </a:xfrm>
-          <a:prstGeom prst="rect">
-            <a:avLst/>
-          </a:prstGeom>
-        </p:spPr>
-      </p:pic>
-      <p:pic>
-        <p:nvPicPr>
-          <p:cNvPr id="6" name="Picture 5"/>
-          <p:cNvPicPr/>
           <p:nvPr/>
         </p:nvPicPr>
         <p:blipFill>
@@ -5506,8 +5502,68 @@
         </p:blipFill>
         <p:spPr>
           <a:xfrm>
-            <a:off x="1460062" y="4686339"/>
-            <a:ext cx="504780" cy="632460"/>
+            <a:off x="1824629" y="569856"/>
+            <a:ext cx="2116818" cy="1360812"/>
+          </a:xfrm>
+          <a:prstGeom prst="rect">
+            <a:avLst/>
+          </a:prstGeom>
+        </p:spPr>
+      </p:pic>
+      <p:pic>
+        <p:nvPicPr>
+          <p:cNvPr id="4" name="Picture 3"/>
+          <p:cNvPicPr>
+            <a:picLocks noChangeAspect="1"/>
+          </p:cNvPicPr>
+          <p:nvPr/>
+        </p:nvPicPr>
+        <p:blipFill>
+          <a:blip r:embed="rId3">
+            <a:extLst>
+              <a:ext uri="{28A0092B-C50C-407E-A947-70E740481C1C}">
+                <a14:useLocalDpi xmlns:a14="http://schemas.microsoft.com/office/drawing/2010/main" val="0"/>
+              </a:ext>
+            </a:extLst>
+          </a:blip>
+          <a:stretch>
+            <a:fillRect/>
+          </a:stretch>
+        </p:blipFill>
+        <p:spPr>
+          <a:xfrm>
+            <a:off x="1953810" y="2726985"/>
+            <a:ext cx="2116818" cy="1360812"/>
+          </a:xfrm>
+          <a:prstGeom prst="rect">
+            <a:avLst/>
+          </a:prstGeom>
+        </p:spPr>
+      </p:pic>
+      <p:pic>
+        <p:nvPicPr>
+          <p:cNvPr id="5" name="Picture 4"/>
+          <p:cNvPicPr>
+            <a:picLocks noChangeAspect="1"/>
+          </p:cNvPicPr>
+          <p:nvPr/>
+        </p:nvPicPr>
+        <p:blipFill>
+          <a:blip r:embed="rId3">
+            <a:extLst>
+              <a:ext uri="{28A0092B-C50C-407E-A947-70E740481C1C}">
+                <a14:useLocalDpi xmlns:a14="http://schemas.microsoft.com/office/drawing/2010/main" val="0"/>
+              </a:ext>
+            </a:extLst>
+          </a:blip>
+          <a:stretch>
+            <a:fillRect/>
+          </a:stretch>
+        </p:blipFill>
+        <p:spPr>
+          <a:xfrm>
+            <a:off x="5030112" y="3387624"/>
+            <a:ext cx="2116818" cy="1360812"/>
           </a:xfrm>
           <a:prstGeom prst="rect">
             <a:avLst/>
@@ -5544,90 +5600,6 @@
       </p:pic>
       <p:pic>
         <p:nvPicPr>
-          <p:cNvPr id="8" name="Picture 7"/>
-          <p:cNvPicPr/>
-          <p:nvPr/>
-        </p:nvPicPr>
-        <p:blipFill>
-          <a:blip r:embed="rId5">
-            <a:extLst>
-              <a:ext uri="{28A0092B-C50C-407E-A947-70E740481C1C}">
-                <a14:useLocalDpi xmlns:a14="http://schemas.microsoft.com/office/drawing/2010/main" val="0"/>
-              </a:ext>
-            </a:extLst>
-          </a:blip>
-          <a:stretch>
-            <a:fillRect/>
-          </a:stretch>
-        </p:blipFill>
-        <p:spPr>
-          <a:xfrm>
-            <a:off x="1352888" y="6139543"/>
-            <a:ext cx="639127" cy="399097"/>
-          </a:xfrm>
-          <a:prstGeom prst="rect">
-            <a:avLst/>
-          </a:prstGeom>
-        </p:spPr>
-      </p:pic>
-      <p:pic>
-        <p:nvPicPr>
-          <p:cNvPr id="9" name="Picture 8"/>
-          <p:cNvPicPr/>
-          <p:nvPr/>
-        </p:nvPicPr>
-        <p:blipFill>
-          <a:blip r:embed="rId6">
-            <a:extLst>
-              <a:ext uri="{28A0092B-C50C-407E-A947-70E740481C1C}">
-                <a14:useLocalDpi xmlns:a14="http://schemas.microsoft.com/office/drawing/2010/main" val="0"/>
-              </a:ext>
-            </a:extLst>
-          </a:blip>
-          <a:stretch>
-            <a:fillRect/>
-          </a:stretch>
-        </p:blipFill>
-        <p:spPr>
-          <a:xfrm>
-            <a:off x="1512310" y="6170"/>
-            <a:ext cx="883001" cy="689065"/>
-          </a:xfrm>
-          <a:prstGeom prst="rect">
-            <a:avLst/>
-          </a:prstGeom>
-        </p:spPr>
-      </p:pic>
-      <p:pic>
-        <p:nvPicPr>
-          <p:cNvPr id="10" name="Picture 9"/>
-          <p:cNvPicPr/>
-          <p:nvPr/>
-        </p:nvPicPr>
-        <p:blipFill>
-          <a:blip r:embed="rId3">
-            <a:extLst>
-              <a:ext uri="{28A0092B-C50C-407E-A947-70E740481C1C}">
-                <a14:useLocalDpi xmlns:a14="http://schemas.microsoft.com/office/drawing/2010/main" val="0"/>
-              </a:ext>
-            </a:extLst>
-          </a:blip>
-          <a:stretch>
-            <a:fillRect/>
-          </a:stretch>
-        </p:blipFill>
-        <p:spPr>
-          <a:xfrm>
-            <a:off x="1097562" y="2439628"/>
-            <a:ext cx="504780" cy="632460"/>
-          </a:xfrm>
-          <a:prstGeom prst="rect">
-            <a:avLst/>
-          </a:prstGeom>
-        </p:spPr>
-      </p:pic>
-      <p:pic>
-        <p:nvPicPr>
           <p:cNvPr id="11" name="Picture 10"/>
           <p:cNvPicPr/>
           <p:nvPr/>
@@ -5648,62 +5620,6 @@
           <a:xfrm>
             <a:off x="453164" y="3082064"/>
             <a:ext cx="563539" cy="635589"/>
-          </a:xfrm>
-          <a:prstGeom prst="rect">
-            <a:avLst/>
-          </a:prstGeom>
-        </p:spPr>
-      </p:pic>
-      <p:pic>
-        <p:nvPicPr>
-          <p:cNvPr id="12" name="Picture 11"/>
-          <p:cNvPicPr/>
-          <p:nvPr/>
-        </p:nvPicPr>
-        <p:blipFill>
-          <a:blip r:embed="rId5">
-            <a:extLst>
-              <a:ext uri="{28A0092B-C50C-407E-A947-70E740481C1C}">
-                <a14:useLocalDpi xmlns:a14="http://schemas.microsoft.com/office/drawing/2010/main" val="0"/>
-              </a:ext>
-            </a:extLst>
-          </a:blip>
-          <a:stretch>
-            <a:fillRect/>
-          </a:stretch>
-        </p:blipFill>
-        <p:spPr>
-          <a:xfrm>
-            <a:off x="1306886" y="3975878"/>
-            <a:ext cx="639127" cy="399097"/>
-          </a:xfrm>
-          <a:prstGeom prst="rect">
-            <a:avLst/>
-          </a:prstGeom>
-        </p:spPr>
-      </p:pic>
-      <p:pic>
-        <p:nvPicPr>
-          <p:cNvPr id="13" name="Picture 12"/>
-          <p:cNvPicPr/>
-          <p:nvPr/>
-        </p:nvPicPr>
-        <p:blipFill>
-          <a:blip r:embed="rId3">
-            <a:extLst>
-              <a:ext uri="{28A0092B-C50C-407E-A947-70E740481C1C}">
-                <a14:useLocalDpi xmlns:a14="http://schemas.microsoft.com/office/drawing/2010/main" val="0"/>
-              </a:ext>
-            </a:extLst>
-          </a:blip>
-          <a:stretch>
-            <a:fillRect/>
-          </a:stretch>
-        </p:blipFill>
-        <p:spPr>
-          <a:xfrm>
-            <a:off x="802106" y="296093"/>
-            <a:ext cx="504780" cy="632460"/>
           </a:xfrm>
           <a:prstGeom prst="rect">
             <a:avLst/>
@@ -5738,34 +5654,6 @@
           </a:prstGeom>
         </p:spPr>
       </p:pic>
-      <p:pic>
-        <p:nvPicPr>
-          <p:cNvPr id="15" name="Picture 14"/>
-          <p:cNvPicPr/>
-          <p:nvPr/>
-        </p:nvPicPr>
-        <p:blipFill>
-          <a:blip r:embed="rId5">
-            <a:extLst>
-              <a:ext uri="{28A0092B-C50C-407E-A947-70E740481C1C}">
-                <a14:useLocalDpi xmlns:a14="http://schemas.microsoft.com/office/drawing/2010/main" val="0"/>
-              </a:ext>
-            </a:extLst>
-          </a:blip>
-          <a:stretch>
-            <a:fillRect/>
-          </a:stretch>
-        </p:blipFill>
-        <p:spPr>
-          <a:xfrm>
-            <a:off x="1482562" y="1777952"/>
-            <a:ext cx="639127" cy="399097"/>
-          </a:xfrm>
-          <a:prstGeom prst="rect">
-            <a:avLst/>
-          </a:prstGeom>
-        </p:spPr>
-      </p:pic>
       <p:sp>
         <p:nvSpPr>
           <p:cNvPr id="17" name="Oval 16"/>
@@ -5919,7 +5807,7 @@
           <p:nvPr/>
         </p:nvPicPr>
         <p:blipFill>
-          <a:blip r:embed="rId7">
+          <a:blip r:embed="rId5">
             <a:extLst>
               <a:ext uri="{28A0092B-C50C-407E-A947-70E740481C1C}">
                 <a14:useLocalDpi xmlns:a14="http://schemas.microsoft.com/office/drawing/2010/main" val="0"/>
@@ -5997,6 +5885,537 @@
           <p:nvPr/>
         </p:nvPicPr>
         <p:blipFill>
+          <a:blip r:embed="rId6">
+            <a:extLst>
+              <a:ext uri="{28A0092B-C50C-407E-A947-70E740481C1C}">
+                <a14:useLocalDpi xmlns:a14="http://schemas.microsoft.com/office/drawing/2010/main" val="0"/>
+              </a:ext>
+            </a:extLst>
+          </a:blip>
+          <a:stretch>
+            <a:fillRect/>
+          </a:stretch>
+        </p:blipFill>
+        <p:spPr>
+          <a:xfrm>
+            <a:off x="8139487" y="1569452"/>
+            <a:ext cx="2133600" cy="1600200"/>
+          </a:xfrm>
+          <a:prstGeom prst="rect">
+            <a:avLst/>
+          </a:prstGeom>
+        </p:spPr>
+      </p:pic>
+      <p:pic>
+        <p:nvPicPr>
+          <p:cNvPr id="23" name="Picture 22"/>
+          <p:cNvPicPr>
+            <a:picLocks noChangeAspect="1"/>
+          </p:cNvPicPr>
+          <p:nvPr/>
+        </p:nvPicPr>
+        <p:blipFill>
+          <a:blip r:embed="rId7">
+            <a:extLst>
+              <a:ext uri="{28A0092B-C50C-407E-A947-70E740481C1C}">
+                <a14:useLocalDpi xmlns:a14="http://schemas.microsoft.com/office/drawing/2010/main" val="0"/>
+              </a:ext>
+            </a:extLst>
+          </a:blip>
+          <a:stretch>
+            <a:fillRect/>
+          </a:stretch>
+        </p:blipFill>
+        <p:spPr>
+          <a:xfrm>
+            <a:off x="9339888" y="4548630"/>
+            <a:ext cx="2626011" cy="1790462"/>
+          </a:xfrm>
+          <a:prstGeom prst="rect">
+            <a:avLst/>
+          </a:prstGeom>
+        </p:spPr>
+      </p:pic>
+      <p:cxnSp>
+        <p:nvCxnSpPr>
+          <p:cNvPr id="25" name="Straight Arrow Connector 24"/>
+          <p:cNvCxnSpPr/>
+          <p:nvPr/>
+        </p:nvCxnSpPr>
+        <p:spPr>
+          <a:xfrm>
+            <a:off x="4070628" y="1596571"/>
+            <a:ext cx="959484" cy="823082"/>
+          </a:xfrm>
+          <a:prstGeom prst="straightConnector1">
+            <a:avLst/>
+          </a:prstGeom>
+          <a:ln>
+            <a:headEnd type="triangle"/>
+            <a:tailEnd type="triangle"/>
+          </a:ln>
+        </p:spPr>
+        <p:style>
+          <a:lnRef idx="1">
+            <a:schemeClr val="accent1"/>
+          </a:lnRef>
+          <a:fillRef idx="0">
+            <a:schemeClr val="accent1"/>
+          </a:fillRef>
+          <a:effectRef idx="0">
+            <a:schemeClr val="accent1"/>
+          </a:effectRef>
+          <a:fontRef idx="minor">
+            <a:schemeClr val="tx1"/>
+          </a:fontRef>
+        </p:style>
+      </p:cxnSp>
+      <p:cxnSp>
+        <p:nvCxnSpPr>
+          <p:cNvPr id="27" name="Straight Arrow Connector 26"/>
+          <p:cNvCxnSpPr/>
+          <p:nvPr/>
+        </p:nvCxnSpPr>
+        <p:spPr>
+          <a:xfrm>
+            <a:off x="4192562" y="3370538"/>
+            <a:ext cx="640695" cy="0"/>
+          </a:xfrm>
+          <a:prstGeom prst="straightConnector1">
+            <a:avLst/>
+          </a:prstGeom>
+          <a:ln>
+            <a:headEnd type="triangle"/>
+            <a:tailEnd type="triangle"/>
+          </a:ln>
+        </p:spPr>
+        <p:style>
+          <a:lnRef idx="1">
+            <a:schemeClr val="accent1"/>
+          </a:lnRef>
+          <a:fillRef idx="0">
+            <a:schemeClr val="accent1"/>
+          </a:fillRef>
+          <a:effectRef idx="0">
+            <a:schemeClr val="accent1"/>
+          </a:effectRef>
+          <a:fontRef idx="minor">
+            <a:schemeClr val="tx1"/>
+          </a:fontRef>
+        </p:style>
+      </p:cxnSp>
+      <p:cxnSp>
+        <p:nvCxnSpPr>
+          <p:cNvPr id="29" name="Straight Arrow Connector 28"/>
+          <p:cNvCxnSpPr/>
+          <p:nvPr/>
+        </p:nvCxnSpPr>
+        <p:spPr>
+          <a:xfrm flipV="1">
+            <a:off x="4288497" y="4686339"/>
+            <a:ext cx="1031841" cy="632460"/>
+          </a:xfrm>
+          <a:prstGeom prst="straightConnector1">
+            <a:avLst/>
+          </a:prstGeom>
+          <a:ln>
+            <a:headEnd type="triangle"/>
+            <a:tailEnd type="triangle"/>
+          </a:ln>
+        </p:spPr>
+        <p:style>
+          <a:lnRef idx="1">
+            <a:schemeClr val="accent1"/>
+          </a:lnRef>
+          <a:fillRef idx="0">
+            <a:schemeClr val="accent1"/>
+          </a:fillRef>
+          <a:effectRef idx="0">
+            <a:schemeClr val="accent1"/>
+          </a:effectRef>
+          <a:fontRef idx="minor">
+            <a:schemeClr val="tx1"/>
+          </a:fontRef>
+        </p:style>
+      </p:cxnSp>
+      <p:cxnSp>
+        <p:nvCxnSpPr>
+          <p:cNvPr id="31" name="Straight Arrow Connector 30"/>
+          <p:cNvCxnSpPr/>
+          <p:nvPr/>
+        </p:nvCxnSpPr>
+        <p:spPr>
+          <a:xfrm>
+            <a:off x="1953811" y="695235"/>
+            <a:ext cx="441500" cy="233318"/>
+          </a:xfrm>
+          <a:prstGeom prst="straightConnector1">
+            <a:avLst/>
+          </a:prstGeom>
+          <a:ln>
+            <a:tailEnd type="triangle"/>
+          </a:ln>
+        </p:spPr>
+        <p:style>
+          <a:lnRef idx="1">
+            <a:schemeClr val="accent1"/>
+          </a:lnRef>
+          <a:fillRef idx="0">
+            <a:schemeClr val="accent1"/>
+          </a:fillRef>
+          <a:effectRef idx="0">
+            <a:schemeClr val="accent1"/>
+          </a:effectRef>
+          <a:fontRef idx="minor">
+            <a:schemeClr val="tx1"/>
+          </a:fontRef>
+        </p:style>
+      </p:cxnSp>
+      <p:cxnSp>
+        <p:nvCxnSpPr>
+          <p:cNvPr id="33" name="Straight Arrow Connector 32"/>
+          <p:cNvCxnSpPr/>
+          <p:nvPr/>
+        </p:nvCxnSpPr>
+        <p:spPr>
+          <a:xfrm>
+            <a:off x="1352888" y="928553"/>
+            <a:ext cx="593125" cy="285814"/>
+          </a:xfrm>
+          <a:prstGeom prst="straightConnector1">
+            <a:avLst/>
+          </a:prstGeom>
+          <a:ln>
+            <a:tailEnd type="triangle"/>
+          </a:ln>
+        </p:spPr>
+        <p:style>
+          <a:lnRef idx="1">
+            <a:schemeClr val="accent1"/>
+          </a:lnRef>
+          <a:fillRef idx="0">
+            <a:schemeClr val="accent1"/>
+          </a:fillRef>
+          <a:effectRef idx="0">
+            <a:schemeClr val="accent1"/>
+          </a:effectRef>
+          <a:fontRef idx="minor">
+            <a:schemeClr val="tx1"/>
+          </a:fontRef>
+        </p:style>
+      </p:cxnSp>
+      <p:cxnSp>
+        <p:nvCxnSpPr>
+          <p:cNvPr id="35" name="Straight Arrow Connector 34"/>
+          <p:cNvCxnSpPr>
+            <a:stCxn id="14" idx="3"/>
+          </p:cNvCxnSpPr>
+          <p:nvPr/>
+        </p:nvCxnSpPr>
+        <p:spPr>
+          <a:xfrm flipV="1">
+            <a:off x="1284383" y="1407886"/>
+            <a:ext cx="661630" cy="124276"/>
+          </a:xfrm>
+          <a:prstGeom prst="straightConnector1">
+            <a:avLst/>
+          </a:prstGeom>
+          <a:ln>
+            <a:tailEnd type="triangle"/>
+          </a:ln>
+        </p:spPr>
+        <p:style>
+          <a:lnRef idx="1">
+            <a:schemeClr val="accent1"/>
+          </a:lnRef>
+          <a:fillRef idx="0">
+            <a:schemeClr val="accent1"/>
+          </a:fillRef>
+          <a:effectRef idx="0">
+            <a:schemeClr val="accent1"/>
+          </a:effectRef>
+          <a:fontRef idx="minor">
+            <a:schemeClr val="tx1"/>
+          </a:fontRef>
+        </p:style>
+      </p:cxnSp>
+      <p:cxnSp>
+        <p:nvCxnSpPr>
+          <p:cNvPr id="37" name="Straight Arrow Connector 36"/>
+          <p:cNvCxnSpPr/>
+          <p:nvPr/>
+        </p:nvCxnSpPr>
+        <p:spPr>
+          <a:xfrm flipV="1">
+            <a:off x="2121689" y="1596571"/>
+            <a:ext cx="273622" cy="181381"/>
+          </a:xfrm>
+          <a:prstGeom prst="straightConnector1">
+            <a:avLst/>
+          </a:prstGeom>
+          <a:ln>
+            <a:tailEnd type="triangle"/>
+          </a:ln>
+        </p:spPr>
+        <p:style>
+          <a:lnRef idx="1">
+            <a:schemeClr val="accent1"/>
+          </a:lnRef>
+          <a:fillRef idx="0">
+            <a:schemeClr val="accent1"/>
+          </a:fillRef>
+          <a:effectRef idx="0">
+            <a:schemeClr val="accent1"/>
+          </a:effectRef>
+          <a:fontRef idx="minor">
+            <a:schemeClr val="tx1"/>
+          </a:fontRef>
+        </p:style>
+      </p:cxnSp>
+      <p:cxnSp>
+        <p:nvCxnSpPr>
+          <p:cNvPr id="39" name="Straight Arrow Connector 38"/>
+          <p:cNvCxnSpPr/>
+          <p:nvPr/>
+        </p:nvCxnSpPr>
+        <p:spPr>
+          <a:xfrm>
+            <a:off x="1602342" y="2755858"/>
+            <a:ext cx="605525" cy="413794"/>
+          </a:xfrm>
+          <a:prstGeom prst="straightConnector1">
+            <a:avLst/>
+          </a:prstGeom>
+          <a:ln>
+            <a:tailEnd type="triangle"/>
+          </a:ln>
+        </p:spPr>
+        <p:style>
+          <a:lnRef idx="1">
+            <a:schemeClr val="accent1"/>
+          </a:lnRef>
+          <a:fillRef idx="0">
+            <a:schemeClr val="accent1"/>
+          </a:fillRef>
+          <a:effectRef idx="0">
+            <a:schemeClr val="accent1"/>
+          </a:effectRef>
+          <a:fontRef idx="minor">
+            <a:schemeClr val="tx1"/>
+          </a:fontRef>
+        </p:style>
+      </p:cxnSp>
+      <p:cxnSp>
+        <p:nvCxnSpPr>
+          <p:cNvPr id="41" name="Straight Arrow Connector 40"/>
+          <p:cNvCxnSpPr>
+            <a:stCxn id="11" idx="3"/>
+            <a:endCxn id="4" idx="1"/>
+          </p:cNvCxnSpPr>
+          <p:nvPr/>
+        </p:nvCxnSpPr>
+        <p:spPr>
+          <a:xfrm>
+            <a:off x="1016703" y="3399859"/>
+            <a:ext cx="937107" cy="7532"/>
+          </a:xfrm>
+          <a:prstGeom prst="straightConnector1">
+            <a:avLst/>
+          </a:prstGeom>
+          <a:ln>
+            <a:tailEnd type="triangle"/>
+          </a:ln>
+        </p:spPr>
+        <p:style>
+          <a:lnRef idx="1">
+            <a:schemeClr val="accent1"/>
+          </a:lnRef>
+          <a:fillRef idx="0">
+            <a:schemeClr val="accent1"/>
+          </a:fillRef>
+          <a:effectRef idx="0">
+            <a:schemeClr val="accent1"/>
+          </a:effectRef>
+          <a:fontRef idx="minor">
+            <a:schemeClr val="tx1"/>
+          </a:fontRef>
+        </p:style>
+      </p:cxnSp>
+      <p:cxnSp>
+        <p:nvCxnSpPr>
+          <p:cNvPr id="43" name="Straight Arrow Connector 42"/>
+          <p:cNvCxnSpPr/>
+          <p:nvPr/>
+        </p:nvCxnSpPr>
+        <p:spPr>
+          <a:xfrm flipV="1">
+            <a:off x="1824629" y="3717653"/>
+            <a:ext cx="347050" cy="258225"/>
+          </a:xfrm>
+          <a:prstGeom prst="straightConnector1">
+            <a:avLst/>
+          </a:prstGeom>
+          <a:ln>
+            <a:tailEnd type="triangle"/>
+          </a:ln>
+        </p:spPr>
+        <p:style>
+          <a:lnRef idx="1">
+            <a:schemeClr val="accent1"/>
+          </a:lnRef>
+          <a:fillRef idx="0">
+            <a:schemeClr val="accent1"/>
+          </a:fillRef>
+          <a:effectRef idx="0">
+            <a:schemeClr val="accent1"/>
+          </a:effectRef>
+          <a:fontRef idx="minor">
+            <a:schemeClr val="tx1"/>
+          </a:fontRef>
+        </p:style>
+      </p:cxnSp>
+      <p:cxnSp>
+        <p:nvCxnSpPr>
+          <p:cNvPr id="45" name="Straight Arrow Connector 44"/>
+          <p:cNvCxnSpPr/>
+          <p:nvPr/>
+        </p:nvCxnSpPr>
+        <p:spPr>
+          <a:xfrm>
+            <a:off x="2121689" y="5181600"/>
+            <a:ext cx="418311" cy="333829"/>
+          </a:xfrm>
+          <a:prstGeom prst="straightConnector1">
+            <a:avLst/>
+          </a:prstGeom>
+          <a:ln>
+            <a:tailEnd type="triangle"/>
+          </a:ln>
+        </p:spPr>
+        <p:style>
+          <a:lnRef idx="1">
+            <a:schemeClr val="accent1"/>
+          </a:lnRef>
+          <a:fillRef idx="0">
+            <a:schemeClr val="accent1"/>
+          </a:fillRef>
+          <a:effectRef idx="0">
+            <a:schemeClr val="accent1"/>
+          </a:effectRef>
+          <a:fontRef idx="minor">
+            <a:schemeClr val="tx1"/>
+          </a:fontRef>
+        </p:style>
+      </p:cxnSp>
+      <p:cxnSp>
+        <p:nvCxnSpPr>
+          <p:cNvPr id="47" name="Straight Arrow Connector 46"/>
+          <p:cNvCxnSpPr/>
+          <p:nvPr/>
+        </p:nvCxnSpPr>
+        <p:spPr>
+          <a:xfrm>
+            <a:off x="1512310" y="5776686"/>
+            <a:ext cx="659369" cy="43543"/>
+          </a:xfrm>
+          <a:prstGeom prst="straightConnector1">
+            <a:avLst/>
+          </a:prstGeom>
+          <a:ln>
+            <a:tailEnd type="triangle"/>
+          </a:ln>
+        </p:spPr>
+        <p:style>
+          <a:lnRef idx="1">
+            <a:schemeClr val="accent1"/>
+          </a:lnRef>
+          <a:fillRef idx="0">
+            <a:schemeClr val="accent1"/>
+          </a:fillRef>
+          <a:effectRef idx="0">
+            <a:schemeClr val="accent1"/>
+          </a:effectRef>
+          <a:fontRef idx="minor">
+            <a:schemeClr val="tx1"/>
+          </a:fontRef>
+        </p:style>
+      </p:cxnSp>
+      <p:cxnSp>
+        <p:nvCxnSpPr>
+          <p:cNvPr id="49" name="Straight Arrow Connector 48"/>
+          <p:cNvCxnSpPr/>
+          <p:nvPr/>
+        </p:nvCxnSpPr>
+        <p:spPr>
+          <a:xfrm flipV="1">
+            <a:off x="1992015" y="6041979"/>
+            <a:ext cx="547985" cy="297113"/>
+          </a:xfrm>
+          <a:prstGeom prst="straightConnector1">
+            <a:avLst/>
+          </a:prstGeom>
+          <a:ln>
+            <a:tailEnd type="triangle"/>
+          </a:ln>
+        </p:spPr>
+        <p:style>
+          <a:lnRef idx="1">
+            <a:schemeClr val="accent1"/>
+          </a:lnRef>
+          <a:fillRef idx="0">
+            <a:schemeClr val="accent1"/>
+          </a:fillRef>
+          <a:effectRef idx="0">
+            <a:schemeClr val="accent1"/>
+          </a:effectRef>
+          <a:fontRef idx="minor">
+            <a:schemeClr val="tx1"/>
+          </a:fontRef>
+        </p:style>
+      </p:cxnSp>
+      <p:cxnSp>
+        <p:nvCxnSpPr>
+          <p:cNvPr id="53" name="Straight Arrow Connector 52"/>
+          <p:cNvCxnSpPr/>
+          <p:nvPr/>
+        </p:nvCxnSpPr>
+        <p:spPr>
+          <a:xfrm>
+            <a:off x="9559128" y="3308049"/>
+            <a:ext cx="624115" cy="1102184"/>
+          </a:xfrm>
+          <a:prstGeom prst="straightConnector1">
+            <a:avLst/>
+          </a:prstGeom>
+          <a:ln>
+            <a:headEnd type="triangle"/>
+            <a:tailEnd type="triangle"/>
+          </a:ln>
+        </p:spPr>
+        <p:style>
+          <a:lnRef idx="1">
+            <a:schemeClr val="accent1"/>
+          </a:lnRef>
+          <a:fillRef idx="0">
+            <a:schemeClr val="accent1"/>
+          </a:fillRef>
+          <a:effectRef idx="0">
+            <a:schemeClr val="accent1"/>
+          </a:effectRef>
+          <a:fontRef idx="minor">
+            <a:schemeClr val="tx1"/>
+          </a:fontRef>
+        </p:style>
+      </p:cxnSp>
+      <p:pic>
+        <p:nvPicPr>
+          <p:cNvPr id="54" name="Picture 53"/>
+          <p:cNvPicPr>
+            <a:picLocks noChangeAspect="1"/>
+          </p:cNvPicPr>
+          <p:nvPr/>
+        </p:nvPicPr>
+        <p:blipFill>
           <a:blip r:embed="rId8">
             <a:extLst>
               <a:ext uri="{28A0092B-C50C-407E-A947-70E740481C1C}">
@@ -6010,8 +6429,8 @@
         </p:blipFill>
         <p:spPr>
           <a:xfrm>
-            <a:off x="8139487" y="1569452"/>
-            <a:ext cx="2133600" cy="1600200"/>
+            <a:off x="5979796" y="717621"/>
+            <a:ext cx="1351520" cy="977804"/>
           </a:xfrm>
           <a:prstGeom prst="rect">
             <a:avLst/>
@@ -6020,7 +6439,7 @@
       </p:pic>
       <p:pic>
         <p:nvPicPr>
-          <p:cNvPr id="23" name="Picture 22"/>
+          <p:cNvPr id="56" name="Picture 55"/>
           <p:cNvPicPr>
             <a:picLocks noChangeAspect="1"/>
           </p:cNvPicPr>
@@ -6040,8 +6459,8 @@
         </p:blipFill>
         <p:spPr>
           <a:xfrm>
-            <a:off x="9339888" y="4548630"/>
-            <a:ext cx="2626011" cy="1790462"/>
+            <a:off x="10759984" y="792838"/>
+            <a:ext cx="843057" cy="843057"/>
           </a:xfrm>
           <a:prstGeom prst="rect">
             <a:avLst/>
@@ -6050,14 +6469,14 @@
       </p:pic>
       <p:cxnSp>
         <p:nvCxnSpPr>
-          <p:cNvPr id="25" name="Straight Arrow Connector 24"/>
+          <p:cNvPr id="58" name="Straight Arrow Connector 57"/>
           <p:cNvCxnSpPr/>
           <p:nvPr/>
         </p:nvCxnSpPr>
         <p:spPr>
-          <a:xfrm>
-            <a:off x="4070628" y="1596571"/>
-            <a:ext cx="959484" cy="823082"/>
+          <a:xfrm flipH="1">
+            <a:off x="6400800" y="1849956"/>
+            <a:ext cx="87086" cy="455251"/>
           </a:xfrm>
           <a:prstGeom prst="straightConnector1">
             <a:avLst/>
@@ -6084,14 +6503,14 @@
       </p:cxnSp>
       <p:cxnSp>
         <p:nvCxnSpPr>
-          <p:cNvPr id="27" name="Straight Arrow Connector 26"/>
+          <p:cNvPr id="60" name="Straight Arrow Connector 59"/>
           <p:cNvCxnSpPr/>
           <p:nvPr/>
         </p:nvCxnSpPr>
         <p:spPr>
           <a:xfrm>
-            <a:off x="4192562" y="3370538"/>
-            <a:ext cx="640695" cy="0"/>
+            <a:off x="7146930" y="1569452"/>
+            <a:ext cx="690784" cy="408048"/>
           </a:xfrm>
           <a:prstGeom prst="straightConnector1">
             <a:avLst/>
@@ -6118,389 +6537,14 @@
       </p:cxnSp>
       <p:cxnSp>
         <p:nvCxnSpPr>
-          <p:cNvPr id="29" name="Straight Arrow Connector 28"/>
+          <p:cNvPr id="62" name="Straight Arrow Connector 61"/>
           <p:cNvCxnSpPr/>
           <p:nvPr/>
         </p:nvCxnSpPr>
         <p:spPr>
           <a:xfrm flipV="1">
-            <a:off x="4288497" y="4686339"/>
-            <a:ext cx="1031841" cy="632460"/>
-          </a:xfrm>
-          <a:prstGeom prst="straightConnector1">
-            <a:avLst/>
-          </a:prstGeom>
-          <a:ln>
-            <a:headEnd type="triangle"/>
-            <a:tailEnd type="triangle"/>
-          </a:ln>
-        </p:spPr>
-        <p:style>
-          <a:lnRef idx="1">
-            <a:schemeClr val="accent1"/>
-          </a:lnRef>
-          <a:fillRef idx="0">
-            <a:schemeClr val="accent1"/>
-          </a:fillRef>
-          <a:effectRef idx="0">
-            <a:schemeClr val="accent1"/>
-          </a:effectRef>
-          <a:fontRef idx="minor">
-            <a:schemeClr val="tx1"/>
-          </a:fontRef>
-        </p:style>
-      </p:cxnSp>
-      <p:cxnSp>
-        <p:nvCxnSpPr>
-          <p:cNvPr id="31" name="Straight Arrow Connector 30"/>
-          <p:cNvCxnSpPr>
-            <a:stCxn id="9" idx="2"/>
-          </p:cNvCxnSpPr>
-          <p:nvPr/>
-        </p:nvCxnSpPr>
-        <p:spPr>
-          <a:xfrm>
-            <a:off x="1953811" y="695235"/>
-            <a:ext cx="441500" cy="233318"/>
-          </a:xfrm>
-          <a:prstGeom prst="straightConnector1">
-            <a:avLst/>
-          </a:prstGeom>
-          <a:ln>
-            <a:tailEnd type="triangle"/>
-          </a:ln>
-        </p:spPr>
-        <p:style>
-          <a:lnRef idx="1">
-            <a:schemeClr val="accent1"/>
-          </a:lnRef>
-          <a:fillRef idx="0">
-            <a:schemeClr val="accent1"/>
-          </a:fillRef>
-          <a:effectRef idx="0">
-            <a:schemeClr val="accent1"/>
-          </a:effectRef>
-          <a:fontRef idx="minor">
-            <a:schemeClr val="tx1"/>
-          </a:fontRef>
-        </p:style>
-      </p:cxnSp>
-      <p:cxnSp>
-        <p:nvCxnSpPr>
-          <p:cNvPr id="33" name="Straight Arrow Connector 32"/>
-          <p:cNvCxnSpPr/>
-          <p:nvPr/>
-        </p:nvCxnSpPr>
-        <p:spPr>
-          <a:xfrm>
-            <a:off x="1352888" y="928553"/>
-            <a:ext cx="593125" cy="285814"/>
-          </a:xfrm>
-          <a:prstGeom prst="straightConnector1">
-            <a:avLst/>
-          </a:prstGeom>
-          <a:ln>
-            <a:tailEnd type="triangle"/>
-          </a:ln>
-        </p:spPr>
-        <p:style>
-          <a:lnRef idx="1">
-            <a:schemeClr val="accent1"/>
-          </a:lnRef>
-          <a:fillRef idx="0">
-            <a:schemeClr val="accent1"/>
-          </a:fillRef>
-          <a:effectRef idx="0">
-            <a:schemeClr val="accent1"/>
-          </a:effectRef>
-          <a:fontRef idx="minor">
-            <a:schemeClr val="tx1"/>
-          </a:fontRef>
-        </p:style>
-      </p:cxnSp>
-      <p:cxnSp>
-        <p:nvCxnSpPr>
-          <p:cNvPr id="35" name="Straight Arrow Connector 34"/>
-          <p:cNvCxnSpPr>
-            <a:stCxn id="14" idx="3"/>
-          </p:cNvCxnSpPr>
-          <p:nvPr/>
-        </p:nvCxnSpPr>
-        <p:spPr>
-          <a:xfrm flipV="1">
-            <a:off x="1284383" y="1407886"/>
-            <a:ext cx="661630" cy="124276"/>
-          </a:xfrm>
-          <a:prstGeom prst="straightConnector1">
-            <a:avLst/>
-          </a:prstGeom>
-          <a:ln>
-            <a:tailEnd type="triangle"/>
-          </a:ln>
-        </p:spPr>
-        <p:style>
-          <a:lnRef idx="1">
-            <a:schemeClr val="accent1"/>
-          </a:lnRef>
-          <a:fillRef idx="0">
-            <a:schemeClr val="accent1"/>
-          </a:fillRef>
-          <a:effectRef idx="0">
-            <a:schemeClr val="accent1"/>
-          </a:effectRef>
-          <a:fontRef idx="minor">
-            <a:schemeClr val="tx1"/>
-          </a:fontRef>
-        </p:style>
-      </p:cxnSp>
-      <p:cxnSp>
-        <p:nvCxnSpPr>
-          <p:cNvPr id="37" name="Straight Arrow Connector 36"/>
-          <p:cNvCxnSpPr/>
-          <p:nvPr/>
-        </p:nvCxnSpPr>
-        <p:spPr>
-          <a:xfrm flipV="1">
-            <a:off x="2121689" y="1596571"/>
-            <a:ext cx="273622" cy="181381"/>
-          </a:xfrm>
-          <a:prstGeom prst="straightConnector1">
-            <a:avLst/>
-          </a:prstGeom>
-          <a:ln>
-            <a:tailEnd type="triangle"/>
-          </a:ln>
-        </p:spPr>
-        <p:style>
-          <a:lnRef idx="1">
-            <a:schemeClr val="accent1"/>
-          </a:lnRef>
-          <a:fillRef idx="0">
-            <a:schemeClr val="accent1"/>
-          </a:fillRef>
-          <a:effectRef idx="0">
-            <a:schemeClr val="accent1"/>
-          </a:effectRef>
-          <a:fontRef idx="minor">
-            <a:schemeClr val="tx1"/>
-          </a:fontRef>
-        </p:style>
-      </p:cxnSp>
-      <p:cxnSp>
-        <p:nvCxnSpPr>
-          <p:cNvPr id="39" name="Straight Arrow Connector 38"/>
-          <p:cNvCxnSpPr>
-            <a:stCxn id="10" idx="3"/>
-          </p:cNvCxnSpPr>
-          <p:nvPr/>
-        </p:nvCxnSpPr>
-        <p:spPr>
-          <a:xfrm>
-            <a:off x="1602342" y="2755858"/>
-            <a:ext cx="605525" cy="413794"/>
-          </a:xfrm>
-          <a:prstGeom prst="straightConnector1">
-            <a:avLst/>
-          </a:prstGeom>
-          <a:ln>
-            <a:tailEnd type="triangle"/>
-          </a:ln>
-        </p:spPr>
-        <p:style>
-          <a:lnRef idx="1">
-            <a:schemeClr val="accent1"/>
-          </a:lnRef>
-          <a:fillRef idx="0">
-            <a:schemeClr val="accent1"/>
-          </a:fillRef>
-          <a:effectRef idx="0">
-            <a:schemeClr val="accent1"/>
-          </a:effectRef>
-          <a:fontRef idx="minor">
-            <a:schemeClr val="tx1"/>
-          </a:fontRef>
-        </p:style>
-      </p:cxnSp>
-      <p:cxnSp>
-        <p:nvCxnSpPr>
-          <p:cNvPr id="41" name="Straight Arrow Connector 40"/>
-          <p:cNvCxnSpPr>
-            <a:stCxn id="11" idx="3"/>
-            <a:endCxn id="4" idx="1"/>
-          </p:cNvCxnSpPr>
-          <p:nvPr/>
-        </p:nvCxnSpPr>
-        <p:spPr>
-          <a:xfrm>
-            <a:off x="1016703" y="3399859"/>
-            <a:ext cx="937107" cy="7532"/>
-          </a:xfrm>
-          <a:prstGeom prst="straightConnector1">
-            <a:avLst/>
-          </a:prstGeom>
-          <a:ln>
-            <a:tailEnd type="triangle"/>
-          </a:ln>
-        </p:spPr>
-        <p:style>
-          <a:lnRef idx="1">
-            <a:schemeClr val="accent1"/>
-          </a:lnRef>
-          <a:fillRef idx="0">
-            <a:schemeClr val="accent1"/>
-          </a:fillRef>
-          <a:effectRef idx="0">
-            <a:schemeClr val="accent1"/>
-          </a:effectRef>
-          <a:fontRef idx="minor">
-            <a:schemeClr val="tx1"/>
-          </a:fontRef>
-        </p:style>
-      </p:cxnSp>
-      <p:cxnSp>
-        <p:nvCxnSpPr>
-          <p:cNvPr id="43" name="Straight Arrow Connector 42"/>
-          <p:cNvCxnSpPr/>
-          <p:nvPr/>
-        </p:nvCxnSpPr>
-        <p:spPr>
-          <a:xfrm flipV="1">
-            <a:off x="1824629" y="3717653"/>
-            <a:ext cx="347050" cy="258225"/>
-          </a:xfrm>
-          <a:prstGeom prst="straightConnector1">
-            <a:avLst/>
-          </a:prstGeom>
-          <a:ln>
-            <a:tailEnd type="triangle"/>
-          </a:ln>
-        </p:spPr>
-        <p:style>
-          <a:lnRef idx="1">
-            <a:schemeClr val="accent1"/>
-          </a:lnRef>
-          <a:fillRef idx="0">
-            <a:schemeClr val="accent1"/>
-          </a:fillRef>
-          <a:effectRef idx="0">
-            <a:schemeClr val="accent1"/>
-          </a:effectRef>
-          <a:fontRef idx="minor">
-            <a:schemeClr val="tx1"/>
-          </a:fontRef>
-        </p:style>
-      </p:cxnSp>
-      <p:cxnSp>
-        <p:nvCxnSpPr>
-          <p:cNvPr id="45" name="Straight Arrow Connector 44"/>
-          <p:cNvCxnSpPr/>
-          <p:nvPr/>
-        </p:nvCxnSpPr>
-        <p:spPr>
-          <a:xfrm>
-            <a:off x="2121689" y="5181600"/>
-            <a:ext cx="418311" cy="333829"/>
-          </a:xfrm>
-          <a:prstGeom prst="straightConnector1">
-            <a:avLst/>
-          </a:prstGeom>
-          <a:ln>
-            <a:tailEnd type="triangle"/>
-          </a:ln>
-        </p:spPr>
-        <p:style>
-          <a:lnRef idx="1">
-            <a:schemeClr val="accent1"/>
-          </a:lnRef>
-          <a:fillRef idx="0">
-            <a:schemeClr val="accent1"/>
-          </a:fillRef>
-          <a:effectRef idx="0">
-            <a:schemeClr val="accent1"/>
-          </a:effectRef>
-          <a:fontRef idx="minor">
-            <a:schemeClr val="tx1"/>
-          </a:fontRef>
-        </p:style>
-      </p:cxnSp>
-      <p:cxnSp>
-        <p:nvCxnSpPr>
-          <p:cNvPr id="47" name="Straight Arrow Connector 46"/>
-          <p:cNvCxnSpPr/>
-          <p:nvPr/>
-        </p:nvCxnSpPr>
-        <p:spPr>
-          <a:xfrm>
-            <a:off x="1512310" y="5776686"/>
-            <a:ext cx="659369" cy="43543"/>
-          </a:xfrm>
-          <a:prstGeom prst="straightConnector1">
-            <a:avLst/>
-          </a:prstGeom>
-          <a:ln>
-            <a:tailEnd type="triangle"/>
-          </a:ln>
-        </p:spPr>
-        <p:style>
-          <a:lnRef idx="1">
-            <a:schemeClr val="accent1"/>
-          </a:lnRef>
-          <a:fillRef idx="0">
-            <a:schemeClr val="accent1"/>
-          </a:fillRef>
-          <a:effectRef idx="0">
-            <a:schemeClr val="accent1"/>
-          </a:effectRef>
-          <a:fontRef idx="minor">
-            <a:schemeClr val="tx1"/>
-          </a:fontRef>
-        </p:style>
-      </p:cxnSp>
-      <p:cxnSp>
-        <p:nvCxnSpPr>
-          <p:cNvPr id="49" name="Straight Arrow Connector 48"/>
-          <p:cNvCxnSpPr>
-            <a:stCxn id="8" idx="3"/>
-          </p:cNvCxnSpPr>
-          <p:nvPr/>
-        </p:nvCxnSpPr>
-        <p:spPr>
-          <a:xfrm flipV="1">
-            <a:off x="1992015" y="6041979"/>
-            <a:ext cx="547985" cy="297113"/>
-          </a:xfrm>
-          <a:prstGeom prst="straightConnector1">
-            <a:avLst/>
-          </a:prstGeom>
-          <a:ln>
-            <a:tailEnd type="triangle"/>
-          </a:ln>
-        </p:spPr>
-        <p:style>
-          <a:lnRef idx="1">
-            <a:schemeClr val="accent1"/>
-          </a:lnRef>
-          <a:fillRef idx="0">
-            <a:schemeClr val="accent1"/>
-          </a:fillRef>
-          <a:effectRef idx="0">
-            <a:schemeClr val="accent1"/>
-          </a:effectRef>
-          <a:fontRef idx="minor">
-            <a:schemeClr val="tx1"/>
-          </a:fontRef>
-        </p:style>
-      </p:cxnSp>
-      <p:cxnSp>
-        <p:nvCxnSpPr>
-          <p:cNvPr id="53" name="Straight Arrow Connector 52"/>
-          <p:cNvCxnSpPr/>
-          <p:nvPr/>
-        </p:nvCxnSpPr>
-        <p:spPr>
-          <a:xfrm>
-            <a:off x="9559128" y="3308049"/>
-            <a:ext cx="624115" cy="1102184"/>
+            <a:off x="10300735" y="1695425"/>
+            <a:ext cx="459249" cy="312687"/>
           </a:xfrm>
           <a:prstGeom prst="straightConnector1">
             <a:avLst/>
@@ -6527,7 +6571,7 @@
       </p:cxnSp>
       <p:pic>
         <p:nvPicPr>
-          <p:cNvPr id="54" name="Picture 53"/>
+          <p:cNvPr id="63" name="Picture 62"/>
           <p:cNvPicPr>
             <a:picLocks noChangeAspect="1"/>
           </p:cNvPicPr>
@@ -6547,17 +6591,298 @@
         </p:blipFill>
         <p:spPr>
           <a:xfrm>
-            <a:off x="5979796" y="717621"/>
-            <a:ext cx="1351520" cy="977804"/>
+            <a:off x="3746838" y="33278"/>
+            <a:ext cx="709744" cy="709744"/>
           </a:xfrm>
           <a:prstGeom prst="rect">
             <a:avLst/>
           </a:prstGeom>
         </p:spPr>
       </p:pic>
+      <p:cxnSp>
+        <p:nvCxnSpPr>
+          <p:cNvPr id="65" name="Straight Arrow Connector 64"/>
+          <p:cNvCxnSpPr>
+            <a:endCxn id="63" idx="1"/>
+          </p:cNvCxnSpPr>
+          <p:nvPr/>
+        </p:nvCxnSpPr>
+        <p:spPr>
+          <a:xfrm flipV="1">
+            <a:off x="3230088" y="388150"/>
+            <a:ext cx="516750" cy="224173"/>
+          </a:xfrm>
+          <a:prstGeom prst="straightConnector1">
+            <a:avLst/>
+          </a:prstGeom>
+          <a:ln>
+            <a:tailEnd type="triangle"/>
+          </a:ln>
+        </p:spPr>
+        <p:style>
+          <a:lnRef idx="1">
+            <a:schemeClr val="accent1"/>
+          </a:lnRef>
+          <a:fillRef idx="0">
+            <a:schemeClr val="accent1"/>
+          </a:fillRef>
+          <a:effectRef idx="0">
+            <a:schemeClr val="accent1"/>
+          </a:effectRef>
+          <a:fontRef idx="minor">
+            <a:schemeClr val="tx1"/>
+          </a:fontRef>
+        </p:style>
+      </p:cxnSp>
       <p:pic>
         <p:nvPicPr>
-          <p:cNvPr id="56" name="Picture 55"/>
+          <p:cNvPr id="66" name="Picture 65"/>
+          <p:cNvPicPr>
+            <a:picLocks noChangeAspect="1"/>
+          </p:cNvPicPr>
+          <p:nvPr/>
+        </p:nvPicPr>
+        <p:blipFill>
+          <a:blip r:embed="rId10">
+            <a:extLst>
+              <a:ext uri="{28A0092B-C50C-407E-A947-70E740481C1C}">
+                <a14:useLocalDpi xmlns:a14="http://schemas.microsoft.com/office/drawing/2010/main" val="0"/>
+              </a:ext>
+            </a:extLst>
+          </a:blip>
+          <a:stretch>
+            <a:fillRect/>
+          </a:stretch>
+        </p:blipFill>
+        <p:spPr>
+          <a:xfrm>
+            <a:off x="3539031" y="2084756"/>
+            <a:ext cx="709744" cy="709744"/>
+          </a:xfrm>
+          <a:prstGeom prst="rect">
+            <a:avLst/>
+          </a:prstGeom>
+        </p:spPr>
+      </p:pic>
+      <p:cxnSp>
+        <p:nvCxnSpPr>
+          <p:cNvPr id="67" name="Straight Arrow Connector 66"/>
+          <p:cNvCxnSpPr>
+            <a:endCxn id="66" idx="1"/>
+          </p:cNvCxnSpPr>
+          <p:nvPr/>
+        </p:nvCxnSpPr>
+        <p:spPr>
+          <a:xfrm flipV="1">
+            <a:off x="3022281" y="2439628"/>
+            <a:ext cx="516750" cy="224173"/>
+          </a:xfrm>
+          <a:prstGeom prst="straightConnector1">
+            <a:avLst/>
+          </a:prstGeom>
+          <a:ln>
+            <a:tailEnd type="triangle"/>
+          </a:ln>
+        </p:spPr>
+        <p:style>
+          <a:lnRef idx="1">
+            <a:schemeClr val="accent1"/>
+          </a:lnRef>
+          <a:fillRef idx="0">
+            <a:schemeClr val="accent1"/>
+          </a:fillRef>
+          <a:effectRef idx="0">
+            <a:schemeClr val="accent1"/>
+          </a:effectRef>
+          <a:fontRef idx="minor">
+            <a:schemeClr val="tx1"/>
+          </a:fontRef>
+        </p:style>
+      </p:cxnSp>
+      <p:pic>
+        <p:nvPicPr>
+          <p:cNvPr id="68" name="Picture 67"/>
+          <p:cNvPicPr>
+            <a:picLocks noChangeAspect="1"/>
+          </p:cNvPicPr>
+          <p:nvPr/>
+        </p:nvPicPr>
+        <p:blipFill>
+          <a:blip r:embed="rId10">
+            <a:extLst>
+              <a:ext uri="{28A0092B-C50C-407E-A947-70E740481C1C}">
+                <a14:useLocalDpi xmlns:a14="http://schemas.microsoft.com/office/drawing/2010/main" val="0"/>
+              </a:ext>
+            </a:extLst>
+          </a:blip>
+          <a:stretch>
+            <a:fillRect/>
+          </a:stretch>
+        </p:blipFill>
+        <p:spPr>
+          <a:xfrm>
+            <a:off x="3851741" y="4393564"/>
+            <a:ext cx="709744" cy="709744"/>
+          </a:xfrm>
+          <a:prstGeom prst="rect">
+            <a:avLst/>
+          </a:prstGeom>
+        </p:spPr>
+      </p:pic>
+      <p:cxnSp>
+        <p:nvCxnSpPr>
+          <p:cNvPr id="69" name="Straight Arrow Connector 68"/>
+          <p:cNvCxnSpPr>
+            <a:endCxn id="68" idx="1"/>
+          </p:cNvCxnSpPr>
+          <p:nvPr/>
+        </p:nvCxnSpPr>
+        <p:spPr>
+          <a:xfrm flipV="1">
+            <a:off x="3334991" y="4748436"/>
+            <a:ext cx="516750" cy="224173"/>
+          </a:xfrm>
+          <a:prstGeom prst="straightConnector1">
+            <a:avLst/>
+          </a:prstGeom>
+          <a:ln>
+            <a:tailEnd type="triangle"/>
+          </a:ln>
+        </p:spPr>
+        <p:style>
+          <a:lnRef idx="1">
+            <a:schemeClr val="accent1"/>
+          </a:lnRef>
+          <a:fillRef idx="0">
+            <a:schemeClr val="accent1"/>
+          </a:fillRef>
+          <a:effectRef idx="0">
+            <a:schemeClr val="accent1"/>
+          </a:effectRef>
+          <a:fontRef idx="minor">
+            <a:schemeClr val="tx1"/>
+          </a:fontRef>
+        </p:style>
+      </p:cxnSp>
+      <p:sp>
+        <p:nvSpPr>
+          <p:cNvPr id="24" name="TextBox 23"/>
+          <p:cNvSpPr txBox="1"/>
+          <p:nvPr/>
+        </p:nvSpPr>
+        <p:spPr>
+          <a:xfrm>
+            <a:off x="4561485" y="1849956"/>
+            <a:ext cx="415498" cy="369332"/>
+          </a:xfrm>
+          <a:prstGeom prst="rect">
+            <a:avLst/>
+          </a:prstGeom>
+          <a:noFill/>
+        </p:spPr>
+        <p:txBody>
+          <a:bodyPr wrap="none" rtlCol="0">
+            <a:spAutoFit/>
+          </a:bodyPr>
+          <a:lstStyle/>
+          <a:p>
+            <a:r>
+              <a:rPr lang="en-US" dirty="0"/>
+              <a:t>RF</a:t>
+            </a:r>
+          </a:p>
+        </p:txBody>
+      </p:sp>
+      <p:sp>
+        <p:nvSpPr>
+          <p:cNvPr id="50" name="TextBox 49"/>
+          <p:cNvSpPr txBox="1"/>
+          <p:nvPr/>
+        </p:nvSpPr>
+        <p:spPr>
+          <a:xfrm>
+            <a:off x="4669887" y="4989895"/>
+            <a:ext cx="415498" cy="369332"/>
+          </a:xfrm>
+          <a:prstGeom prst="rect">
+            <a:avLst/>
+          </a:prstGeom>
+          <a:noFill/>
+        </p:spPr>
+        <p:txBody>
+          <a:bodyPr wrap="none" rtlCol="0">
+            <a:spAutoFit/>
+          </a:bodyPr>
+          <a:lstStyle/>
+          <a:p>
+            <a:r>
+              <a:rPr lang="en-US" dirty="0"/>
+              <a:t>RF</a:t>
+            </a:r>
+          </a:p>
+        </p:txBody>
+      </p:sp>
+      <p:sp>
+        <p:nvSpPr>
+          <p:cNvPr id="51" name="TextBox 50"/>
+          <p:cNvSpPr txBox="1"/>
+          <p:nvPr/>
+        </p:nvSpPr>
+        <p:spPr>
+          <a:xfrm>
+            <a:off x="4429261" y="3195600"/>
+            <a:ext cx="415498" cy="369332"/>
+          </a:xfrm>
+          <a:prstGeom prst="rect">
+            <a:avLst/>
+          </a:prstGeom>
+          <a:noFill/>
+        </p:spPr>
+        <p:txBody>
+          <a:bodyPr wrap="none" rtlCol="0">
+            <a:spAutoFit/>
+          </a:bodyPr>
+          <a:lstStyle/>
+          <a:p>
+            <a:r>
+              <a:rPr lang="en-US" dirty="0"/>
+              <a:t>RF</a:t>
+            </a:r>
+          </a:p>
+        </p:txBody>
+      </p:sp>
+      <p:sp>
+        <p:nvSpPr>
+          <p:cNvPr id="26" name="TextBox 25"/>
+          <p:cNvSpPr txBox="1"/>
+          <p:nvPr/>
+        </p:nvSpPr>
+        <p:spPr>
+          <a:xfrm>
+            <a:off x="6457328" y="1892915"/>
+            <a:ext cx="671979" cy="369332"/>
+          </a:xfrm>
+          <a:prstGeom prst="rect">
+            <a:avLst/>
+          </a:prstGeom>
+          <a:noFill/>
+        </p:spPr>
+        <p:txBody>
+          <a:bodyPr wrap="none" rtlCol="0">
+            <a:spAutoFit/>
+          </a:bodyPr>
+          <a:lstStyle/>
+          <a:p>
+            <a:r>
+              <a:rPr lang="en-US" dirty="0"/>
+              <a:t>Wi-Fi</a:t>
+            </a:r>
+          </a:p>
+        </p:txBody>
+      </p:sp>
+      <p:pic>
+        <p:nvPicPr>
+          <p:cNvPr id="28" name="Picture 27"/>
           <p:cNvPicPr>
             <a:picLocks noChangeAspect="1"/>
           </p:cNvPicPr>
@@ -6577,126 +6902,22 @@
         </p:blipFill>
         <p:spPr>
           <a:xfrm>
-            <a:off x="10759984" y="792838"/>
-            <a:ext cx="843057" cy="843057"/>
+            <a:off x="1620552" y="189067"/>
+            <a:ext cx="717833" cy="403331"/>
           </a:xfrm>
           <a:prstGeom prst="rect">
             <a:avLst/>
           </a:prstGeom>
         </p:spPr>
       </p:pic>
-      <p:cxnSp>
-        <p:nvCxnSpPr>
-          <p:cNvPr id="58" name="Straight Arrow Connector 57"/>
-          <p:cNvCxnSpPr/>
-          <p:nvPr/>
-        </p:nvCxnSpPr>
-        <p:spPr>
-          <a:xfrm flipH="1">
-            <a:off x="6400800" y="1849956"/>
-            <a:ext cx="87086" cy="455251"/>
-          </a:xfrm>
-          <a:prstGeom prst="straightConnector1">
-            <a:avLst/>
-          </a:prstGeom>
-          <a:ln>
-            <a:headEnd type="triangle"/>
-            <a:tailEnd type="triangle"/>
-          </a:ln>
-        </p:spPr>
-        <p:style>
-          <a:lnRef idx="1">
-            <a:schemeClr val="accent1"/>
-          </a:lnRef>
-          <a:fillRef idx="0">
-            <a:schemeClr val="accent1"/>
-          </a:fillRef>
-          <a:effectRef idx="0">
-            <a:schemeClr val="accent1"/>
-          </a:effectRef>
-          <a:fontRef idx="minor">
-            <a:schemeClr val="tx1"/>
-          </a:fontRef>
-        </p:style>
-      </p:cxnSp>
-      <p:cxnSp>
-        <p:nvCxnSpPr>
-          <p:cNvPr id="60" name="Straight Arrow Connector 59"/>
-          <p:cNvCxnSpPr/>
-          <p:nvPr/>
-        </p:nvCxnSpPr>
-        <p:spPr>
-          <a:xfrm>
-            <a:off x="7146930" y="1569452"/>
-            <a:ext cx="690784" cy="408048"/>
-          </a:xfrm>
-          <a:prstGeom prst="straightConnector1">
-            <a:avLst/>
-          </a:prstGeom>
-          <a:ln>
-            <a:headEnd type="triangle"/>
-            <a:tailEnd type="triangle"/>
-          </a:ln>
-        </p:spPr>
-        <p:style>
-          <a:lnRef idx="1">
-            <a:schemeClr val="accent1"/>
-          </a:lnRef>
-          <a:fillRef idx="0">
-            <a:schemeClr val="accent1"/>
-          </a:fillRef>
-          <a:effectRef idx="0">
-            <a:schemeClr val="accent1"/>
-          </a:effectRef>
-          <a:fontRef idx="minor">
-            <a:schemeClr val="tx1"/>
-          </a:fontRef>
-        </p:style>
-      </p:cxnSp>
-      <p:cxnSp>
-        <p:nvCxnSpPr>
-          <p:cNvPr id="62" name="Straight Arrow Connector 61"/>
-          <p:cNvCxnSpPr/>
-          <p:nvPr/>
-        </p:nvCxnSpPr>
-        <p:spPr>
-          <a:xfrm flipV="1">
-            <a:off x="10300735" y="1695425"/>
-            <a:ext cx="459249" cy="312687"/>
-          </a:xfrm>
-          <a:prstGeom prst="straightConnector1">
-            <a:avLst/>
-          </a:prstGeom>
-          <a:ln>
-            <a:headEnd type="triangle"/>
-            <a:tailEnd type="triangle"/>
-          </a:ln>
-        </p:spPr>
-        <p:style>
-          <a:lnRef idx="1">
-            <a:schemeClr val="accent1"/>
-          </a:lnRef>
-          <a:fillRef idx="0">
-            <a:schemeClr val="accent1"/>
-          </a:fillRef>
-          <a:effectRef idx="0">
-            <a:schemeClr val="accent1"/>
-          </a:effectRef>
-          <a:fontRef idx="minor">
-            <a:schemeClr val="tx1"/>
-          </a:fontRef>
-        </p:style>
-      </p:cxnSp>
       <p:pic>
         <p:nvPicPr>
-          <p:cNvPr id="63" name="Picture 62"/>
-          <p:cNvPicPr>
-            <a:picLocks noChangeAspect="1"/>
-          </p:cNvPicPr>
+          <p:cNvPr id="70" name="Picture 69"/>
+          <p:cNvPicPr/>
           <p:nvPr/>
         </p:nvPicPr>
         <p:blipFill>
-          <a:blip r:embed="rId12">
+          <a:blip r:embed="rId12" cstate="print">
             <a:extLst>
               <a:ext uri="{28A0092B-C50C-407E-A947-70E740481C1C}">
                 <a14:useLocalDpi xmlns:a14="http://schemas.microsoft.com/office/drawing/2010/main" val="0"/>
@@ -6709,59 +6930,22 @@
         </p:blipFill>
         <p:spPr>
           <a:xfrm>
-            <a:off x="3746838" y="33278"/>
-            <a:ext cx="709744" cy="709744"/>
+            <a:off x="1472178" y="3756195"/>
+            <a:ext cx="445252" cy="527175"/>
           </a:xfrm>
           <a:prstGeom prst="rect">
             <a:avLst/>
           </a:prstGeom>
         </p:spPr>
       </p:pic>
-      <p:cxnSp>
-        <p:nvCxnSpPr>
-          <p:cNvPr id="65" name="Straight Arrow Connector 64"/>
-          <p:cNvCxnSpPr>
-            <a:endCxn id="63" idx="1"/>
-          </p:cNvCxnSpPr>
-          <p:nvPr/>
-        </p:nvCxnSpPr>
-        <p:spPr>
-          <a:xfrm flipV="1">
-            <a:off x="3230088" y="388150"/>
-            <a:ext cx="516750" cy="224173"/>
-          </a:xfrm>
-          <a:prstGeom prst="straightConnector1">
-            <a:avLst/>
-          </a:prstGeom>
-          <a:ln>
-            <a:tailEnd type="triangle"/>
-          </a:ln>
-        </p:spPr>
-        <p:style>
-          <a:lnRef idx="1">
-            <a:schemeClr val="accent1"/>
-          </a:lnRef>
-          <a:fillRef idx="0">
-            <a:schemeClr val="accent1"/>
-          </a:fillRef>
-          <a:effectRef idx="0">
-            <a:schemeClr val="accent1"/>
-          </a:effectRef>
-          <a:fontRef idx="minor">
-            <a:schemeClr val="tx1"/>
-          </a:fontRef>
-        </p:style>
-      </p:cxnSp>
       <p:pic>
         <p:nvPicPr>
-          <p:cNvPr id="66" name="Picture 65"/>
-          <p:cNvPicPr>
-            <a:picLocks noChangeAspect="1"/>
-          </p:cNvPicPr>
+          <p:cNvPr id="71" name="Picture 70"/>
+          <p:cNvPicPr/>
           <p:nvPr/>
         </p:nvPicPr>
         <p:blipFill>
-          <a:blip r:embed="rId12">
+          <a:blip r:embed="rId13" cstate="print">
             <a:extLst>
               <a:ext uri="{28A0092B-C50C-407E-A947-70E740481C1C}">
                 <a14:useLocalDpi xmlns:a14="http://schemas.microsoft.com/office/drawing/2010/main" val="0"/>
@@ -6774,59 +6958,22 @@
         </p:blipFill>
         <p:spPr>
           <a:xfrm>
-            <a:off x="3539031" y="2084756"/>
-            <a:ext cx="709744" cy="709744"/>
+            <a:off x="1030102" y="2525353"/>
+            <a:ext cx="464044" cy="517536"/>
           </a:xfrm>
           <a:prstGeom prst="rect">
             <a:avLst/>
           </a:prstGeom>
         </p:spPr>
       </p:pic>
-      <p:cxnSp>
-        <p:nvCxnSpPr>
-          <p:cNvPr id="67" name="Straight Arrow Connector 66"/>
-          <p:cNvCxnSpPr>
-            <a:endCxn id="66" idx="1"/>
-          </p:cNvCxnSpPr>
-          <p:nvPr/>
-        </p:nvCxnSpPr>
-        <p:spPr>
-          <a:xfrm flipV="1">
-            <a:off x="3022281" y="2439628"/>
-            <a:ext cx="516750" cy="224173"/>
-          </a:xfrm>
-          <a:prstGeom prst="straightConnector1">
-            <a:avLst/>
-          </a:prstGeom>
-          <a:ln>
-            <a:tailEnd type="triangle"/>
-          </a:ln>
-        </p:spPr>
-        <p:style>
-          <a:lnRef idx="1">
-            <a:schemeClr val="accent1"/>
-          </a:lnRef>
-          <a:fillRef idx="0">
-            <a:schemeClr val="accent1"/>
-          </a:fillRef>
-          <a:effectRef idx="0">
-            <a:schemeClr val="accent1"/>
-          </a:effectRef>
-          <a:fontRef idx="minor">
-            <a:schemeClr val="tx1"/>
-          </a:fontRef>
-        </p:style>
-      </p:cxnSp>
       <p:pic>
         <p:nvPicPr>
-          <p:cNvPr id="68" name="Picture 67"/>
-          <p:cNvPicPr>
-            <a:picLocks noChangeAspect="1"/>
-          </p:cNvPicPr>
+          <p:cNvPr id="72" name="Picture 71"/>
+          <p:cNvPicPr/>
           <p:nvPr/>
         </p:nvPicPr>
         <p:blipFill>
-          <a:blip r:embed="rId12">
+          <a:blip r:embed="rId12" cstate="print">
             <a:extLst>
               <a:ext uri="{28A0092B-C50C-407E-A947-70E740481C1C}">
                 <a14:useLocalDpi xmlns:a14="http://schemas.microsoft.com/office/drawing/2010/main" val="0"/>
@@ -6839,165 +6986,98 @@
         </p:blipFill>
         <p:spPr>
           <a:xfrm>
-            <a:off x="3851741" y="4393564"/>
-            <a:ext cx="709744" cy="709744"/>
+            <a:off x="1450078" y="1599980"/>
+            <a:ext cx="445252" cy="527175"/>
           </a:xfrm>
           <a:prstGeom prst="rect">
             <a:avLst/>
           </a:prstGeom>
         </p:spPr>
       </p:pic>
-      <p:cxnSp>
-        <p:nvCxnSpPr>
-          <p:cNvPr id="69" name="Straight Arrow Connector 68"/>
-          <p:cNvCxnSpPr>
-            <a:endCxn id="68" idx="1"/>
-          </p:cNvCxnSpPr>
+      <p:pic>
+        <p:nvPicPr>
+          <p:cNvPr id="73" name="Picture 72"/>
+          <p:cNvPicPr/>
           <p:nvPr/>
-        </p:nvCxnSpPr>
-        <p:spPr>
-          <a:xfrm flipV="1">
-            <a:off x="3334991" y="4748436"/>
-            <a:ext cx="516750" cy="224173"/>
-          </a:xfrm>
-          <a:prstGeom prst="straightConnector1">
-            <a:avLst/>
-          </a:prstGeom>
-          <a:ln>
-            <a:tailEnd type="triangle"/>
-          </a:ln>
-        </p:spPr>
-        <p:style>
-          <a:lnRef idx="1">
-            <a:schemeClr val="accent1"/>
-          </a:lnRef>
-          <a:fillRef idx="0">
-            <a:schemeClr val="accent1"/>
-          </a:fillRef>
-          <a:effectRef idx="0">
-            <a:schemeClr val="accent1"/>
-          </a:effectRef>
-          <a:fontRef idx="minor">
-            <a:schemeClr val="tx1"/>
-          </a:fontRef>
-        </p:style>
-      </p:cxnSp>
-      <p:sp>
-        <p:nvSpPr>
-          <p:cNvPr id="24" name="TextBox 23"/>
-          <p:cNvSpPr txBox="1"/>
+        </p:nvPicPr>
+        <p:blipFill>
+          <a:blip r:embed="rId13" cstate="print">
+            <a:extLst>
+              <a:ext uri="{28A0092B-C50C-407E-A947-70E740481C1C}">
+                <a14:useLocalDpi xmlns:a14="http://schemas.microsoft.com/office/drawing/2010/main" val="0"/>
+              </a:ext>
+            </a:extLst>
+          </a:blip>
+          <a:stretch>
+            <a:fillRect/>
+          </a:stretch>
+        </p:blipFill>
+        <p:spPr>
+          <a:xfrm>
+            <a:off x="1008002" y="369138"/>
+            <a:ext cx="464044" cy="517536"/>
+          </a:xfrm>
+          <a:prstGeom prst="rect">
+            <a:avLst/>
+          </a:prstGeom>
+        </p:spPr>
+      </p:pic>
+      <p:pic>
+        <p:nvPicPr>
+          <p:cNvPr id="74" name="Picture 73"/>
+          <p:cNvPicPr/>
           <p:nvPr/>
-        </p:nvSpPr>
-        <p:spPr>
-          <a:xfrm>
-            <a:off x="4561485" y="1849956"/>
-            <a:ext cx="415498" cy="369332"/>
+        </p:nvPicPr>
+        <p:blipFill>
+          <a:blip r:embed="rId12" cstate="print">
+            <a:extLst>
+              <a:ext uri="{28A0092B-C50C-407E-A947-70E740481C1C}">
+                <a14:useLocalDpi xmlns:a14="http://schemas.microsoft.com/office/drawing/2010/main" val="0"/>
+              </a:ext>
+            </a:extLst>
+          </a:blip>
+          <a:stretch>
+            <a:fillRect/>
+          </a:stretch>
+        </p:blipFill>
+        <p:spPr>
+          <a:xfrm>
+            <a:off x="1524907" y="5949792"/>
+            <a:ext cx="445252" cy="527175"/>
           </a:xfrm>
           <a:prstGeom prst="rect">
             <a:avLst/>
           </a:prstGeom>
-          <a:noFill/>
-        </p:spPr>
-        <p:txBody>
-          <a:bodyPr wrap="none" rtlCol="0">
-            <a:spAutoFit/>
-          </a:bodyPr>
-          <a:lstStyle/>
-          <a:p>
-            <a:r>
-              <a:rPr lang="en-US" dirty="0"/>
-              <a:t>RF</a:t>
-            </a:r>
-          </a:p>
-        </p:txBody>
-      </p:sp>
-      <p:sp>
-        <p:nvSpPr>
-          <p:cNvPr id="50" name="TextBox 49"/>
-          <p:cNvSpPr txBox="1"/>
+        </p:spPr>
+      </p:pic>
+      <p:pic>
+        <p:nvPicPr>
+          <p:cNvPr id="75" name="Picture 74"/>
+          <p:cNvPicPr/>
           <p:nvPr/>
-        </p:nvSpPr>
-        <p:spPr>
-          <a:xfrm>
-            <a:off x="4669887" y="4989895"/>
-            <a:ext cx="415498" cy="369332"/>
+        </p:nvPicPr>
+        <p:blipFill>
+          <a:blip r:embed="rId13" cstate="print">
+            <a:extLst>
+              <a:ext uri="{28A0092B-C50C-407E-A947-70E740481C1C}">
+                <a14:useLocalDpi xmlns:a14="http://schemas.microsoft.com/office/drawing/2010/main" val="0"/>
+              </a:ext>
+            </a:extLst>
+          </a:blip>
+          <a:stretch>
+            <a:fillRect/>
+          </a:stretch>
+        </p:blipFill>
+        <p:spPr>
+          <a:xfrm>
+            <a:off x="1327961" y="4801841"/>
+            <a:ext cx="464044" cy="517536"/>
           </a:xfrm>
           <a:prstGeom prst="rect">
             <a:avLst/>
           </a:prstGeom>
-          <a:noFill/>
-        </p:spPr>
-        <p:txBody>
-          <a:bodyPr wrap="none" rtlCol="0">
-            <a:spAutoFit/>
-          </a:bodyPr>
-          <a:lstStyle/>
-          <a:p>
-            <a:r>
-              <a:rPr lang="en-US" dirty="0"/>
-              <a:t>RF</a:t>
-            </a:r>
-          </a:p>
-        </p:txBody>
-      </p:sp>
-      <p:sp>
-        <p:nvSpPr>
-          <p:cNvPr id="51" name="TextBox 50"/>
-          <p:cNvSpPr txBox="1"/>
-          <p:nvPr/>
-        </p:nvSpPr>
-        <p:spPr>
-          <a:xfrm>
-            <a:off x="4429261" y="3195600"/>
-            <a:ext cx="415498" cy="369332"/>
-          </a:xfrm>
-          <a:prstGeom prst="rect">
-            <a:avLst/>
-          </a:prstGeom>
-          <a:noFill/>
-        </p:spPr>
-        <p:txBody>
-          <a:bodyPr wrap="none" rtlCol="0">
-            <a:spAutoFit/>
-          </a:bodyPr>
-          <a:lstStyle/>
-          <a:p>
-            <a:r>
-              <a:rPr lang="en-US" dirty="0"/>
-              <a:t>RF</a:t>
-            </a:r>
-          </a:p>
-        </p:txBody>
-      </p:sp>
-      <p:sp>
-        <p:nvSpPr>
-          <p:cNvPr id="26" name="TextBox 25"/>
-          <p:cNvSpPr txBox="1"/>
-          <p:nvPr/>
-        </p:nvSpPr>
-        <p:spPr>
-          <a:xfrm>
-            <a:off x="6457328" y="1892915"/>
-            <a:ext cx="671979" cy="369332"/>
-          </a:xfrm>
-          <a:prstGeom prst="rect">
-            <a:avLst/>
-          </a:prstGeom>
-          <a:noFill/>
-        </p:spPr>
-        <p:txBody>
-          <a:bodyPr wrap="none" rtlCol="0">
-            <a:spAutoFit/>
-          </a:bodyPr>
-          <a:lstStyle/>
-          <a:p>
-            <a:r>
-              <a:rPr lang="en-US" dirty="0"/>
-              <a:t>Wi-Fi</a:t>
-            </a:r>
-          </a:p>
-        </p:txBody>
-      </p:sp>
+        </p:spPr>
+      </p:pic>
     </p:spTree>
     <p:extLst>
       <p:ext uri="{BB962C8B-B14F-4D97-AF65-F5344CB8AC3E}">
@@ -7060,7 +7140,7 @@
       </p:pic>
       <p:pic>
         <p:nvPicPr>
-          <p:cNvPr id="3" name="Picture 2"/>
+          <p:cNvPr id="5" name="Picture 4"/>
           <p:cNvPicPr/>
           <p:nvPr/>
         </p:nvPicPr>
@@ -7078,92 +7158,8 @@
         </p:blipFill>
         <p:spPr>
           <a:xfrm>
-            <a:off x="4524610" y="607701"/>
-            <a:ext cx="1902473" cy="1425298"/>
-          </a:xfrm>
-          <a:prstGeom prst="rect">
-            <a:avLst/>
-          </a:prstGeom>
-        </p:spPr>
-      </p:pic>
-      <p:pic>
-        <p:nvPicPr>
-          <p:cNvPr id="4" name="Picture 3"/>
-          <p:cNvPicPr/>
-          <p:nvPr/>
-        </p:nvPicPr>
-        <p:blipFill>
-          <a:blip r:embed="rId4">
-            <a:extLst>
-              <a:ext uri="{28A0092B-C50C-407E-A947-70E740481C1C}">
-                <a14:useLocalDpi xmlns:a14="http://schemas.microsoft.com/office/drawing/2010/main" val="0"/>
-              </a:ext>
-            </a:extLst>
-          </a:blip>
-          <a:stretch>
-            <a:fillRect/>
-          </a:stretch>
-        </p:blipFill>
-        <p:spPr>
-          <a:xfrm>
-            <a:off x="2630906" y="1529807"/>
-            <a:ext cx="1087576" cy="1308213"/>
-          </a:xfrm>
-          <a:prstGeom prst="rect">
-            <a:avLst/>
-          </a:prstGeom>
-        </p:spPr>
-      </p:pic>
-      <p:pic>
-        <p:nvPicPr>
-          <p:cNvPr id="5" name="Picture 4"/>
-          <p:cNvPicPr/>
-          <p:nvPr/>
-        </p:nvPicPr>
-        <p:blipFill>
-          <a:blip r:embed="rId5">
-            <a:extLst>
-              <a:ext uri="{28A0092B-C50C-407E-A947-70E740481C1C}">
-                <a14:useLocalDpi xmlns:a14="http://schemas.microsoft.com/office/drawing/2010/main" val="0"/>
-              </a:ext>
-            </a:extLst>
-          </a:blip>
-          <a:stretch>
-            <a:fillRect/>
-          </a:stretch>
-        </p:blipFill>
-        <p:spPr>
-          <a:xfrm>
             <a:off x="1956854" y="3385922"/>
             <a:ext cx="1214175" cy="1314685"/>
-          </a:xfrm>
-          <a:prstGeom prst="rect">
-            <a:avLst/>
-          </a:prstGeom>
-        </p:spPr>
-      </p:pic>
-      <p:pic>
-        <p:nvPicPr>
-          <p:cNvPr id="6" name="Picture 5"/>
-          <p:cNvPicPr/>
-          <p:nvPr/>
-        </p:nvPicPr>
-        <p:blipFill>
-          <a:blip r:embed="rId6">
-            <a:extLst>
-              <a:ext uri="{28A0092B-C50C-407E-A947-70E740481C1C}">
-                <a14:useLocalDpi xmlns:a14="http://schemas.microsoft.com/office/drawing/2010/main" val="0"/>
-              </a:ext>
-            </a:extLst>
-          </a:blip>
-          <a:stretch>
-            <a:fillRect/>
-          </a:stretch>
-        </p:blipFill>
-        <p:spPr>
-          <a:xfrm>
-            <a:off x="3718482" y="4969775"/>
-            <a:ext cx="1377033" cy="825513"/>
           </a:xfrm>
           <a:prstGeom prst="rect">
             <a:avLst/>
@@ -7361,7 +7357,7 @@
           <p:nvPr/>
         </p:nvPicPr>
         <p:blipFill>
-          <a:blip r:embed="rId7">
+          <a:blip r:embed="rId4">
             <a:extLst>
               <a:ext uri="{28A0092B-C50C-407E-A947-70E740481C1C}">
                 <a14:useLocalDpi xmlns:a14="http://schemas.microsoft.com/office/drawing/2010/main" val="0"/>
@@ -7424,7 +7420,7 @@
         <p:spPr>
           <a:xfrm>
             <a:off x="6531429" y="1894761"/>
-            <a:ext cx="748025" cy="369332"/>
+            <a:ext cx="535724" cy="369332"/>
           </a:xfrm>
           <a:prstGeom prst="rect">
             <a:avLst/>
@@ -7439,7 +7435,7 @@
           <a:p>
             <a:r>
               <a:rPr lang="en-US" dirty="0"/>
-              <a:t>UART </a:t>
+              <a:t>I2C </a:t>
             </a:r>
           </a:p>
         </p:txBody>
@@ -7482,7 +7478,7 @@
         <p:spPr>
           <a:xfrm>
             <a:off x="5095515" y="2656114"/>
-            <a:ext cx="779765" cy="369332"/>
+            <a:ext cx="482824" cy="369332"/>
           </a:xfrm>
           <a:prstGeom prst="rect">
             <a:avLst/>
@@ -7497,7 +7493,7 @@
           <a:p>
             <a:r>
               <a:rPr lang="en-US" dirty="0"/>
-              <a:t>Digital</a:t>
+              <a:t>I2C</a:t>
             </a:r>
           </a:p>
         </p:txBody>
@@ -7511,7 +7507,7 @@
         <p:spPr>
           <a:xfrm>
             <a:off x="5646057" y="4700607"/>
-            <a:ext cx="1563633" cy="369332"/>
+            <a:ext cx="482824" cy="369332"/>
           </a:xfrm>
           <a:prstGeom prst="rect">
             <a:avLst/>
@@ -7526,11 +7522,97 @@
           <a:p>
             <a:r>
               <a:rPr lang="en-US" dirty="0"/>
-              <a:t>Digital/Analog</a:t>
+              <a:t>I2C</a:t>
             </a:r>
           </a:p>
         </p:txBody>
       </p:sp>
+      <p:pic>
+        <p:nvPicPr>
+          <p:cNvPr id="20" name="Picture 19"/>
+          <p:cNvPicPr>
+            <a:picLocks noChangeAspect="1"/>
+          </p:cNvPicPr>
+          <p:nvPr/>
+        </p:nvPicPr>
+        <p:blipFill>
+          <a:blip r:embed="rId5">
+            <a:extLst>
+              <a:ext uri="{28A0092B-C50C-407E-A947-70E740481C1C}">
+                <a14:useLocalDpi xmlns:a14="http://schemas.microsoft.com/office/drawing/2010/main" val="0"/>
+              </a:ext>
+            </a:extLst>
+          </a:blip>
+          <a:stretch>
+            <a:fillRect/>
+          </a:stretch>
+        </p:blipFill>
+        <p:spPr>
+          <a:xfrm>
+            <a:off x="4890949" y="1021424"/>
+            <a:ext cx="1260392" cy="708180"/>
+          </a:xfrm>
+          <a:prstGeom prst="rect">
+            <a:avLst/>
+          </a:prstGeom>
+        </p:spPr>
+      </p:pic>
+      <p:pic>
+        <p:nvPicPr>
+          <p:cNvPr id="26" name="Picture 25"/>
+          <p:cNvPicPr/>
+          <p:nvPr/>
+        </p:nvPicPr>
+        <p:blipFill>
+          <a:blip r:embed="rId6" cstate="print">
+            <a:extLst>
+              <a:ext uri="{28A0092B-C50C-407E-A947-70E740481C1C}">
+                <a14:useLocalDpi xmlns:a14="http://schemas.microsoft.com/office/drawing/2010/main" val="0"/>
+              </a:ext>
+            </a:extLst>
+          </a:blip>
+          <a:stretch>
+            <a:fillRect/>
+          </a:stretch>
+        </p:blipFill>
+        <p:spPr>
+          <a:xfrm>
+            <a:off x="3719961" y="4606166"/>
+            <a:ext cx="1390069" cy="1157215"/>
+          </a:xfrm>
+          <a:prstGeom prst="rect">
+            <a:avLst/>
+          </a:prstGeom>
+        </p:spPr>
+      </p:pic>
+      <p:pic>
+        <p:nvPicPr>
+          <p:cNvPr id="27" name="Picture 26"/>
+          <p:cNvPicPr/>
+          <p:nvPr/>
+        </p:nvPicPr>
+        <p:blipFill>
+          <a:blip r:embed="rId7" cstate="print">
+            <a:extLst>
+              <a:ext uri="{28A0092B-C50C-407E-A947-70E740481C1C}">
+                <a14:useLocalDpi xmlns:a14="http://schemas.microsoft.com/office/drawing/2010/main" val="0"/>
+              </a:ext>
+            </a:extLst>
+          </a:blip>
+          <a:stretch>
+            <a:fillRect/>
+          </a:stretch>
+        </p:blipFill>
+        <p:spPr>
+          <a:xfrm>
+            <a:off x="2255214" y="1615886"/>
+            <a:ext cx="1448737" cy="1136056"/>
+          </a:xfrm>
+          <a:prstGeom prst="rect">
+            <a:avLst/>
+          </a:prstGeom>
+        </p:spPr>
+      </p:pic>
     </p:spTree>
     <p:extLst>
       <p:ext uri="{BB962C8B-B14F-4D97-AF65-F5344CB8AC3E}">
@@ -7561,6 +7643,440 @@
           <a:chExt cx="0" cy="0"/>
         </a:xfrm>
       </p:grpSpPr>
+      <p:graphicFrame>
+        <p:nvGraphicFramePr>
+          <p:cNvPr id="3" name="Table 2"/>
+          <p:cNvGraphicFramePr>
+            <a:graphicFrameLocks noGrp="1"/>
+          </p:cNvGraphicFramePr>
+          <p:nvPr>
+            <p:extLst>
+              <p:ext uri="{D42A27DB-BD31-4B8C-83A1-F6EECF244321}">
+                <p14:modId xmlns:p14="http://schemas.microsoft.com/office/powerpoint/2010/main" val="3603034139"/>
+              </p:ext>
+            </p:extLst>
+          </p:nvPr>
+        </p:nvGraphicFramePr>
+        <p:xfrm>
+          <a:off x="1333732" y="636295"/>
+          <a:ext cx="9772074" cy="5531748"/>
+        </p:xfrm>
+        <a:graphic>
+          <a:graphicData uri="http://schemas.openxmlformats.org/drawingml/2006/table">
+            <a:tbl>
+              <a:tblPr firstRow="1" bandRow="1">
+                <a:tableStyleId>{5C22544A-7EE6-4342-B048-85BDC9FD1C3A}</a:tableStyleId>
+              </a:tblPr>
+              <a:tblGrid>
+                <a:gridCol w="3257358">
+                  <a:extLst>
+                    <a:ext uri="{9D8B030D-6E8A-4147-A177-3AD203B41FA5}">
+                      <a16:colId xmlns:a16="http://schemas.microsoft.com/office/drawing/2014/main" val="2724298270"/>
+                    </a:ext>
+                  </a:extLst>
+                </a:gridCol>
+                <a:gridCol w="3257358">
+                  <a:extLst>
+                    <a:ext uri="{9D8B030D-6E8A-4147-A177-3AD203B41FA5}">
+                      <a16:colId xmlns:a16="http://schemas.microsoft.com/office/drawing/2014/main" val="4102868576"/>
+                    </a:ext>
+                  </a:extLst>
+                </a:gridCol>
+                <a:gridCol w="3257358">
+                  <a:extLst>
+                    <a:ext uri="{9D8B030D-6E8A-4147-A177-3AD203B41FA5}">
+                      <a16:colId xmlns:a16="http://schemas.microsoft.com/office/drawing/2014/main" val="1210860752"/>
+                    </a:ext>
+                  </a:extLst>
+                </a:gridCol>
+              </a:tblGrid>
+              <a:tr h="921958">
+                <a:tc>
+                  <a:txBody>
+                    <a:bodyPr/>
+                    <a:lstStyle/>
+                    <a:p>
+                      <a:r>
+                        <a:rPr lang="en-US" dirty="0"/>
+                        <a:t>Increment</a:t>
+                      </a:r>
+                    </a:p>
+                  </a:txBody>
+                  <a:tcPr/>
+                </a:tc>
+                <a:tc>
+                  <a:txBody>
+                    <a:bodyPr/>
+                    <a:lstStyle/>
+                    <a:p>
+                      <a:r>
+                        <a:rPr lang="en-US" dirty="0" err="1"/>
+                        <a:t>Num</a:t>
+                      </a:r>
+                      <a:r>
+                        <a:rPr lang="en-US" baseline="0" dirty="0"/>
+                        <a:t> Of Week</a:t>
+                      </a:r>
+                      <a:endParaRPr lang="en-US" dirty="0"/>
+                    </a:p>
+                  </a:txBody>
+                  <a:tcPr/>
+                </a:tc>
+                <a:tc>
+                  <a:txBody>
+                    <a:bodyPr/>
+                    <a:lstStyle/>
+                    <a:p>
+                      <a:r>
+                        <a:rPr lang="en-US" dirty="0"/>
+                        <a:t>Main</a:t>
+                      </a:r>
+                      <a:r>
+                        <a:rPr lang="en-US" baseline="0" dirty="0"/>
+                        <a:t> Task</a:t>
+                      </a:r>
+                      <a:endParaRPr lang="en-US" dirty="0"/>
+                    </a:p>
+                  </a:txBody>
+                  <a:tcPr/>
+                </a:tc>
+                <a:extLst>
+                  <a:ext uri="{0D108BD9-81ED-4DB2-BD59-A6C34878D82A}">
+                    <a16:rowId xmlns:a16="http://schemas.microsoft.com/office/drawing/2014/main" val="1061089172"/>
+                  </a:ext>
+                </a:extLst>
+              </a:tr>
+              <a:tr h="921958">
+                <a:tc>
+                  <a:txBody>
+                    <a:bodyPr/>
+                    <a:lstStyle/>
+                    <a:p>
+                      <a:pPr marL="0" marR="0" indent="0" algn="l" defTabSz="914400" rtl="0" eaLnBrk="1" fontAlgn="auto" latinLnBrk="0" hangingPunct="1">
+                        <a:lnSpc>
+                          <a:spcPct val="100000"/>
+                        </a:lnSpc>
+                        <a:spcBef>
+                          <a:spcPts val="0"/>
+                        </a:spcBef>
+                        <a:spcAft>
+                          <a:spcPts val="0"/>
+                        </a:spcAft>
+                        <a:buClrTx/>
+                        <a:buSzTx/>
+                        <a:buFontTx/>
+                        <a:buNone/>
+                        <a:tabLst/>
+                        <a:defRPr/>
+                      </a:pPr>
+                      <a:r>
+                        <a:rPr lang="en-US" dirty="0"/>
+                        <a:t>Increment</a:t>
+                      </a:r>
+                      <a:r>
+                        <a:rPr lang="en-US" baseline="0" dirty="0"/>
+                        <a:t> 0</a:t>
+                      </a:r>
+                      <a:endParaRPr lang="en-US" dirty="0"/>
+                    </a:p>
+                  </a:txBody>
+                  <a:tcPr/>
+                </a:tc>
+                <a:tc>
+                  <a:txBody>
+                    <a:bodyPr/>
+                    <a:lstStyle/>
+                    <a:p>
+                      <a:r>
+                        <a:rPr lang="en-US" dirty="0"/>
+                        <a:t>1</a:t>
+                      </a:r>
+                    </a:p>
+                  </a:txBody>
+                  <a:tcPr/>
+                </a:tc>
+                <a:tc>
+                  <a:txBody>
+                    <a:bodyPr/>
+                    <a:lstStyle/>
+                    <a:p>
+                      <a:r>
+                        <a:rPr lang="en-US" dirty="0"/>
+                        <a:t>Choose</a:t>
+                      </a:r>
+                      <a:r>
+                        <a:rPr lang="en-US" baseline="0" dirty="0"/>
+                        <a:t> hardware </a:t>
+                      </a:r>
+                      <a:endParaRPr lang="en-US" dirty="0"/>
+                    </a:p>
+                  </a:txBody>
+                  <a:tcPr/>
+                </a:tc>
+                <a:extLst>
+                  <a:ext uri="{0D108BD9-81ED-4DB2-BD59-A6C34878D82A}">
+                    <a16:rowId xmlns:a16="http://schemas.microsoft.com/office/drawing/2014/main" val="2075331557"/>
+                  </a:ext>
+                </a:extLst>
+              </a:tr>
+              <a:tr h="921958">
+                <a:tc>
+                  <a:txBody>
+                    <a:bodyPr/>
+                    <a:lstStyle/>
+                    <a:p>
+                      <a:r>
+                        <a:rPr lang="en-US" dirty="0"/>
+                        <a:t>Increment</a:t>
+                      </a:r>
+                      <a:r>
+                        <a:rPr lang="en-US" baseline="0" dirty="0"/>
+                        <a:t> 1</a:t>
+                      </a:r>
+                      <a:endParaRPr lang="en-US" dirty="0"/>
+                    </a:p>
+                  </a:txBody>
+                  <a:tcPr/>
+                </a:tc>
+                <a:tc>
+                  <a:txBody>
+                    <a:bodyPr/>
+                    <a:lstStyle/>
+                    <a:p>
+                      <a:r>
+                        <a:rPr lang="en-US" dirty="0"/>
+                        <a:t>2</a:t>
+                      </a:r>
+                    </a:p>
+                  </a:txBody>
+                  <a:tcPr/>
+                </a:tc>
+                <a:tc>
+                  <a:txBody>
+                    <a:bodyPr/>
+                    <a:lstStyle/>
+                    <a:p>
+                      <a:r>
+                        <a:rPr lang="en-US" dirty="0"/>
+                        <a:t>Research</a:t>
+                      </a:r>
+                      <a:r>
+                        <a:rPr lang="en-US" baseline="0" dirty="0"/>
+                        <a:t> and buy sensors, MCU</a:t>
+                      </a:r>
+                      <a:endParaRPr lang="en-US" dirty="0"/>
+                    </a:p>
+                  </a:txBody>
+                  <a:tcPr/>
+                </a:tc>
+                <a:extLst>
+                  <a:ext uri="{0D108BD9-81ED-4DB2-BD59-A6C34878D82A}">
+                    <a16:rowId xmlns:a16="http://schemas.microsoft.com/office/drawing/2014/main" val="1644948831"/>
+                  </a:ext>
+                </a:extLst>
+              </a:tr>
+              <a:tr h="921958">
+                <a:tc>
+                  <a:txBody>
+                    <a:bodyPr/>
+                    <a:lstStyle/>
+                    <a:p>
+                      <a:r>
+                        <a:rPr lang="en-US" dirty="0"/>
+                        <a:t>Increment</a:t>
+                      </a:r>
+                      <a:r>
+                        <a:rPr lang="en-US" baseline="0" dirty="0"/>
+                        <a:t> 2</a:t>
+                      </a:r>
+                      <a:endParaRPr lang="en-US" dirty="0"/>
+                    </a:p>
+                  </a:txBody>
+                  <a:tcPr/>
+                </a:tc>
+                <a:tc>
+                  <a:txBody>
+                    <a:bodyPr/>
+                    <a:lstStyle/>
+                    <a:p>
+                      <a:r>
+                        <a:rPr lang="en-US" dirty="0"/>
+                        <a:t>3</a:t>
+                      </a:r>
+                    </a:p>
+                  </a:txBody>
+                  <a:tcPr/>
+                </a:tc>
+                <a:tc>
+                  <a:txBody>
+                    <a:bodyPr/>
+                    <a:lstStyle/>
+                    <a:p>
+                      <a:r>
+                        <a:rPr lang="en-US" dirty="0"/>
+                        <a:t>Implement and</a:t>
+                      </a:r>
+                      <a:r>
+                        <a:rPr lang="en-US" baseline="0" dirty="0"/>
+                        <a:t> code hardware</a:t>
+                      </a:r>
+                      <a:endParaRPr lang="en-US" dirty="0"/>
+                    </a:p>
+                  </a:txBody>
+                  <a:tcPr/>
+                </a:tc>
+                <a:extLst>
+                  <a:ext uri="{0D108BD9-81ED-4DB2-BD59-A6C34878D82A}">
+                    <a16:rowId xmlns:a16="http://schemas.microsoft.com/office/drawing/2014/main" val="91177799"/>
+                  </a:ext>
+                </a:extLst>
+              </a:tr>
+              <a:tr h="921958">
+                <a:tc>
+                  <a:txBody>
+                    <a:bodyPr/>
+                    <a:lstStyle/>
+                    <a:p>
+                      <a:r>
+                        <a:rPr lang="en-US" dirty="0"/>
+                        <a:t>Increment</a:t>
+                      </a:r>
+                      <a:r>
+                        <a:rPr lang="en-US" baseline="0" dirty="0"/>
+                        <a:t> 3</a:t>
+                      </a:r>
+                      <a:endParaRPr lang="en-US" dirty="0"/>
+                    </a:p>
+                  </a:txBody>
+                  <a:tcPr/>
+                </a:tc>
+                <a:tc>
+                  <a:txBody>
+                    <a:bodyPr/>
+                    <a:lstStyle/>
+                    <a:p>
+                      <a:r>
+                        <a:rPr lang="en-US" dirty="0"/>
+                        <a:t>3</a:t>
+                      </a:r>
+                    </a:p>
+                  </a:txBody>
+                  <a:tcPr/>
+                </a:tc>
+                <a:tc>
+                  <a:txBody>
+                    <a:bodyPr/>
+                    <a:lstStyle/>
+                    <a:p>
+                      <a:r>
+                        <a:rPr lang="en-US" dirty="0"/>
+                        <a:t>Make board</a:t>
+                      </a:r>
+                      <a:r>
+                        <a:rPr lang="en-US" baseline="0" dirty="0"/>
+                        <a:t> and continue to implement, Test</a:t>
+                      </a:r>
+                      <a:endParaRPr lang="en-US" dirty="0"/>
+                    </a:p>
+                  </a:txBody>
+                  <a:tcPr/>
+                </a:tc>
+                <a:extLst>
+                  <a:ext uri="{0D108BD9-81ED-4DB2-BD59-A6C34878D82A}">
+                    <a16:rowId xmlns:a16="http://schemas.microsoft.com/office/drawing/2014/main" val="2375620221"/>
+                  </a:ext>
+                </a:extLst>
+              </a:tr>
+              <a:tr h="921958">
+                <a:tc>
+                  <a:txBody>
+                    <a:bodyPr/>
+                    <a:lstStyle/>
+                    <a:p>
+                      <a:r>
+                        <a:rPr lang="en-US" dirty="0"/>
+                        <a:t>Increment</a:t>
+                      </a:r>
+                      <a:r>
+                        <a:rPr lang="en-US" baseline="0" dirty="0"/>
+                        <a:t> 4</a:t>
+                      </a:r>
+                      <a:endParaRPr lang="en-US" dirty="0"/>
+                    </a:p>
+                  </a:txBody>
+                  <a:tcPr/>
+                </a:tc>
+                <a:tc>
+                  <a:txBody>
+                    <a:bodyPr/>
+                    <a:lstStyle/>
+                    <a:p>
+                      <a:r>
+                        <a:rPr lang="en-US" dirty="0"/>
+                        <a:t>1</a:t>
+                      </a:r>
+                    </a:p>
+                  </a:txBody>
+                  <a:tcPr/>
+                </a:tc>
+                <a:tc>
+                  <a:txBody>
+                    <a:bodyPr/>
+                    <a:lstStyle/>
+                    <a:p>
+                      <a:r>
+                        <a:rPr lang="en-US" dirty="0"/>
+                        <a:t>Test</a:t>
+                      </a:r>
+                      <a:r>
+                        <a:rPr lang="en-US" baseline="0" dirty="0"/>
+                        <a:t> and create a modeling </a:t>
+                      </a:r>
+                      <a:endParaRPr lang="en-US" dirty="0"/>
+                    </a:p>
+                  </a:txBody>
+                  <a:tcPr/>
+                </a:tc>
+                <a:extLst>
+                  <a:ext uri="{0D108BD9-81ED-4DB2-BD59-A6C34878D82A}">
+                    <a16:rowId xmlns:a16="http://schemas.microsoft.com/office/drawing/2014/main" val="2127423046"/>
+                  </a:ext>
+                </a:extLst>
+              </a:tr>
+            </a:tbl>
+          </a:graphicData>
+        </a:graphic>
+      </p:graphicFrame>
+    </p:spTree>
+    <p:extLst>
+      <p:ext uri="{BB962C8B-B14F-4D97-AF65-F5344CB8AC3E}">
+        <p14:creationId xmlns:p14="http://schemas.microsoft.com/office/powerpoint/2010/main" val="2541965042"/>
+      </p:ext>
+    </p:extLst>
+  </p:cSld>
+  <p:clrMapOvr>
+    <a:masterClrMapping/>
+  </p:clrMapOvr>
+</p:sld>
+</file>
+
+<file path=ppt/slides/slide13.xml><?xml version="1.0" encoding="utf-8"?>
+<p:sld xmlns:a="http://schemas.openxmlformats.org/drawingml/2006/main" xmlns:r="http://schemas.openxmlformats.org/officeDocument/2006/relationships" xmlns:p="http://schemas.openxmlformats.org/presentationml/2006/main">
+  <p:cSld>
+    <p:spTree>
+      <p:nvGrpSpPr>
+        <p:cNvPr id="1" name=""/>
+        <p:cNvGrpSpPr/>
+        <p:nvPr/>
+      </p:nvGrpSpPr>
+      <p:grpSpPr>
+        <a:xfrm>
+          <a:off x="0" y="0"/>
+          <a:ext cx="0" cy="0"/>
+          <a:chOff x="0" y="0"/>
+          <a:chExt cx="0" cy="0"/>
+        </a:xfrm>
+      </p:grpSpPr>
       <p:sp>
         <p:nvSpPr>
           <p:cNvPr id="3" name="Rectangle 2"/>
@@ -7570,7 +8086,7 @@
         <p:spPr>
           <a:xfrm>
             <a:off x="3011481" y="205859"/>
-            <a:ext cx="2929456" cy="523220"/>
+            <a:ext cx="1717586" cy="800219"/>
           </a:xfrm>
           <a:prstGeom prst="rect">
             <a:avLst/>
@@ -7588,8 +8104,10 @@
             </a:r>
             <a:r>
               <a:rPr lang="en-US" sz="2800" dirty="0"/>
-              <a:t> Phase 1</a:t>
-            </a:r>
+              <a:t> </a:t>
+            </a:r>
+          </a:p>
+          <a:p>
             <a:endParaRPr lang="en-US" dirty="0"/>
           </a:p>
         </p:txBody>
@@ -9070,7 +9588,7 @@
           <p:nvPr>
             <p:extLst>
               <p:ext uri="{D42A27DB-BD31-4B8C-83A1-F6EECF244321}">
-                <p14:modId xmlns:p14="http://schemas.microsoft.com/office/powerpoint/2010/main" val="972846925"/>
+                <p14:modId xmlns:p14="http://schemas.microsoft.com/office/powerpoint/2010/main" val="2968361718"/>
               </p:ext>
             </p:extLst>
           </p:nvPr>
@@ -9366,7 +9884,7 @@
                     <a:p>
                       <a:r>
                         <a:rPr lang="en-US" dirty="0"/>
-                        <a:t>DHT21</a:t>
+                        <a:t>AM2320</a:t>
                       </a:r>
                     </a:p>
                   </a:txBody>
@@ -9387,7 +9905,7 @@
                       </a:r>
                       <a:r>
                         <a:rPr lang="en-US" baseline="0" dirty="0"/>
-                        <a:t> 3%</a:t>
+                        <a:t> 2%</a:t>
                       </a:r>
                     </a:p>
                     <a:p>
@@ -9443,7 +9961,7 @@
                       </a:r>
                       <a:r>
                         <a:rPr lang="en-US" baseline="0" dirty="0"/>
-                        <a:t>1x digital</a:t>
+                        <a:t>I2C</a:t>
                       </a:r>
                     </a:p>
                     <a:p>
@@ -9453,7 +9971,7 @@
                       </a:pPr>
                       <a:r>
                         <a:rPr lang="en-US" baseline="0" dirty="0"/>
-                        <a:t>95.000 VNĐ</a:t>
+                        <a:t>85.000 VNĐ</a:t>
                       </a:r>
                       <a:endParaRPr lang="en-US" baseline="-25000" dirty="0"/>
                     </a:p>
@@ -9594,7 +10112,7 @@
         </p:blipFill>
         <p:spPr>
           <a:xfrm>
-            <a:off x="5425660" y="2136588"/>
+            <a:off x="5664910" y="1554233"/>
             <a:ext cx="2981928" cy="1385397"/>
           </a:xfrm>
           <a:prstGeom prst="rect">
@@ -9618,7 +10136,7 @@
         </p:blipFill>
         <p:spPr>
           <a:xfrm>
-            <a:off x="8410339" y="3178629"/>
+            <a:off x="9102727" y="2715116"/>
             <a:ext cx="2058010" cy="1422400"/>
           </a:xfrm>
           <a:prstGeom prst="rect">
@@ -9628,7 +10146,7 @@
       </p:pic>
       <p:pic>
         <p:nvPicPr>
-          <p:cNvPr id="9" name="Picture 8"/>
+          <p:cNvPr id="10" name="Picture 9"/>
           <p:cNvPicPr>
             <a:picLocks noChangeAspect="1"/>
           </p:cNvPicPr>
@@ -9642,8 +10160,8 @@
         </p:blipFill>
         <p:spPr>
           <a:xfrm>
-            <a:off x="6393596" y="4455887"/>
-            <a:ext cx="1736931" cy="1538514"/>
+            <a:off x="8868104" y="5193302"/>
+            <a:ext cx="1925619" cy="1230775"/>
           </a:xfrm>
           <a:prstGeom prst="rect">
             <a:avLst/>
@@ -9652,22 +10170,26 @@
       </p:pic>
       <p:pic>
         <p:nvPicPr>
-          <p:cNvPr id="10" name="Picture 9"/>
-          <p:cNvPicPr>
-            <a:picLocks noChangeAspect="1"/>
-          </p:cNvPicPr>
+          <p:cNvPr id="11" name="Picture 10"/>
+          <p:cNvPicPr/>
           <p:nvPr/>
         </p:nvPicPr>
         <p:blipFill>
-          <a:blip r:embed="rId5"/>
+          <a:blip r:embed="rId5" cstate="print">
+            <a:extLst>
+              <a:ext uri="{28A0092B-C50C-407E-A947-70E740481C1C}">
+                <a14:useLocalDpi xmlns:a14="http://schemas.microsoft.com/office/drawing/2010/main" val="0"/>
+              </a:ext>
+            </a:extLst>
+          </a:blip>
           <a:stretch>
             <a:fillRect/>
           </a:stretch>
         </p:blipFill>
         <p:spPr>
           <a:xfrm>
-            <a:off x="8868104" y="5193302"/>
-            <a:ext cx="1925619" cy="1602197"/>
+            <a:off x="6299200" y="3962399"/>
+            <a:ext cx="2012056" cy="1224991"/>
           </a:xfrm>
           <a:prstGeom prst="rect">
             <a:avLst/>
@@ -9771,7 +10293,7 @@
           <p:nvPr>
             <p:extLst>
               <p:ext uri="{D42A27DB-BD31-4B8C-83A1-F6EECF244321}">
-                <p14:modId xmlns:p14="http://schemas.microsoft.com/office/powerpoint/2010/main" val="3386349811"/>
+                <p14:modId xmlns:p14="http://schemas.microsoft.com/office/powerpoint/2010/main" val="2630789446"/>
               </p:ext>
             </p:extLst>
           </p:nvPr>
@@ -9787,7 +10309,14 @@
                 <a:tableStyleId>{5C22544A-7EE6-4342-B048-85BDC9FD1C3A}</a:tableStyleId>
               </a:tblPr>
               <a:tblGrid>
-                <a:gridCol w="8128000">
+                <a:gridCol w="4064000">
+                  <a:extLst>
+                    <a:ext uri="{9D8B030D-6E8A-4147-A177-3AD203B41FA5}">
+                      <a16:colId xmlns:a16="http://schemas.microsoft.com/office/drawing/2014/main" val="2395220621"/>
+                    </a:ext>
+                  </a:extLst>
+                </a:gridCol>
+                <a:gridCol w="4064000">
                   <a:extLst>
                     <a:ext uri="{9D8B030D-6E8A-4147-A177-3AD203B41FA5}">
                       <a16:colId xmlns:a16="http://schemas.microsoft.com/office/drawing/2014/main" val="728634953"/>
@@ -9796,6 +10325,19 @@
                 </a:gridCol>
               </a:tblGrid>
               <a:tr h="1091930">
+                <a:tc>
+                  <a:txBody>
+                    <a:bodyPr/>
+                    <a:lstStyle/>
+                    <a:p>
+                      <a:r>
+                        <a:rPr lang="en-US" dirty="0"/>
+                        <a:t>I2C Soil moisture sensor</a:t>
+                      </a:r>
+                    </a:p>
+                  </a:txBody>
+                  <a:tcPr/>
+                </a:tc>
                 <a:tc>
                   <a:txBody>
                     <a:bodyPr/>
@@ -9821,6 +10363,92 @@
                     <a:bodyPr/>
                     <a:lstStyle/>
                     <a:p>
+                      <a:pPr marL="285750" indent="-285750">
+                        <a:buFont typeface="Arial" panose="020B0604020202020204" pitchFamily="34" charset="0"/>
+                        <a:buChar char="•"/>
+                      </a:pPr>
+                      <a:r>
+                        <a:rPr lang="en-US" dirty="0"/>
+                        <a:t>Operating temperature 0°C - 85°C</a:t>
+                      </a:r>
+                    </a:p>
+                    <a:p>
+                      <a:pPr marL="285750" indent="-285750">
+                        <a:buFont typeface="Arial" panose="020B0604020202020204" pitchFamily="34" charset="0"/>
+                        <a:buChar char="•"/>
+                      </a:pPr>
+                      <a:r>
+                        <a:rPr lang="en-US" dirty="0"/>
+                        <a:t>Moisture reading drift with temperature - &lt;10% over full temp range</a:t>
+                      </a:r>
+                    </a:p>
+                    <a:p>
+                      <a:pPr marL="285750" indent="-285750">
+                        <a:buFont typeface="Arial" panose="020B0604020202020204" pitchFamily="34" charset="0"/>
+                        <a:buChar char="•"/>
+                      </a:pPr>
+                      <a:r>
+                        <a:rPr lang="en-US" dirty="0"/>
+                        <a:t>Data protocols:</a:t>
+                      </a:r>
+                      <a:r>
+                        <a:rPr lang="en-US" baseline="0" dirty="0"/>
+                        <a:t> I2C</a:t>
+                      </a:r>
+                      <a:endParaRPr lang="en-US" dirty="0"/>
+                    </a:p>
+                    <a:p>
+                      <a:pPr marL="285750" indent="-285750">
+                        <a:buFont typeface="Arial" panose="020B0604020202020204" pitchFamily="34" charset="0"/>
+                        <a:buChar char="•"/>
+                      </a:pPr>
+                      <a:r>
+                        <a:rPr lang="en-US" dirty="0"/>
+                        <a:t>$13.00 (290.212 ₫ VND)</a:t>
+                      </a:r>
+                    </a:p>
+                    <a:p>
+                      <a:pPr marL="285750" indent="-285750">
+                        <a:buFont typeface="Arial" panose="020B0604020202020204" pitchFamily="34" charset="0"/>
+                        <a:buChar char="•"/>
+                      </a:pPr>
+                      <a:r>
+                        <a:rPr lang="en-US" dirty="0"/>
+                        <a:t>https://www.tindie.com/products/miceuz/i2c-soil-moisture-sensor/</a:t>
+                      </a:r>
+                    </a:p>
+                    <a:p>
+                      <a:pPr marL="285750" indent="-285750">
+                        <a:buFont typeface="Arial" panose="020B0604020202020204" pitchFamily="34" charset="0"/>
+                        <a:buChar char="•"/>
+                      </a:pPr>
+                      <a:endParaRPr lang="en-US" dirty="0"/>
+                    </a:p>
+                    <a:p>
+                      <a:pPr marL="285750" indent="-285750">
+                        <a:buFont typeface="Arial" panose="020B0604020202020204" pitchFamily="34" charset="0"/>
+                        <a:buChar char="•"/>
+                      </a:pPr>
+                      <a:endParaRPr lang="en-US" dirty="0"/>
+                    </a:p>
+                    <a:p>
+                      <a:endParaRPr lang="en-US" dirty="0"/>
+                    </a:p>
+                    <a:p>
+                      <a:endParaRPr lang="en-US" dirty="0"/>
+                    </a:p>
+                  </a:txBody>
+                  <a:tcPr/>
+                </a:tc>
+                <a:tc>
+                  <a:txBody>
+                    <a:bodyPr/>
+                    <a:lstStyle/>
+                    <a:p>
+                      <a:pPr marL="285750" indent="-285750">
+                        <a:buFont typeface="Arial" panose="020B0604020202020204" pitchFamily="34" charset="0"/>
+                        <a:buChar char="•"/>
+                      </a:pPr>
                       <a:r>
                         <a:rPr lang="en-US" dirty="0"/>
                         <a:t>Output:</a:t>
@@ -9831,6 +10459,10 @@
                       </a:r>
                     </a:p>
                     <a:p>
+                      <a:pPr marL="285750" indent="-285750">
+                        <a:buFont typeface="Arial" panose="020B0604020202020204" pitchFamily="34" charset="0"/>
+                        <a:buChar char="•"/>
+                      </a:pPr>
                       <a:r>
                         <a:rPr lang="en-US" dirty="0"/>
                         <a:t>Data protocols: : </a:t>
@@ -9841,6 +10473,10 @@
                       </a:r>
                     </a:p>
                     <a:p>
+                      <a:pPr marL="285750" indent="-285750">
+                        <a:buFont typeface="Arial" panose="020B0604020202020204" pitchFamily="34" charset="0"/>
+                        <a:buChar char="•"/>
+                      </a:pPr>
                       <a:r>
                         <a:rPr lang="en-US" dirty="0">
                           <a:hlinkClick r:id="rId2"/>
@@ -9850,6 +10486,10 @@
                       <a:endParaRPr lang="en-US" dirty="0"/>
                     </a:p>
                     <a:p>
+                      <a:pPr marL="285750" indent="-285750">
+                        <a:buFont typeface="Arial" panose="020B0604020202020204" pitchFamily="34" charset="0"/>
+                        <a:buChar char="•"/>
+                      </a:pPr>
                       <a:r>
                         <a:rPr lang="en-US" dirty="0"/>
                         <a:t>35.000 VNĐ</a:t>
@@ -9884,8 +10524,36 @@
         </p:blipFill>
         <p:spPr>
           <a:xfrm>
-            <a:off x="5994400" y="3280229"/>
-            <a:ext cx="3194276" cy="3017383"/>
+            <a:off x="7530159" y="4322618"/>
+            <a:ext cx="2090777" cy="1974994"/>
+          </a:xfrm>
+          <a:prstGeom prst="rect">
+            <a:avLst/>
+          </a:prstGeom>
+        </p:spPr>
+      </p:pic>
+      <p:pic>
+        <p:nvPicPr>
+          <p:cNvPr id="7" name="Picture 6"/>
+          <p:cNvPicPr/>
+          <p:nvPr/>
+        </p:nvPicPr>
+        <p:blipFill>
+          <a:blip r:embed="rId4" cstate="print">
+            <a:extLst>
+              <a:ext uri="{28A0092B-C50C-407E-A947-70E740481C1C}">
+                <a14:useLocalDpi xmlns:a14="http://schemas.microsoft.com/office/drawing/2010/main" val="0"/>
+              </a:ext>
+            </a:extLst>
+          </a:blip>
+          <a:stretch>
+            <a:fillRect/>
+          </a:stretch>
+        </p:blipFill>
+        <p:spPr>
+          <a:xfrm>
+            <a:off x="2812143" y="4742543"/>
+            <a:ext cx="2590800" cy="1727200"/>
           </a:xfrm>
           <a:prstGeom prst="rect">
             <a:avLst/>
@@ -10206,7 +10874,7 @@
         </p:blipFill>
         <p:spPr bwMode="auto">
           <a:xfrm>
-            <a:off x="7639833" y="3512457"/>
+            <a:off x="8747417" y="3429000"/>
             <a:ext cx="2341499" cy="1791795"/>
           </a:xfrm>
           <a:prstGeom prst="rect">
@@ -10330,7 +10998,7 @@
         <p:spPr bwMode="auto">
           <a:xfrm>
             <a:off x="3175116" y="3782952"/>
-            <a:ext cx="1577121" cy="1197015"/>
+            <a:ext cx="1629640" cy="1236876"/>
           </a:xfrm>
           <a:prstGeom prst="rect">
             <a:avLst/>
@@ -10345,6 +11013,36 @@
               </a14:hiddenFill>
             </a:ext>
           </a:extLst>
+        </p:spPr>
+      </p:pic>
+      <p:pic>
+        <p:nvPicPr>
+          <p:cNvPr id="9" name="Picture 8"/>
+          <p:cNvPicPr>
+            <a:picLocks noChangeAspect="1"/>
+          </p:cNvPicPr>
+          <p:nvPr/>
+        </p:nvPicPr>
+        <p:blipFill>
+          <a:blip r:embed="rId6">
+            <a:extLst>
+              <a:ext uri="{28A0092B-C50C-407E-A947-70E740481C1C}">
+                <a14:useLocalDpi xmlns:a14="http://schemas.microsoft.com/office/drawing/2010/main" val="0"/>
+              </a:ext>
+            </a:extLst>
+          </a:blip>
+          <a:stretch>
+            <a:fillRect/>
+          </a:stretch>
+        </p:blipFill>
+        <p:spPr>
+          <a:xfrm>
+            <a:off x="6248398" y="3641936"/>
+            <a:ext cx="2270982" cy="1276004"/>
+          </a:xfrm>
+          <a:prstGeom prst="rect">
+            <a:avLst/>
+          </a:prstGeom>
         </p:spPr>
       </p:pic>
     </p:spTree>

--- a/document/Presentation/Present01.pptx
+++ b/document/Presentation/Present01.pptx
@@ -209,7 +209,7 @@
           <a:p>
             <a:fld id="{F7C53F99-3295-4F77-8A9B-D1FA4F3029DF}" type="datetimeFigureOut">
               <a:rPr lang="en-US" smtClean="0"/>
-              <a:t>5/20/2016</a:t>
+              <a:t>5/23/2016</a:t>
             </a:fld>
             <a:endParaRPr lang="en-US"/>
           </a:p>
@@ -2419,6 +2419,14 @@
               <a:rPr lang="en-US" baseline="0" dirty="0" err="1"/>
               <a:t>diot</a:t>
             </a:r>
+            <a:r>
+              <a:rPr lang="en-US" baseline="0" dirty="0"/>
+              <a:t> = </a:t>
+            </a:r>
+            <a:r>
+              <a:rPr lang="en-US" baseline="0"/>
+              <a:t>phototrans</a:t>
+            </a:r>
             <a:endParaRPr lang="en-US" dirty="0"/>
           </a:p>
         </p:txBody>
@@ -2672,7 +2680,7 @@
           <a:p>
             <a:fld id="{99C8624C-1EBE-4CE4-9B5E-4E5B8FBFAF31}" type="datetimeFigureOut">
               <a:rPr lang="en-US" smtClean="0"/>
-              <a:t>5/20/2016</a:t>
+              <a:t>5/23/2016</a:t>
             </a:fld>
             <a:endParaRPr lang="en-US"/>
           </a:p>
@@ -2840,7 +2848,7 @@
           <a:p>
             <a:fld id="{99C8624C-1EBE-4CE4-9B5E-4E5B8FBFAF31}" type="datetimeFigureOut">
               <a:rPr lang="en-US" smtClean="0"/>
-              <a:t>5/20/2016</a:t>
+              <a:t>5/23/2016</a:t>
             </a:fld>
             <a:endParaRPr lang="en-US"/>
           </a:p>
@@ -3018,7 +3026,7 @@
           <a:p>
             <a:fld id="{99C8624C-1EBE-4CE4-9B5E-4E5B8FBFAF31}" type="datetimeFigureOut">
               <a:rPr lang="en-US" smtClean="0"/>
-              <a:t>5/20/2016</a:t>
+              <a:t>5/23/2016</a:t>
             </a:fld>
             <a:endParaRPr lang="en-US"/>
           </a:p>
@@ -3186,7 +3194,7 @@
           <a:p>
             <a:fld id="{99C8624C-1EBE-4CE4-9B5E-4E5B8FBFAF31}" type="datetimeFigureOut">
               <a:rPr lang="en-US" smtClean="0"/>
-              <a:t>5/20/2016</a:t>
+              <a:t>5/23/2016</a:t>
             </a:fld>
             <a:endParaRPr lang="en-US"/>
           </a:p>
@@ -3431,7 +3439,7 @@
           <a:p>
             <a:fld id="{99C8624C-1EBE-4CE4-9B5E-4E5B8FBFAF31}" type="datetimeFigureOut">
               <a:rPr lang="en-US" smtClean="0"/>
-              <a:t>5/20/2016</a:t>
+              <a:t>5/23/2016</a:t>
             </a:fld>
             <a:endParaRPr lang="en-US"/>
           </a:p>
@@ -3660,7 +3668,7 @@
           <a:p>
             <a:fld id="{99C8624C-1EBE-4CE4-9B5E-4E5B8FBFAF31}" type="datetimeFigureOut">
               <a:rPr lang="en-US" smtClean="0"/>
-              <a:t>5/20/2016</a:t>
+              <a:t>5/23/2016</a:t>
             </a:fld>
             <a:endParaRPr lang="en-US"/>
           </a:p>
@@ -4024,7 +4032,7 @@
           <a:p>
             <a:fld id="{99C8624C-1EBE-4CE4-9B5E-4E5B8FBFAF31}" type="datetimeFigureOut">
               <a:rPr lang="en-US" smtClean="0"/>
-              <a:t>5/20/2016</a:t>
+              <a:t>5/23/2016</a:t>
             </a:fld>
             <a:endParaRPr lang="en-US"/>
           </a:p>
@@ -4141,7 +4149,7 @@
           <a:p>
             <a:fld id="{99C8624C-1EBE-4CE4-9B5E-4E5B8FBFAF31}" type="datetimeFigureOut">
               <a:rPr lang="en-US" smtClean="0"/>
-              <a:t>5/20/2016</a:t>
+              <a:t>5/23/2016</a:t>
             </a:fld>
             <a:endParaRPr lang="en-US"/>
           </a:p>
@@ -4236,7 +4244,7 @@
           <a:p>
             <a:fld id="{99C8624C-1EBE-4CE4-9B5E-4E5B8FBFAF31}" type="datetimeFigureOut">
               <a:rPr lang="en-US" smtClean="0"/>
-              <a:t>5/20/2016</a:t>
+              <a:t>5/23/2016</a:t>
             </a:fld>
             <a:endParaRPr lang="en-US"/>
           </a:p>
@@ -4511,7 +4519,7 @@
           <a:p>
             <a:fld id="{99C8624C-1EBE-4CE4-9B5E-4E5B8FBFAF31}" type="datetimeFigureOut">
               <a:rPr lang="en-US" smtClean="0"/>
-              <a:t>5/20/2016</a:t>
+              <a:t>5/23/2016</a:t>
             </a:fld>
             <a:endParaRPr lang="en-US"/>
           </a:p>
@@ -4763,7 +4771,7 @@
           <a:p>
             <a:fld id="{99C8624C-1EBE-4CE4-9B5E-4E5B8FBFAF31}" type="datetimeFigureOut">
               <a:rPr lang="en-US" smtClean="0"/>
-              <a:t>5/20/2016</a:t>
+              <a:t>5/23/2016</a:t>
             </a:fld>
             <a:endParaRPr lang="en-US"/>
           </a:p>
@@ -4974,7 +4982,7 @@
           <a:p>
             <a:fld id="{99C8624C-1EBE-4CE4-9B5E-4E5B8FBFAF31}" type="datetimeFigureOut">
               <a:rPr lang="en-US" smtClean="0"/>
-              <a:t>5/20/2016</a:t>
+              <a:t>5/23/2016</a:t>
             </a:fld>
             <a:endParaRPr lang="en-US"/>
           </a:p>

--- a/document/Presentation/Present01.pptx
+++ b/document/Presentation/Present01.pptx
@@ -209,7 +209,7 @@
           <a:p>
             <a:fld id="{F7C53F99-3295-4F77-8A9B-D1FA4F3029DF}" type="datetimeFigureOut">
               <a:rPr lang="en-US" smtClean="0"/>
-              <a:t>5/23/2016</a:t>
+              <a:t>5/24/2016</a:t>
             </a:fld>
             <a:endParaRPr lang="en-US"/>
           </a:p>
@@ -2680,7 +2680,7 @@
           <a:p>
             <a:fld id="{99C8624C-1EBE-4CE4-9B5E-4E5B8FBFAF31}" type="datetimeFigureOut">
               <a:rPr lang="en-US" smtClean="0"/>
-              <a:t>5/23/2016</a:t>
+              <a:t>5/24/2016</a:t>
             </a:fld>
             <a:endParaRPr lang="en-US"/>
           </a:p>
@@ -2848,7 +2848,7 @@
           <a:p>
             <a:fld id="{99C8624C-1EBE-4CE4-9B5E-4E5B8FBFAF31}" type="datetimeFigureOut">
               <a:rPr lang="en-US" smtClean="0"/>
-              <a:t>5/23/2016</a:t>
+              <a:t>5/24/2016</a:t>
             </a:fld>
             <a:endParaRPr lang="en-US"/>
           </a:p>
@@ -3026,7 +3026,7 @@
           <a:p>
             <a:fld id="{99C8624C-1EBE-4CE4-9B5E-4E5B8FBFAF31}" type="datetimeFigureOut">
               <a:rPr lang="en-US" smtClean="0"/>
-              <a:t>5/23/2016</a:t>
+              <a:t>5/24/2016</a:t>
             </a:fld>
             <a:endParaRPr lang="en-US"/>
           </a:p>
@@ -3194,7 +3194,7 @@
           <a:p>
             <a:fld id="{99C8624C-1EBE-4CE4-9B5E-4E5B8FBFAF31}" type="datetimeFigureOut">
               <a:rPr lang="en-US" smtClean="0"/>
-              <a:t>5/23/2016</a:t>
+              <a:t>5/24/2016</a:t>
             </a:fld>
             <a:endParaRPr lang="en-US"/>
           </a:p>
@@ -3439,7 +3439,7 @@
           <a:p>
             <a:fld id="{99C8624C-1EBE-4CE4-9B5E-4E5B8FBFAF31}" type="datetimeFigureOut">
               <a:rPr lang="en-US" smtClean="0"/>
-              <a:t>5/23/2016</a:t>
+              <a:t>5/24/2016</a:t>
             </a:fld>
             <a:endParaRPr lang="en-US"/>
           </a:p>
@@ -3668,7 +3668,7 @@
           <a:p>
             <a:fld id="{99C8624C-1EBE-4CE4-9B5E-4E5B8FBFAF31}" type="datetimeFigureOut">
               <a:rPr lang="en-US" smtClean="0"/>
-              <a:t>5/23/2016</a:t>
+              <a:t>5/24/2016</a:t>
             </a:fld>
             <a:endParaRPr lang="en-US"/>
           </a:p>
@@ -4032,7 +4032,7 @@
           <a:p>
             <a:fld id="{99C8624C-1EBE-4CE4-9B5E-4E5B8FBFAF31}" type="datetimeFigureOut">
               <a:rPr lang="en-US" smtClean="0"/>
-              <a:t>5/23/2016</a:t>
+              <a:t>5/24/2016</a:t>
             </a:fld>
             <a:endParaRPr lang="en-US"/>
           </a:p>
@@ -4149,7 +4149,7 @@
           <a:p>
             <a:fld id="{99C8624C-1EBE-4CE4-9B5E-4E5B8FBFAF31}" type="datetimeFigureOut">
               <a:rPr lang="en-US" smtClean="0"/>
-              <a:t>5/23/2016</a:t>
+              <a:t>5/24/2016</a:t>
             </a:fld>
             <a:endParaRPr lang="en-US"/>
           </a:p>
@@ -4244,7 +4244,7 @@
           <a:p>
             <a:fld id="{99C8624C-1EBE-4CE4-9B5E-4E5B8FBFAF31}" type="datetimeFigureOut">
               <a:rPr lang="en-US" smtClean="0"/>
-              <a:t>5/23/2016</a:t>
+              <a:t>5/24/2016</a:t>
             </a:fld>
             <a:endParaRPr lang="en-US"/>
           </a:p>
@@ -4519,7 +4519,7 @@
           <a:p>
             <a:fld id="{99C8624C-1EBE-4CE4-9B5E-4E5B8FBFAF31}" type="datetimeFigureOut">
               <a:rPr lang="en-US" smtClean="0"/>
-              <a:t>5/23/2016</a:t>
+              <a:t>5/24/2016</a:t>
             </a:fld>
             <a:endParaRPr lang="en-US"/>
           </a:p>
@@ -4771,7 +4771,7 @@
           <a:p>
             <a:fld id="{99C8624C-1EBE-4CE4-9B5E-4E5B8FBFAF31}" type="datetimeFigureOut">
               <a:rPr lang="en-US" smtClean="0"/>
-              <a:t>5/23/2016</a:t>
+              <a:t>5/24/2016</a:t>
             </a:fld>
             <a:endParaRPr lang="en-US"/>
           </a:p>
@@ -4982,7 +4982,7 @@
           <a:p>
             <a:fld id="{99C8624C-1EBE-4CE4-9B5E-4E5B8FBFAF31}" type="datetimeFigureOut">
               <a:rPr lang="en-US" smtClean="0"/>
-              <a:t>5/23/2016</a:t>
+              <a:t>5/24/2016</a:t>
             </a:fld>
             <a:endParaRPr lang="en-US"/>
           </a:p>
@@ -5458,6 +5458,342 @@
           <a:chExt cx="0" cy="0"/>
         </a:xfrm>
       </p:grpSpPr>
+      <p:grpSp>
+        <p:nvGrpSpPr>
+          <p:cNvPr id="78" name="Group 77"/>
+          <p:cNvGrpSpPr/>
+          <p:nvPr/>
+        </p:nvGrpSpPr>
+        <p:grpSpPr>
+          <a:xfrm>
+            <a:off x="3348346" y="1936549"/>
+            <a:ext cx="1716533" cy="1012173"/>
+            <a:chOff x="3803165" y="83094"/>
+            <a:chExt cx="1716533" cy="1012173"/>
+          </a:xfrm>
+        </p:grpSpPr>
+        <p:pic>
+          <p:nvPicPr>
+            <p:cNvPr id="79" name="Picture 78"/>
+            <p:cNvPicPr>
+              <a:picLocks noChangeAspect="1"/>
+            </p:cNvPicPr>
+            <p:nvPr/>
+          </p:nvPicPr>
+          <p:blipFill>
+            <a:blip r:embed="rId3" cstate="print">
+              <a:extLst>
+                <a:ext uri="{28A0092B-C50C-407E-A947-70E740481C1C}">
+                  <a14:useLocalDpi xmlns:a14="http://schemas.microsoft.com/office/drawing/2010/main" val="0"/>
+                </a:ext>
+              </a:extLst>
+            </a:blip>
+            <a:stretch>
+              <a:fillRect/>
+            </a:stretch>
+          </p:blipFill>
+          <p:spPr>
+            <a:xfrm>
+              <a:off x="3803165" y="143982"/>
+              <a:ext cx="709744" cy="709744"/>
+            </a:xfrm>
+            <a:prstGeom prst="rect">
+              <a:avLst/>
+            </a:prstGeom>
+          </p:spPr>
+        </p:pic>
+        <p:cxnSp>
+          <p:nvCxnSpPr>
+            <p:cNvPr id="80" name="Straight Arrow Connector 79"/>
+            <p:cNvCxnSpPr/>
+            <p:nvPr/>
+          </p:nvCxnSpPr>
+          <p:spPr>
+            <a:xfrm flipV="1">
+              <a:off x="4361839" y="428779"/>
+              <a:ext cx="347772" cy="4342"/>
+            </a:xfrm>
+            <a:prstGeom prst="straightConnector1">
+              <a:avLst/>
+            </a:prstGeom>
+            <a:ln>
+              <a:tailEnd type="triangle"/>
+            </a:ln>
+          </p:spPr>
+          <p:style>
+            <a:lnRef idx="1">
+              <a:schemeClr val="accent1"/>
+            </a:lnRef>
+            <a:fillRef idx="0">
+              <a:schemeClr val="accent1"/>
+            </a:fillRef>
+            <a:effectRef idx="0">
+              <a:schemeClr val="accent1"/>
+            </a:effectRef>
+            <a:fontRef idx="minor">
+              <a:schemeClr val="tx1"/>
+            </a:fontRef>
+          </p:style>
+        </p:cxnSp>
+        <p:pic>
+          <p:nvPicPr>
+            <p:cNvPr id="81" name="Picture 80"/>
+            <p:cNvPicPr>
+              <a:picLocks noChangeAspect="1"/>
+            </p:cNvPicPr>
+            <p:nvPr/>
+          </p:nvPicPr>
+          <p:blipFill>
+            <a:blip r:embed="rId4">
+              <a:extLst>
+                <a:ext uri="{28A0092B-C50C-407E-A947-70E740481C1C}">
+                  <a14:useLocalDpi xmlns:a14="http://schemas.microsoft.com/office/drawing/2010/main" val="0"/>
+                </a:ext>
+              </a:extLst>
+            </a:blip>
+            <a:stretch>
+              <a:fillRect/>
+            </a:stretch>
+          </p:blipFill>
+          <p:spPr>
+            <a:xfrm>
+              <a:off x="4709611" y="83094"/>
+              <a:ext cx="709744" cy="709744"/>
+            </a:xfrm>
+            <a:prstGeom prst="rect">
+              <a:avLst/>
+            </a:prstGeom>
+          </p:spPr>
+        </p:pic>
+        <p:sp>
+          <p:nvSpPr>
+            <p:cNvPr id="82" name="TextBox 81"/>
+            <p:cNvSpPr txBox="1"/>
+            <p:nvPr/>
+          </p:nvSpPr>
+          <p:spPr>
+            <a:xfrm>
+              <a:off x="3939266" y="634354"/>
+              <a:ext cx="541238" cy="307777"/>
+            </a:xfrm>
+            <a:prstGeom prst="rect">
+              <a:avLst/>
+            </a:prstGeom>
+            <a:noFill/>
+          </p:spPr>
+          <p:txBody>
+            <a:bodyPr wrap="none" rtlCol="0">
+              <a:spAutoFit/>
+            </a:bodyPr>
+            <a:lstStyle/>
+            <a:p>
+              <a:r>
+                <a:rPr lang="en-US" sz="1400" dirty="0" smtClean="0"/>
+                <a:t>relay</a:t>
+              </a:r>
+              <a:endParaRPr lang="en-US" sz="1400" dirty="0"/>
+            </a:p>
+          </p:txBody>
+        </p:sp>
+        <p:sp>
+          <p:nvSpPr>
+            <p:cNvPr id="83" name="TextBox 82"/>
+            <p:cNvSpPr txBox="1"/>
+            <p:nvPr/>
+          </p:nvSpPr>
+          <p:spPr>
+            <a:xfrm>
+              <a:off x="4649010" y="787490"/>
+              <a:ext cx="870688" cy="307777"/>
+            </a:xfrm>
+            <a:prstGeom prst="rect">
+              <a:avLst/>
+            </a:prstGeom>
+            <a:noFill/>
+          </p:spPr>
+          <p:txBody>
+            <a:bodyPr wrap="none" rtlCol="0">
+              <a:spAutoFit/>
+            </a:bodyPr>
+            <a:lstStyle/>
+            <a:p>
+              <a:r>
+                <a:rPr lang="en-US" sz="1400" dirty="0" smtClean="0"/>
+                <a:t>actuators</a:t>
+              </a:r>
+              <a:endParaRPr lang="en-US" sz="1400" dirty="0"/>
+            </a:p>
+          </p:txBody>
+        </p:sp>
+      </p:grpSp>
+      <p:grpSp>
+        <p:nvGrpSpPr>
+          <p:cNvPr id="8" name="Group 7"/>
+          <p:cNvGrpSpPr/>
+          <p:nvPr/>
+        </p:nvGrpSpPr>
+        <p:grpSpPr>
+          <a:xfrm>
+            <a:off x="3803165" y="83094"/>
+            <a:ext cx="1716533" cy="1012173"/>
+            <a:chOff x="3803165" y="83094"/>
+            <a:chExt cx="1716533" cy="1012173"/>
+          </a:xfrm>
+        </p:grpSpPr>
+        <p:pic>
+          <p:nvPicPr>
+            <p:cNvPr id="63" name="Picture 62"/>
+            <p:cNvPicPr>
+              <a:picLocks noChangeAspect="1"/>
+            </p:cNvPicPr>
+            <p:nvPr/>
+          </p:nvPicPr>
+          <p:blipFill>
+            <a:blip r:embed="rId3" cstate="print">
+              <a:extLst>
+                <a:ext uri="{28A0092B-C50C-407E-A947-70E740481C1C}">
+                  <a14:useLocalDpi xmlns:a14="http://schemas.microsoft.com/office/drawing/2010/main" val="0"/>
+                </a:ext>
+              </a:extLst>
+            </a:blip>
+            <a:stretch>
+              <a:fillRect/>
+            </a:stretch>
+          </p:blipFill>
+          <p:spPr>
+            <a:xfrm>
+              <a:off x="3803165" y="143982"/>
+              <a:ext cx="709744" cy="709744"/>
+            </a:xfrm>
+            <a:prstGeom prst="rect">
+              <a:avLst/>
+            </a:prstGeom>
+          </p:spPr>
+        </p:pic>
+        <p:cxnSp>
+          <p:nvCxnSpPr>
+            <p:cNvPr id="52" name="Straight Arrow Connector 51"/>
+            <p:cNvCxnSpPr/>
+            <p:nvPr/>
+          </p:nvCxnSpPr>
+          <p:spPr>
+            <a:xfrm flipV="1">
+              <a:off x="4361839" y="428779"/>
+              <a:ext cx="347772" cy="4342"/>
+            </a:xfrm>
+            <a:prstGeom prst="straightConnector1">
+              <a:avLst/>
+            </a:prstGeom>
+            <a:ln>
+              <a:tailEnd type="triangle"/>
+            </a:ln>
+          </p:spPr>
+          <p:style>
+            <a:lnRef idx="1">
+              <a:schemeClr val="accent1"/>
+            </a:lnRef>
+            <a:fillRef idx="0">
+              <a:schemeClr val="accent1"/>
+            </a:fillRef>
+            <a:effectRef idx="0">
+              <a:schemeClr val="accent1"/>
+            </a:effectRef>
+            <a:fontRef idx="minor">
+              <a:schemeClr val="tx1"/>
+            </a:fontRef>
+          </p:style>
+        </p:cxnSp>
+        <p:pic>
+          <p:nvPicPr>
+            <p:cNvPr id="55" name="Picture 54"/>
+            <p:cNvPicPr>
+              <a:picLocks noChangeAspect="1"/>
+            </p:cNvPicPr>
+            <p:nvPr/>
+          </p:nvPicPr>
+          <p:blipFill>
+            <a:blip r:embed="rId4">
+              <a:extLst>
+                <a:ext uri="{28A0092B-C50C-407E-A947-70E740481C1C}">
+                  <a14:useLocalDpi xmlns:a14="http://schemas.microsoft.com/office/drawing/2010/main" val="0"/>
+                </a:ext>
+              </a:extLst>
+            </a:blip>
+            <a:stretch>
+              <a:fillRect/>
+            </a:stretch>
+          </p:blipFill>
+          <p:spPr>
+            <a:xfrm>
+              <a:off x="4709611" y="83094"/>
+              <a:ext cx="709744" cy="709744"/>
+            </a:xfrm>
+            <a:prstGeom prst="rect">
+              <a:avLst/>
+            </a:prstGeom>
+          </p:spPr>
+        </p:pic>
+        <p:sp>
+          <p:nvSpPr>
+            <p:cNvPr id="57" name="TextBox 56"/>
+            <p:cNvSpPr txBox="1"/>
+            <p:nvPr/>
+          </p:nvSpPr>
+          <p:spPr>
+            <a:xfrm>
+              <a:off x="3939266" y="634354"/>
+              <a:ext cx="541238" cy="307777"/>
+            </a:xfrm>
+            <a:prstGeom prst="rect">
+              <a:avLst/>
+            </a:prstGeom>
+            <a:noFill/>
+          </p:spPr>
+          <p:txBody>
+            <a:bodyPr wrap="none" rtlCol="0">
+              <a:spAutoFit/>
+            </a:bodyPr>
+            <a:lstStyle/>
+            <a:p>
+              <a:r>
+                <a:rPr lang="en-US" sz="1400" dirty="0" smtClean="0"/>
+                <a:t>relay</a:t>
+              </a:r>
+              <a:endParaRPr lang="en-US" sz="1400" dirty="0"/>
+            </a:p>
+          </p:txBody>
+        </p:sp>
+        <p:sp>
+          <p:nvSpPr>
+            <p:cNvPr id="59" name="TextBox 58"/>
+            <p:cNvSpPr txBox="1"/>
+            <p:nvPr/>
+          </p:nvSpPr>
+          <p:spPr>
+            <a:xfrm>
+              <a:off x="4649010" y="787490"/>
+              <a:ext cx="870688" cy="307777"/>
+            </a:xfrm>
+            <a:prstGeom prst="rect">
+              <a:avLst/>
+            </a:prstGeom>
+            <a:noFill/>
+          </p:spPr>
+          <p:txBody>
+            <a:bodyPr wrap="none" rtlCol="0">
+              <a:spAutoFit/>
+            </a:bodyPr>
+            <a:lstStyle/>
+            <a:p>
+              <a:r>
+                <a:rPr lang="en-US" sz="1400" dirty="0" smtClean="0"/>
+                <a:t>actuators</a:t>
+              </a:r>
+              <a:endParaRPr lang="en-US" sz="1400" dirty="0"/>
+            </a:p>
+          </p:txBody>
+        </p:sp>
+      </p:grpSp>
       <p:pic>
         <p:nvPicPr>
           <p:cNvPr id="2" name="Picture 1"/>
@@ -5467,7 +5803,7 @@
           <p:nvPr/>
         </p:nvPicPr>
         <p:blipFill>
-          <a:blip r:embed="rId3">
+          <a:blip r:embed="rId5">
             <a:extLst>
               <a:ext uri="{28A0092B-C50C-407E-A947-70E740481C1C}">
                 <a14:useLocalDpi xmlns:a14="http://schemas.microsoft.com/office/drawing/2010/main" val="0"/>
@@ -5497,7 +5833,7 @@
           <p:nvPr/>
         </p:nvPicPr>
         <p:blipFill>
-          <a:blip r:embed="rId3">
+          <a:blip r:embed="rId5">
             <a:extLst>
               <a:ext uri="{28A0092B-C50C-407E-A947-70E740481C1C}">
                 <a14:useLocalDpi xmlns:a14="http://schemas.microsoft.com/office/drawing/2010/main" val="0"/>
@@ -5527,7 +5863,7 @@
           <p:nvPr/>
         </p:nvPicPr>
         <p:blipFill>
-          <a:blip r:embed="rId3">
+          <a:blip r:embed="rId5">
             <a:extLst>
               <a:ext uri="{28A0092B-C50C-407E-A947-70E740481C1C}">
                 <a14:useLocalDpi xmlns:a14="http://schemas.microsoft.com/office/drawing/2010/main" val="0"/>
@@ -5557,7 +5893,7 @@
           <p:nvPr/>
         </p:nvPicPr>
         <p:blipFill>
-          <a:blip r:embed="rId3">
+          <a:blip r:embed="rId5">
             <a:extLst>
               <a:ext uri="{28A0092B-C50C-407E-A947-70E740481C1C}">
                 <a14:useLocalDpi xmlns:a14="http://schemas.microsoft.com/office/drawing/2010/main" val="0"/>
@@ -5569,8 +5905,8 @@
           </a:stretch>
         </p:blipFill>
         <p:spPr>
-          <a:xfrm>
-            <a:off x="5030112" y="3387624"/>
+          <a:xfrm rot="955953">
+            <a:off x="5117215" y="3634939"/>
             <a:ext cx="2116818" cy="1360812"/>
           </a:xfrm>
           <a:prstGeom prst="rect">
@@ -5585,7 +5921,7 @@
           <p:nvPr/>
         </p:nvPicPr>
         <p:blipFill>
-          <a:blip r:embed="rId4">
+          <a:blip r:embed="rId6" cstate="print">
             <a:extLst>
               <a:ext uri="{28A0092B-C50C-407E-A947-70E740481C1C}">
                 <a14:useLocalDpi xmlns:a14="http://schemas.microsoft.com/office/drawing/2010/main" val="0"/>
@@ -5613,7 +5949,7 @@
           <p:nvPr/>
         </p:nvPicPr>
         <p:blipFill>
-          <a:blip r:embed="rId4">
+          <a:blip r:embed="rId6" cstate="print">
             <a:extLst>
               <a:ext uri="{28A0092B-C50C-407E-A947-70E740481C1C}">
                 <a14:useLocalDpi xmlns:a14="http://schemas.microsoft.com/office/drawing/2010/main" val="0"/>
@@ -5641,7 +5977,7 @@
           <p:nvPr/>
         </p:nvPicPr>
         <p:blipFill>
-          <a:blip r:embed="rId4">
+          <a:blip r:embed="rId6" cstate="print">
             <a:extLst>
               <a:ext uri="{28A0092B-C50C-407E-A947-70E740481C1C}">
                 <a14:useLocalDpi xmlns:a14="http://schemas.microsoft.com/office/drawing/2010/main" val="0"/>
@@ -5806,36 +6142,6 @@
           </a:p>
         </p:txBody>
       </p:sp>
-      <p:pic>
-        <p:nvPicPr>
-          <p:cNvPr id="20" name="Picture 19"/>
-          <p:cNvPicPr>
-            <a:picLocks noChangeAspect="1"/>
-          </p:cNvPicPr>
-          <p:nvPr/>
-        </p:nvPicPr>
-        <p:blipFill>
-          <a:blip r:embed="rId5">
-            <a:extLst>
-              <a:ext uri="{28A0092B-C50C-407E-A947-70E740481C1C}">
-                <a14:useLocalDpi xmlns:a14="http://schemas.microsoft.com/office/drawing/2010/main" val="0"/>
-              </a:ext>
-            </a:extLst>
-          </a:blip>
-          <a:stretch>
-            <a:fillRect/>
-          </a:stretch>
-        </p:blipFill>
-        <p:spPr>
-          <a:xfrm>
-            <a:off x="5320338" y="2370413"/>
-            <a:ext cx="1335218" cy="1000125"/>
-          </a:xfrm>
-          <a:prstGeom prst="rect">
-            <a:avLst/>
-          </a:prstGeom>
-        </p:spPr>
-      </p:pic>
       <p:sp>
         <p:nvSpPr>
           <p:cNvPr id="21" name="Oval 20"/>
@@ -5844,8 +6150,8 @@
         </p:nvSpPr>
         <p:spPr>
           <a:xfrm>
-            <a:off x="4979155" y="2419653"/>
-            <a:ext cx="2170946" cy="2345870"/>
+            <a:off x="4991792" y="2388503"/>
+            <a:ext cx="2388358" cy="2580800"/>
           </a:xfrm>
           <a:prstGeom prst="ellipse">
             <a:avLst/>
@@ -5893,7 +6199,7 @@
           <p:nvPr/>
         </p:nvPicPr>
         <p:blipFill>
-          <a:blip r:embed="rId6">
+          <a:blip r:embed="rId7" cstate="print">
             <a:extLst>
               <a:ext uri="{28A0092B-C50C-407E-A947-70E740481C1C}">
                 <a14:useLocalDpi xmlns:a14="http://schemas.microsoft.com/office/drawing/2010/main" val="0"/>
@@ -5917,507 +6223,6 @@
       <p:pic>
         <p:nvPicPr>
           <p:cNvPr id="23" name="Picture 22"/>
-          <p:cNvPicPr>
-            <a:picLocks noChangeAspect="1"/>
-          </p:cNvPicPr>
-          <p:nvPr/>
-        </p:nvPicPr>
-        <p:blipFill>
-          <a:blip r:embed="rId7">
-            <a:extLst>
-              <a:ext uri="{28A0092B-C50C-407E-A947-70E740481C1C}">
-                <a14:useLocalDpi xmlns:a14="http://schemas.microsoft.com/office/drawing/2010/main" val="0"/>
-              </a:ext>
-            </a:extLst>
-          </a:blip>
-          <a:stretch>
-            <a:fillRect/>
-          </a:stretch>
-        </p:blipFill>
-        <p:spPr>
-          <a:xfrm>
-            <a:off x="9339888" y="4548630"/>
-            <a:ext cx="2626011" cy="1790462"/>
-          </a:xfrm>
-          <a:prstGeom prst="rect">
-            <a:avLst/>
-          </a:prstGeom>
-        </p:spPr>
-      </p:pic>
-      <p:cxnSp>
-        <p:nvCxnSpPr>
-          <p:cNvPr id="25" name="Straight Arrow Connector 24"/>
-          <p:cNvCxnSpPr/>
-          <p:nvPr/>
-        </p:nvCxnSpPr>
-        <p:spPr>
-          <a:xfrm>
-            <a:off x="4070628" y="1596571"/>
-            <a:ext cx="959484" cy="823082"/>
-          </a:xfrm>
-          <a:prstGeom prst="straightConnector1">
-            <a:avLst/>
-          </a:prstGeom>
-          <a:ln>
-            <a:headEnd type="triangle"/>
-            <a:tailEnd type="triangle"/>
-          </a:ln>
-        </p:spPr>
-        <p:style>
-          <a:lnRef idx="1">
-            <a:schemeClr val="accent1"/>
-          </a:lnRef>
-          <a:fillRef idx="0">
-            <a:schemeClr val="accent1"/>
-          </a:fillRef>
-          <a:effectRef idx="0">
-            <a:schemeClr val="accent1"/>
-          </a:effectRef>
-          <a:fontRef idx="minor">
-            <a:schemeClr val="tx1"/>
-          </a:fontRef>
-        </p:style>
-      </p:cxnSp>
-      <p:cxnSp>
-        <p:nvCxnSpPr>
-          <p:cNvPr id="27" name="Straight Arrow Connector 26"/>
-          <p:cNvCxnSpPr/>
-          <p:nvPr/>
-        </p:nvCxnSpPr>
-        <p:spPr>
-          <a:xfrm>
-            <a:off x="4192562" y="3370538"/>
-            <a:ext cx="640695" cy="0"/>
-          </a:xfrm>
-          <a:prstGeom prst="straightConnector1">
-            <a:avLst/>
-          </a:prstGeom>
-          <a:ln>
-            <a:headEnd type="triangle"/>
-            <a:tailEnd type="triangle"/>
-          </a:ln>
-        </p:spPr>
-        <p:style>
-          <a:lnRef idx="1">
-            <a:schemeClr val="accent1"/>
-          </a:lnRef>
-          <a:fillRef idx="0">
-            <a:schemeClr val="accent1"/>
-          </a:fillRef>
-          <a:effectRef idx="0">
-            <a:schemeClr val="accent1"/>
-          </a:effectRef>
-          <a:fontRef idx="minor">
-            <a:schemeClr val="tx1"/>
-          </a:fontRef>
-        </p:style>
-      </p:cxnSp>
-      <p:cxnSp>
-        <p:nvCxnSpPr>
-          <p:cNvPr id="29" name="Straight Arrow Connector 28"/>
-          <p:cNvCxnSpPr/>
-          <p:nvPr/>
-        </p:nvCxnSpPr>
-        <p:spPr>
-          <a:xfrm flipV="1">
-            <a:off x="4288497" y="4686339"/>
-            <a:ext cx="1031841" cy="632460"/>
-          </a:xfrm>
-          <a:prstGeom prst="straightConnector1">
-            <a:avLst/>
-          </a:prstGeom>
-          <a:ln>
-            <a:headEnd type="triangle"/>
-            <a:tailEnd type="triangle"/>
-          </a:ln>
-        </p:spPr>
-        <p:style>
-          <a:lnRef idx="1">
-            <a:schemeClr val="accent1"/>
-          </a:lnRef>
-          <a:fillRef idx="0">
-            <a:schemeClr val="accent1"/>
-          </a:fillRef>
-          <a:effectRef idx="0">
-            <a:schemeClr val="accent1"/>
-          </a:effectRef>
-          <a:fontRef idx="minor">
-            <a:schemeClr val="tx1"/>
-          </a:fontRef>
-        </p:style>
-      </p:cxnSp>
-      <p:cxnSp>
-        <p:nvCxnSpPr>
-          <p:cNvPr id="31" name="Straight Arrow Connector 30"/>
-          <p:cNvCxnSpPr/>
-          <p:nvPr/>
-        </p:nvCxnSpPr>
-        <p:spPr>
-          <a:xfrm>
-            <a:off x="1953811" y="695235"/>
-            <a:ext cx="441500" cy="233318"/>
-          </a:xfrm>
-          <a:prstGeom prst="straightConnector1">
-            <a:avLst/>
-          </a:prstGeom>
-          <a:ln>
-            <a:tailEnd type="triangle"/>
-          </a:ln>
-        </p:spPr>
-        <p:style>
-          <a:lnRef idx="1">
-            <a:schemeClr val="accent1"/>
-          </a:lnRef>
-          <a:fillRef idx="0">
-            <a:schemeClr val="accent1"/>
-          </a:fillRef>
-          <a:effectRef idx="0">
-            <a:schemeClr val="accent1"/>
-          </a:effectRef>
-          <a:fontRef idx="minor">
-            <a:schemeClr val="tx1"/>
-          </a:fontRef>
-        </p:style>
-      </p:cxnSp>
-      <p:cxnSp>
-        <p:nvCxnSpPr>
-          <p:cNvPr id="33" name="Straight Arrow Connector 32"/>
-          <p:cNvCxnSpPr/>
-          <p:nvPr/>
-        </p:nvCxnSpPr>
-        <p:spPr>
-          <a:xfrm>
-            <a:off x="1352888" y="928553"/>
-            <a:ext cx="593125" cy="285814"/>
-          </a:xfrm>
-          <a:prstGeom prst="straightConnector1">
-            <a:avLst/>
-          </a:prstGeom>
-          <a:ln>
-            <a:tailEnd type="triangle"/>
-          </a:ln>
-        </p:spPr>
-        <p:style>
-          <a:lnRef idx="1">
-            <a:schemeClr val="accent1"/>
-          </a:lnRef>
-          <a:fillRef idx="0">
-            <a:schemeClr val="accent1"/>
-          </a:fillRef>
-          <a:effectRef idx="0">
-            <a:schemeClr val="accent1"/>
-          </a:effectRef>
-          <a:fontRef idx="minor">
-            <a:schemeClr val="tx1"/>
-          </a:fontRef>
-        </p:style>
-      </p:cxnSp>
-      <p:cxnSp>
-        <p:nvCxnSpPr>
-          <p:cNvPr id="35" name="Straight Arrow Connector 34"/>
-          <p:cNvCxnSpPr>
-            <a:stCxn id="14" idx="3"/>
-          </p:cNvCxnSpPr>
-          <p:nvPr/>
-        </p:nvCxnSpPr>
-        <p:spPr>
-          <a:xfrm flipV="1">
-            <a:off x="1284383" y="1407886"/>
-            <a:ext cx="661630" cy="124276"/>
-          </a:xfrm>
-          <a:prstGeom prst="straightConnector1">
-            <a:avLst/>
-          </a:prstGeom>
-          <a:ln>
-            <a:tailEnd type="triangle"/>
-          </a:ln>
-        </p:spPr>
-        <p:style>
-          <a:lnRef idx="1">
-            <a:schemeClr val="accent1"/>
-          </a:lnRef>
-          <a:fillRef idx="0">
-            <a:schemeClr val="accent1"/>
-          </a:fillRef>
-          <a:effectRef idx="0">
-            <a:schemeClr val="accent1"/>
-          </a:effectRef>
-          <a:fontRef idx="minor">
-            <a:schemeClr val="tx1"/>
-          </a:fontRef>
-        </p:style>
-      </p:cxnSp>
-      <p:cxnSp>
-        <p:nvCxnSpPr>
-          <p:cNvPr id="37" name="Straight Arrow Connector 36"/>
-          <p:cNvCxnSpPr/>
-          <p:nvPr/>
-        </p:nvCxnSpPr>
-        <p:spPr>
-          <a:xfrm flipV="1">
-            <a:off x="2121689" y="1596571"/>
-            <a:ext cx="273622" cy="181381"/>
-          </a:xfrm>
-          <a:prstGeom prst="straightConnector1">
-            <a:avLst/>
-          </a:prstGeom>
-          <a:ln>
-            <a:tailEnd type="triangle"/>
-          </a:ln>
-        </p:spPr>
-        <p:style>
-          <a:lnRef idx="1">
-            <a:schemeClr val="accent1"/>
-          </a:lnRef>
-          <a:fillRef idx="0">
-            <a:schemeClr val="accent1"/>
-          </a:fillRef>
-          <a:effectRef idx="0">
-            <a:schemeClr val="accent1"/>
-          </a:effectRef>
-          <a:fontRef idx="minor">
-            <a:schemeClr val="tx1"/>
-          </a:fontRef>
-        </p:style>
-      </p:cxnSp>
-      <p:cxnSp>
-        <p:nvCxnSpPr>
-          <p:cNvPr id="39" name="Straight Arrow Connector 38"/>
-          <p:cNvCxnSpPr/>
-          <p:nvPr/>
-        </p:nvCxnSpPr>
-        <p:spPr>
-          <a:xfrm>
-            <a:off x="1602342" y="2755858"/>
-            <a:ext cx="605525" cy="413794"/>
-          </a:xfrm>
-          <a:prstGeom prst="straightConnector1">
-            <a:avLst/>
-          </a:prstGeom>
-          <a:ln>
-            <a:tailEnd type="triangle"/>
-          </a:ln>
-        </p:spPr>
-        <p:style>
-          <a:lnRef idx="1">
-            <a:schemeClr val="accent1"/>
-          </a:lnRef>
-          <a:fillRef idx="0">
-            <a:schemeClr val="accent1"/>
-          </a:fillRef>
-          <a:effectRef idx="0">
-            <a:schemeClr val="accent1"/>
-          </a:effectRef>
-          <a:fontRef idx="minor">
-            <a:schemeClr val="tx1"/>
-          </a:fontRef>
-        </p:style>
-      </p:cxnSp>
-      <p:cxnSp>
-        <p:nvCxnSpPr>
-          <p:cNvPr id="41" name="Straight Arrow Connector 40"/>
-          <p:cNvCxnSpPr>
-            <a:stCxn id="11" idx="3"/>
-            <a:endCxn id="4" idx="1"/>
-          </p:cNvCxnSpPr>
-          <p:nvPr/>
-        </p:nvCxnSpPr>
-        <p:spPr>
-          <a:xfrm>
-            <a:off x="1016703" y="3399859"/>
-            <a:ext cx="937107" cy="7532"/>
-          </a:xfrm>
-          <a:prstGeom prst="straightConnector1">
-            <a:avLst/>
-          </a:prstGeom>
-          <a:ln>
-            <a:tailEnd type="triangle"/>
-          </a:ln>
-        </p:spPr>
-        <p:style>
-          <a:lnRef idx="1">
-            <a:schemeClr val="accent1"/>
-          </a:lnRef>
-          <a:fillRef idx="0">
-            <a:schemeClr val="accent1"/>
-          </a:fillRef>
-          <a:effectRef idx="0">
-            <a:schemeClr val="accent1"/>
-          </a:effectRef>
-          <a:fontRef idx="minor">
-            <a:schemeClr val="tx1"/>
-          </a:fontRef>
-        </p:style>
-      </p:cxnSp>
-      <p:cxnSp>
-        <p:nvCxnSpPr>
-          <p:cNvPr id="43" name="Straight Arrow Connector 42"/>
-          <p:cNvCxnSpPr/>
-          <p:nvPr/>
-        </p:nvCxnSpPr>
-        <p:spPr>
-          <a:xfrm flipV="1">
-            <a:off x="1824629" y="3717653"/>
-            <a:ext cx="347050" cy="258225"/>
-          </a:xfrm>
-          <a:prstGeom prst="straightConnector1">
-            <a:avLst/>
-          </a:prstGeom>
-          <a:ln>
-            <a:tailEnd type="triangle"/>
-          </a:ln>
-        </p:spPr>
-        <p:style>
-          <a:lnRef idx="1">
-            <a:schemeClr val="accent1"/>
-          </a:lnRef>
-          <a:fillRef idx="0">
-            <a:schemeClr val="accent1"/>
-          </a:fillRef>
-          <a:effectRef idx="0">
-            <a:schemeClr val="accent1"/>
-          </a:effectRef>
-          <a:fontRef idx="minor">
-            <a:schemeClr val="tx1"/>
-          </a:fontRef>
-        </p:style>
-      </p:cxnSp>
-      <p:cxnSp>
-        <p:nvCxnSpPr>
-          <p:cNvPr id="45" name="Straight Arrow Connector 44"/>
-          <p:cNvCxnSpPr/>
-          <p:nvPr/>
-        </p:nvCxnSpPr>
-        <p:spPr>
-          <a:xfrm>
-            <a:off x="2121689" y="5181600"/>
-            <a:ext cx="418311" cy="333829"/>
-          </a:xfrm>
-          <a:prstGeom prst="straightConnector1">
-            <a:avLst/>
-          </a:prstGeom>
-          <a:ln>
-            <a:tailEnd type="triangle"/>
-          </a:ln>
-        </p:spPr>
-        <p:style>
-          <a:lnRef idx="1">
-            <a:schemeClr val="accent1"/>
-          </a:lnRef>
-          <a:fillRef idx="0">
-            <a:schemeClr val="accent1"/>
-          </a:fillRef>
-          <a:effectRef idx="0">
-            <a:schemeClr val="accent1"/>
-          </a:effectRef>
-          <a:fontRef idx="minor">
-            <a:schemeClr val="tx1"/>
-          </a:fontRef>
-        </p:style>
-      </p:cxnSp>
-      <p:cxnSp>
-        <p:nvCxnSpPr>
-          <p:cNvPr id="47" name="Straight Arrow Connector 46"/>
-          <p:cNvCxnSpPr/>
-          <p:nvPr/>
-        </p:nvCxnSpPr>
-        <p:spPr>
-          <a:xfrm>
-            <a:off x="1512310" y="5776686"/>
-            <a:ext cx="659369" cy="43543"/>
-          </a:xfrm>
-          <a:prstGeom prst="straightConnector1">
-            <a:avLst/>
-          </a:prstGeom>
-          <a:ln>
-            <a:tailEnd type="triangle"/>
-          </a:ln>
-        </p:spPr>
-        <p:style>
-          <a:lnRef idx="1">
-            <a:schemeClr val="accent1"/>
-          </a:lnRef>
-          <a:fillRef idx="0">
-            <a:schemeClr val="accent1"/>
-          </a:fillRef>
-          <a:effectRef idx="0">
-            <a:schemeClr val="accent1"/>
-          </a:effectRef>
-          <a:fontRef idx="minor">
-            <a:schemeClr val="tx1"/>
-          </a:fontRef>
-        </p:style>
-      </p:cxnSp>
-      <p:cxnSp>
-        <p:nvCxnSpPr>
-          <p:cNvPr id="49" name="Straight Arrow Connector 48"/>
-          <p:cNvCxnSpPr/>
-          <p:nvPr/>
-        </p:nvCxnSpPr>
-        <p:spPr>
-          <a:xfrm flipV="1">
-            <a:off x="1992015" y="6041979"/>
-            <a:ext cx="547985" cy="297113"/>
-          </a:xfrm>
-          <a:prstGeom prst="straightConnector1">
-            <a:avLst/>
-          </a:prstGeom>
-          <a:ln>
-            <a:tailEnd type="triangle"/>
-          </a:ln>
-        </p:spPr>
-        <p:style>
-          <a:lnRef idx="1">
-            <a:schemeClr val="accent1"/>
-          </a:lnRef>
-          <a:fillRef idx="0">
-            <a:schemeClr val="accent1"/>
-          </a:fillRef>
-          <a:effectRef idx="0">
-            <a:schemeClr val="accent1"/>
-          </a:effectRef>
-          <a:fontRef idx="minor">
-            <a:schemeClr val="tx1"/>
-          </a:fontRef>
-        </p:style>
-      </p:cxnSp>
-      <p:cxnSp>
-        <p:nvCxnSpPr>
-          <p:cNvPr id="53" name="Straight Arrow Connector 52"/>
-          <p:cNvCxnSpPr/>
-          <p:nvPr/>
-        </p:nvCxnSpPr>
-        <p:spPr>
-          <a:xfrm>
-            <a:off x="9559128" y="3308049"/>
-            <a:ext cx="624115" cy="1102184"/>
-          </a:xfrm>
-          <a:prstGeom prst="straightConnector1">
-            <a:avLst/>
-          </a:prstGeom>
-          <a:ln>
-            <a:headEnd type="triangle"/>
-            <a:tailEnd type="triangle"/>
-          </a:ln>
-        </p:spPr>
-        <p:style>
-          <a:lnRef idx="1">
-            <a:schemeClr val="accent1"/>
-          </a:lnRef>
-          <a:fillRef idx="0">
-            <a:schemeClr val="accent1"/>
-          </a:fillRef>
-          <a:effectRef idx="0">
-            <a:schemeClr val="accent1"/>
-          </a:effectRef>
-          <a:fontRef idx="minor">
-            <a:schemeClr val="tx1"/>
-          </a:fontRef>
-        </p:style>
-      </p:cxnSp>
-      <p:pic>
-        <p:nvPicPr>
-          <p:cNvPr id="54" name="Picture 53"/>
           <p:cNvPicPr>
             <a:picLocks noChangeAspect="1"/>
           </p:cNvPicPr>
@@ -6437,17 +6242,490 @@
         </p:blipFill>
         <p:spPr>
           <a:xfrm>
-            <a:off x="5979796" y="717621"/>
-            <a:ext cx="1351520" cy="977804"/>
+            <a:off x="9339888" y="4548630"/>
+            <a:ext cx="2626011" cy="1790462"/>
           </a:xfrm>
           <a:prstGeom prst="rect">
             <a:avLst/>
           </a:prstGeom>
         </p:spPr>
       </p:pic>
+      <p:cxnSp>
+        <p:nvCxnSpPr>
+          <p:cNvPr id="25" name="Straight Arrow Connector 24"/>
+          <p:cNvCxnSpPr>
+            <a:stCxn id="3" idx="3"/>
+          </p:cNvCxnSpPr>
+          <p:nvPr/>
+        </p:nvCxnSpPr>
+        <p:spPr>
+          <a:xfrm>
+            <a:off x="3941447" y="1250262"/>
+            <a:ext cx="1817155" cy="1226791"/>
+          </a:xfrm>
+          <a:prstGeom prst="straightConnector1">
+            <a:avLst/>
+          </a:prstGeom>
+          <a:ln>
+            <a:headEnd type="triangle"/>
+            <a:tailEnd type="triangle"/>
+          </a:ln>
+        </p:spPr>
+        <p:style>
+          <a:lnRef idx="1">
+            <a:schemeClr val="accent1"/>
+          </a:lnRef>
+          <a:fillRef idx="0">
+            <a:schemeClr val="accent1"/>
+          </a:fillRef>
+          <a:effectRef idx="0">
+            <a:schemeClr val="accent1"/>
+          </a:effectRef>
+          <a:fontRef idx="minor">
+            <a:schemeClr val="tx1"/>
+          </a:fontRef>
+        </p:style>
+      </p:cxnSp>
+      <p:cxnSp>
+        <p:nvCxnSpPr>
+          <p:cNvPr id="27" name="Straight Arrow Connector 26"/>
+          <p:cNvCxnSpPr/>
+          <p:nvPr/>
+        </p:nvCxnSpPr>
+        <p:spPr>
+          <a:xfrm>
+            <a:off x="4192562" y="3370538"/>
+            <a:ext cx="640695" cy="0"/>
+          </a:xfrm>
+          <a:prstGeom prst="straightConnector1">
+            <a:avLst/>
+          </a:prstGeom>
+          <a:ln>
+            <a:headEnd type="triangle"/>
+            <a:tailEnd type="triangle"/>
+          </a:ln>
+        </p:spPr>
+        <p:style>
+          <a:lnRef idx="1">
+            <a:schemeClr val="accent1"/>
+          </a:lnRef>
+          <a:fillRef idx="0">
+            <a:schemeClr val="accent1"/>
+          </a:fillRef>
+          <a:effectRef idx="0">
+            <a:schemeClr val="accent1"/>
+          </a:effectRef>
+          <a:fontRef idx="minor">
+            <a:schemeClr val="tx1"/>
+          </a:fontRef>
+        </p:style>
+      </p:cxnSp>
+      <p:cxnSp>
+        <p:nvCxnSpPr>
+          <p:cNvPr id="29" name="Straight Arrow Connector 28"/>
+          <p:cNvCxnSpPr/>
+          <p:nvPr/>
+        </p:nvCxnSpPr>
+        <p:spPr>
+          <a:xfrm flipV="1">
+            <a:off x="4288497" y="4686339"/>
+            <a:ext cx="1031841" cy="632460"/>
+          </a:xfrm>
+          <a:prstGeom prst="straightConnector1">
+            <a:avLst/>
+          </a:prstGeom>
+          <a:ln>
+            <a:headEnd type="triangle"/>
+            <a:tailEnd type="triangle"/>
+          </a:ln>
+        </p:spPr>
+        <p:style>
+          <a:lnRef idx="1">
+            <a:schemeClr val="accent1"/>
+          </a:lnRef>
+          <a:fillRef idx="0">
+            <a:schemeClr val="accent1"/>
+          </a:fillRef>
+          <a:effectRef idx="0">
+            <a:schemeClr val="accent1"/>
+          </a:effectRef>
+          <a:fontRef idx="minor">
+            <a:schemeClr val="tx1"/>
+          </a:fontRef>
+        </p:style>
+      </p:cxnSp>
+      <p:cxnSp>
+        <p:nvCxnSpPr>
+          <p:cNvPr id="31" name="Straight Arrow Connector 30"/>
+          <p:cNvCxnSpPr/>
+          <p:nvPr/>
+        </p:nvCxnSpPr>
+        <p:spPr>
+          <a:xfrm>
+            <a:off x="1953811" y="695235"/>
+            <a:ext cx="441500" cy="233318"/>
+          </a:xfrm>
+          <a:prstGeom prst="straightConnector1">
+            <a:avLst/>
+          </a:prstGeom>
+          <a:ln>
+            <a:tailEnd type="triangle"/>
+          </a:ln>
+        </p:spPr>
+        <p:style>
+          <a:lnRef idx="1">
+            <a:schemeClr val="accent1"/>
+          </a:lnRef>
+          <a:fillRef idx="0">
+            <a:schemeClr val="accent1"/>
+          </a:fillRef>
+          <a:effectRef idx="0">
+            <a:schemeClr val="accent1"/>
+          </a:effectRef>
+          <a:fontRef idx="minor">
+            <a:schemeClr val="tx1"/>
+          </a:fontRef>
+        </p:style>
+      </p:cxnSp>
+      <p:cxnSp>
+        <p:nvCxnSpPr>
+          <p:cNvPr id="33" name="Straight Arrow Connector 32"/>
+          <p:cNvCxnSpPr/>
+          <p:nvPr/>
+        </p:nvCxnSpPr>
+        <p:spPr>
+          <a:xfrm>
+            <a:off x="1352888" y="928553"/>
+            <a:ext cx="593125" cy="285814"/>
+          </a:xfrm>
+          <a:prstGeom prst="straightConnector1">
+            <a:avLst/>
+          </a:prstGeom>
+          <a:ln>
+            <a:tailEnd type="triangle"/>
+          </a:ln>
+        </p:spPr>
+        <p:style>
+          <a:lnRef idx="1">
+            <a:schemeClr val="accent1"/>
+          </a:lnRef>
+          <a:fillRef idx="0">
+            <a:schemeClr val="accent1"/>
+          </a:fillRef>
+          <a:effectRef idx="0">
+            <a:schemeClr val="accent1"/>
+          </a:effectRef>
+          <a:fontRef idx="minor">
+            <a:schemeClr val="tx1"/>
+          </a:fontRef>
+        </p:style>
+      </p:cxnSp>
+      <p:cxnSp>
+        <p:nvCxnSpPr>
+          <p:cNvPr id="35" name="Straight Arrow Connector 34"/>
+          <p:cNvCxnSpPr>
+            <a:stCxn id="14" idx="3"/>
+          </p:cNvCxnSpPr>
+          <p:nvPr/>
+        </p:nvCxnSpPr>
+        <p:spPr>
+          <a:xfrm flipV="1">
+            <a:off x="1284383" y="1407886"/>
+            <a:ext cx="661630" cy="124276"/>
+          </a:xfrm>
+          <a:prstGeom prst="straightConnector1">
+            <a:avLst/>
+          </a:prstGeom>
+          <a:ln>
+            <a:tailEnd type="triangle"/>
+          </a:ln>
+        </p:spPr>
+        <p:style>
+          <a:lnRef idx="1">
+            <a:schemeClr val="accent1"/>
+          </a:lnRef>
+          <a:fillRef idx="0">
+            <a:schemeClr val="accent1"/>
+          </a:fillRef>
+          <a:effectRef idx="0">
+            <a:schemeClr val="accent1"/>
+          </a:effectRef>
+          <a:fontRef idx="minor">
+            <a:schemeClr val="tx1"/>
+          </a:fontRef>
+        </p:style>
+      </p:cxnSp>
+      <p:cxnSp>
+        <p:nvCxnSpPr>
+          <p:cNvPr id="37" name="Straight Arrow Connector 36"/>
+          <p:cNvCxnSpPr/>
+          <p:nvPr/>
+        </p:nvCxnSpPr>
+        <p:spPr>
+          <a:xfrm flipV="1">
+            <a:off x="2121689" y="1596571"/>
+            <a:ext cx="273622" cy="181381"/>
+          </a:xfrm>
+          <a:prstGeom prst="straightConnector1">
+            <a:avLst/>
+          </a:prstGeom>
+          <a:ln>
+            <a:tailEnd type="triangle"/>
+          </a:ln>
+        </p:spPr>
+        <p:style>
+          <a:lnRef idx="1">
+            <a:schemeClr val="accent1"/>
+          </a:lnRef>
+          <a:fillRef idx="0">
+            <a:schemeClr val="accent1"/>
+          </a:fillRef>
+          <a:effectRef idx="0">
+            <a:schemeClr val="accent1"/>
+          </a:effectRef>
+          <a:fontRef idx="minor">
+            <a:schemeClr val="tx1"/>
+          </a:fontRef>
+        </p:style>
+      </p:cxnSp>
+      <p:cxnSp>
+        <p:nvCxnSpPr>
+          <p:cNvPr id="39" name="Straight Arrow Connector 38"/>
+          <p:cNvCxnSpPr/>
+          <p:nvPr/>
+        </p:nvCxnSpPr>
+        <p:spPr>
+          <a:xfrm>
+            <a:off x="1602342" y="2755858"/>
+            <a:ext cx="605525" cy="413794"/>
+          </a:xfrm>
+          <a:prstGeom prst="straightConnector1">
+            <a:avLst/>
+          </a:prstGeom>
+          <a:ln>
+            <a:tailEnd type="triangle"/>
+          </a:ln>
+        </p:spPr>
+        <p:style>
+          <a:lnRef idx="1">
+            <a:schemeClr val="accent1"/>
+          </a:lnRef>
+          <a:fillRef idx="0">
+            <a:schemeClr val="accent1"/>
+          </a:fillRef>
+          <a:effectRef idx="0">
+            <a:schemeClr val="accent1"/>
+          </a:effectRef>
+          <a:fontRef idx="minor">
+            <a:schemeClr val="tx1"/>
+          </a:fontRef>
+        </p:style>
+      </p:cxnSp>
+      <p:cxnSp>
+        <p:nvCxnSpPr>
+          <p:cNvPr id="41" name="Straight Arrow Connector 40"/>
+          <p:cNvCxnSpPr>
+            <a:stCxn id="11" idx="3"/>
+            <a:endCxn id="4" idx="1"/>
+          </p:cNvCxnSpPr>
+          <p:nvPr/>
+        </p:nvCxnSpPr>
+        <p:spPr>
+          <a:xfrm>
+            <a:off x="1016703" y="3399859"/>
+            <a:ext cx="937107" cy="7532"/>
+          </a:xfrm>
+          <a:prstGeom prst="straightConnector1">
+            <a:avLst/>
+          </a:prstGeom>
+          <a:ln>
+            <a:tailEnd type="triangle"/>
+          </a:ln>
+        </p:spPr>
+        <p:style>
+          <a:lnRef idx="1">
+            <a:schemeClr val="accent1"/>
+          </a:lnRef>
+          <a:fillRef idx="0">
+            <a:schemeClr val="accent1"/>
+          </a:fillRef>
+          <a:effectRef idx="0">
+            <a:schemeClr val="accent1"/>
+          </a:effectRef>
+          <a:fontRef idx="minor">
+            <a:schemeClr val="tx1"/>
+          </a:fontRef>
+        </p:style>
+      </p:cxnSp>
+      <p:cxnSp>
+        <p:nvCxnSpPr>
+          <p:cNvPr id="43" name="Straight Arrow Connector 42"/>
+          <p:cNvCxnSpPr/>
+          <p:nvPr/>
+        </p:nvCxnSpPr>
+        <p:spPr>
+          <a:xfrm flipV="1">
+            <a:off x="1824629" y="3717653"/>
+            <a:ext cx="347050" cy="258225"/>
+          </a:xfrm>
+          <a:prstGeom prst="straightConnector1">
+            <a:avLst/>
+          </a:prstGeom>
+          <a:ln>
+            <a:tailEnd type="triangle"/>
+          </a:ln>
+        </p:spPr>
+        <p:style>
+          <a:lnRef idx="1">
+            <a:schemeClr val="accent1"/>
+          </a:lnRef>
+          <a:fillRef idx="0">
+            <a:schemeClr val="accent1"/>
+          </a:fillRef>
+          <a:effectRef idx="0">
+            <a:schemeClr val="accent1"/>
+          </a:effectRef>
+          <a:fontRef idx="minor">
+            <a:schemeClr val="tx1"/>
+          </a:fontRef>
+        </p:style>
+      </p:cxnSp>
+      <p:cxnSp>
+        <p:nvCxnSpPr>
+          <p:cNvPr id="45" name="Straight Arrow Connector 44"/>
+          <p:cNvCxnSpPr/>
+          <p:nvPr/>
+        </p:nvCxnSpPr>
+        <p:spPr>
+          <a:xfrm>
+            <a:off x="2121689" y="5181600"/>
+            <a:ext cx="418311" cy="333829"/>
+          </a:xfrm>
+          <a:prstGeom prst="straightConnector1">
+            <a:avLst/>
+          </a:prstGeom>
+          <a:ln>
+            <a:tailEnd type="triangle"/>
+          </a:ln>
+        </p:spPr>
+        <p:style>
+          <a:lnRef idx="1">
+            <a:schemeClr val="accent1"/>
+          </a:lnRef>
+          <a:fillRef idx="0">
+            <a:schemeClr val="accent1"/>
+          </a:fillRef>
+          <a:effectRef idx="0">
+            <a:schemeClr val="accent1"/>
+          </a:effectRef>
+          <a:fontRef idx="minor">
+            <a:schemeClr val="tx1"/>
+          </a:fontRef>
+        </p:style>
+      </p:cxnSp>
+      <p:cxnSp>
+        <p:nvCxnSpPr>
+          <p:cNvPr id="47" name="Straight Arrow Connector 46"/>
+          <p:cNvCxnSpPr/>
+          <p:nvPr/>
+        </p:nvCxnSpPr>
+        <p:spPr>
+          <a:xfrm>
+            <a:off x="1512310" y="5776686"/>
+            <a:ext cx="659369" cy="43543"/>
+          </a:xfrm>
+          <a:prstGeom prst="straightConnector1">
+            <a:avLst/>
+          </a:prstGeom>
+          <a:ln>
+            <a:tailEnd type="triangle"/>
+          </a:ln>
+        </p:spPr>
+        <p:style>
+          <a:lnRef idx="1">
+            <a:schemeClr val="accent1"/>
+          </a:lnRef>
+          <a:fillRef idx="0">
+            <a:schemeClr val="accent1"/>
+          </a:fillRef>
+          <a:effectRef idx="0">
+            <a:schemeClr val="accent1"/>
+          </a:effectRef>
+          <a:fontRef idx="minor">
+            <a:schemeClr val="tx1"/>
+          </a:fontRef>
+        </p:style>
+      </p:cxnSp>
+      <p:cxnSp>
+        <p:nvCxnSpPr>
+          <p:cNvPr id="49" name="Straight Arrow Connector 48"/>
+          <p:cNvCxnSpPr/>
+          <p:nvPr/>
+        </p:nvCxnSpPr>
+        <p:spPr>
+          <a:xfrm flipV="1">
+            <a:off x="1992015" y="6041979"/>
+            <a:ext cx="547985" cy="297113"/>
+          </a:xfrm>
+          <a:prstGeom prst="straightConnector1">
+            <a:avLst/>
+          </a:prstGeom>
+          <a:ln>
+            <a:tailEnd type="triangle"/>
+          </a:ln>
+        </p:spPr>
+        <p:style>
+          <a:lnRef idx="1">
+            <a:schemeClr val="accent1"/>
+          </a:lnRef>
+          <a:fillRef idx="0">
+            <a:schemeClr val="accent1"/>
+          </a:fillRef>
+          <a:effectRef idx="0">
+            <a:schemeClr val="accent1"/>
+          </a:effectRef>
+          <a:fontRef idx="minor">
+            <a:schemeClr val="tx1"/>
+          </a:fontRef>
+        </p:style>
+      </p:cxnSp>
+      <p:cxnSp>
+        <p:nvCxnSpPr>
+          <p:cNvPr id="53" name="Straight Arrow Connector 52"/>
+          <p:cNvCxnSpPr/>
+          <p:nvPr/>
+        </p:nvCxnSpPr>
+        <p:spPr>
+          <a:xfrm>
+            <a:off x="9559128" y="3308049"/>
+            <a:ext cx="624115" cy="1102184"/>
+          </a:xfrm>
+          <a:prstGeom prst="straightConnector1">
+            <a:avLst/>
+          </a:prstGeom>
+          <a:ln>
+            <a:headEnd type="triangle"/>
+            <a:tailEnd type="triangle"/>
+          </a:ln>
+        </p:spPr>
+        <p:style>
+          <a:lnRef idx="1">
+            <a:schemeClr val="accent1"/>
+          </a:lnRef>
+          <a:fillRef idx="0">
+            <a:schemeClr val="accent1"/>
+          </a:fillRef>
+          <a:effectRef idx="0">
+            <a:schemeClr val="accent1"/>
+          </a:effectRef>
+          <a:fontRef idx="minor">
+            <a:schemeClr val="tx1"/>
+          </a:fontRef>
+        </p:style>
+      </p:cxnSp>
       <p:pic>
         <p:nvPicPr>
-          <p:cNvPr id="56" name="Picture 55"/>
+          <p:cNvPr id="54" name="Picture 53"/>
           <p:cNvPicPr>
             <a:picLocks noChangeAspect="1"/>
           </p:cNvPicPr>
@@ -6467,6 +6745,36 @@
         </p:blipFill>
         <p:spPr>
           <a:xfrm>
+            <a:off x="5979796" y="717621"/>
+            <a:ext cx="1351520" cy="977804"/>
+          </a:xfrm>
+          <a:prstGeom prst="rect">
+            <a:avLst/>
+          </a:prstGeom>
+        </p:spPr>
+      </p:pic>
+      <p:pic>
+        <p:nvPicPr>
+          <p:cNvPr id="56" name="Picture 55"/>
+          <p:cNvPicPr>
+            <a:picLocks noChangeAspect="1"/>
+          </p:cNvPicPr>
+          <p:nvPr/>
+        </p:nvPicPr>
+        <p:blipFill>
+          <a:blip r:embed="rId10" cstate="print">
+            <a:extLst>
+              <a:ext uri="{28A0092B-C50C-407E-A947-70E740481C1C}">
+                <a14:useLocalDpi xmlns:a14="http://schemas.microsoft.com/office/drawing/2010/main" val="0"/>
+              </a:ext>
+            </a:extLst>
+          </a:blip>
+          <a:stretch>
+            <a:fillRect/>
+          </a:stretch>
+        </p:blipFill>
+        <p:spPr>
+          <a:xfrm>
             <a:off x="10759984" y="792838"/>
             <a:ext cx="843057" cy="843057"/>
           </a:xfrm>
@@ -6577,47 +6885,15 @@
           </a:fontRef>
         </p:style>
       </p:cxnSp>
-      <p:pic>
-        <p:nvPicPr>
-          <p:cNvPr id="63" name="Picture 62"/>
-          <p:cNvPicPr>
-            <a:picLocks noChangeAspect="1"/>
-          </p:cNvPicPr>
-          <p:nvPr/>
-        </p:nvPicPr>
-        <p:blipFill>
-          <a:blip r:embed="rId10">
-            <a:extLst>
-              <a:ext uri="{28A0092B-C50C-407E-A947-70E740481C1C}">
-                <a14:useLocalDpi xmlns:a14="http://schemas.microsoft.com/office/drawing/2010/main" val="0"/>
-              </a:ext>
-            </a:extLst>
-          </a:blip>
-          <a:stretch>
-            <a:fillRect/>
-          </a:stretch>
-        </p:blipFill>
-        <p:spPr>
-          <a:xfrm>
-            <a:off x="3746838" y="33278"/>
-            <a:ext cx="709744" cy="709744"/>
-          </a:xfrm>
-          <a:prstGeom prst="rect">
-            <a:avLst/>
-          </a:prstGeom>
-        </p:spPr>
-      </p:pic>
       <p:cxnSp>
         <p:nvCxnSpPr>
           <p:cNvPr id="65" name="Straight Arrow Connector 64"/>
-          <p:cNvCxnSpPr>
-            <a:endCxn id="63" idx="1"/>
-          </p:cNvCxnSpPr>
+          <p:cNvCxnSpPr/>
           <p:nvPr/>
         </p:nvCxnSpPr>
         <p:spPr>
           <a:xfrm flipV="1">
-            <a:off x="3230088" y="388150"/>
+            <a:off x="3422690" y="581420"/>
             <a:ext cx="516750" cy="224173"/>
           </a:xfrm>
           <a:prstGeom prst="straightConnector1">
@@ -6642,42 +6918,10 @@
           </a:fontRef>
         </p:style>
       </p:cxnSp>
-      <p:pic>
-        <p:nvPicPr>
-          <p:cNvPr id="66" name="Picture 65"/>
-          <p:cNvPicPr>
-            <a:picLocks noChangeAspect="1"/>
-          </p:cNvPicPr>
-          <p:nvPr/>
-        </p:nvPicPr>
-        <p:blipFill>
-          <a:blip r:embed="rId10">
-            <a:extLst>
-              <a:ext uri="{28A0092B-C50C-407E-A947-70E740481C1C}">
-                <a14:useLocalDpi xmlns:a14="http://schemas.microsoft.com/office/drawing/2010/main" val="0"/>
-              </a:ext>
-            </a:extLst>
-          </a:blip>
-          <a:stretch>
-            <a:fillRect/>
-          </a:stretch>
-        </p:blipFill>
-        <p:spPr>
-          <a:xfrm>
-            <a:off x="3539031" y="2084756"/>
-            <a:ext cx="709744" cy="709744"/>
-          </a:xfrm>
-          <a:prstGeom prst="rect">
-            <a:avLst/>
-          </a:prstGeom>
-        </p:spPr>
-      </p:pic>
       <p:cxnSp>
         <p:nvCxnSpPr>
           <p:cNvPr id="67" name="Straight Arrow Connector 66"/>
-          <p:cNvCxnSpPr>
-            <a:endCxn id="66" idx="1"/>
-          </p:cNvCxnSpPr>
+          <p:cNvCxnSpPr/>
           <p:nvPr/>
         </p:nvCxnSpPr>
         <p:spPr>
@@ -6707,48 +6951,16 @@
           </a:fontRef>
         </p:style>
       </p:cxnSp>
-      <p:pic>
-        <p:nvPicPr>
-          <p:cNvPr id="68" name="Picture 67"/>
-          <p:cNvPicPr>
-            <a:picLocks noChangeAspect="1"/>
-          </p:cNvPicPr>
-          <p:nvPr/>
-        </p:nvPicPr>
-        <p:blipFill>
-          <a:blip r:embed="rId10">
-            <a:extLst>
-              <a:ext uri="{28A0092B-C50C-407E-A947-70E740481C1C}">
-                <a14:useLocalDpi xmlns:a14="http://schemas.microsoft.com/office/drawing/2010/main" val="0"/>
-              </a:ext>
-            </a:extLst>
-          </a:blip>
-          <a:stretch>
-            <a:fillRect/>
-          </a:stretch>
-        </p:blipFill>
-        <p:spPr>
-          <a:xfrm>
-            <a:off x="3851741" y="4393564"/>
-            <a:ext cx="709744" cy="709744"/>
-          </a:xfrm>
-          <a:prstGeom prst="rect">
-            <a:avLst/>
-          </a:prstGeom>
-        </p:spPr>
-      </p:pic>
       <p:cxnSp>
         <p:nvCxnSpPr>
           <p:cNvPr id="69" name="Straight Arrow Connector 68"/>
-          <p:cNvCxnSpPr>
-            <a:endCxn id="68" idx="1"/>
-          </p:cNvCxnSpPr>
+          <p:cNvCxnSpPr/>
           <p:nvPr/>
         </p:nvCxnSpPr>
         <p:spPr>
-          <a:xfrm flipV="1">
-            <a:off x="3334991" y="4748436"/>
-            <a:ext cx="516750" cy="224173"/>
+          <a:xfrm>
+            <a:off x="3953884" y="5820229"/>
+            <a:ext cx="487054" cy="347834"/>
           </a:xfrm>
           <a:prstGeom prst="straightConnector1">
             <a:avLst/>
@@ -6780,7 +6992,7 @@
         </p:nvSpPr>
         <p:spPr>
           <a:xfrm>
-            <a:off x="4561485" y="1849956"/>
+            <a:off x="4637010" y="1470024"/>
             <a:ext cx="415498" cy="369332"/>
           </a:xfrm>
           <a:prstGeom prst="rect">
@@ -6838,7 +7050,7 @@
         </p:nvSpPr>
         <p:spPr>
           <a:xfrm>
-            <a:off x="4429261" y="3195600"/>
+            <a:off x="4256389" y="3334376"/>
             <a:ext cx="415498" cy="369332"/>
           </a:xfrm>
           <a:prstGeom prst="rect">
@@ -6897,7 +7109,7 @@
           <p:nvPr/>
         </p:nvPicPr>
         <p:blipFill>
-          <a:blip r:embed="rId11">
+          <a:blip r:embed="rId11" cstate="print">
             <a:extLst>
               <a:ext uri="{28A0092B-C50C-407E-A947-70E740481C1C}">
                 <a14:useLocalDpi xmlns:a14="http://schemas.microsoft.com/office/drawing/2010/main" val="0"/>
@@ -7086,6 +7298,268 @@
           </a:prstGeom>
         </p:spPr>
       </p:pic>
+      <p:grpSp>
+        <p:nvGrpSpPr>
+          <p:cNvPr id="84" name="Group 83"/>
+          <p:cNvGrpSpPr/>
+          <p:nvPr/>
+        </p:nvGrpSpPr>
+        <p:grpSpPr>
+          <a:xfrm>
+            <a:off x="4401626" y="5709342"/>
+            <a:ext cx="1716533" cy="1012173"/>
+            <a:chOff x="3803165" y="83094"/>
+            <a:chExt cx="1716533" cy="1012173"/>
+          </a:xfrm>
+        </p:grpSpPr>
+        <p:pic>
+          <p:nvPicPr>
+            <p:cNvPr id="85" name="Picture 84"/>
+            <p:cNvPicPr>
+              <a:picLocks noChangeAspect="1"/>
+            </p:cNvPicPr>
+            <p:nvPr/>
+          </p:nvPicPr>
+          <p:blipFill>
+            <a:blip r:embed="rId3" cstate="print">
+              <a:extLst>
+                <a:ext uri="{28A0092B-C50C-407E-A947-70E740481C1C}">
+                  <a14:useLocalDpi xmlns:a14="http://schemas.microsoft.com/office/drawing/2010/main" val="0"/>
+                </a:ext>
+              </a:extLst>
+            </a:blip>
+            <a:stretch>
+              <a:fillRect/>
+            </a:stretch>
+          </p:blipFill>
+          <p:spPr>
+            <a:xfrm>
+              <a:off x="3803165" y="143982"/>
+              <a:ext cx="709744" cy="709744"/>
+            </a:xfrm>
+            <a:prstGeom prst="rect">
+              <a:avLst/>
+            </a:prstGeom>
+          </p:spPr>
+        </p:pic>
+        <p:cxnSp>
+          <p:nvCxnSpPr>
+            <p:cNvPr id="86" name="Straight Arrow Connector 85"/>
+            <p:cNvCxnSpPr/>
+            <p:nvPr/>
+          </p:nvCxnSpPr>
+          <p:spPr>
+            <a:xfrm flipV="1">
+              <a:off x="4361839" y="428779"/>
+              <a:ext cx="347772" cy="4342"/>
+            </a:xfrm>
+            <a:prstGeom prst="straightConnector1">
+              <a:avLst/>
+            </a:prstGeom>
+            <a:ln>
+              <a:tailEnd type="triangle"/>
+            </a:ln>
+          </p:spPr>
+          <p:style>
+            <a:lnRef idx="1">
+              <a:schemeClr val="accent1"/>
+            </a:lnRef>
+            <a:fillRef idx="0">
+              <a:schemeClr val="accent1"/>
+            </a:fillRef>
+            <a:effectRef idx="0">
+              <a:schemeClr val="accent1"/>
+            </a:effectRef>
+            <a:fontRef idx="minor">
+              <a:schemeClr val="tx1"/>
+            </a:fontRef>
+          </p:style>
+        </p:cxnSp>
+        <p:pic>
+          <p:nvPicPr>
+            <p:cNvPr id="87" name="Picture 86"/>
+            <p:cNvPicPr>
+              <a:picLocks noChangeAspect="1"/>
+            </p:cNvPicPr>
+            <p:nvPr/>
+          </p:nvPicPr>
+          <p:blipFill>
+            <a:blip r:embed="rId4">
+              <a:extLst>
+                <a:ext uri="{28A0092B-C50C-407E-A947-70E740481C1C}">
+                  <a14:useLocalDpi xmlns:a14="http://schemas.microsoft.com/office/drawing/2010/main" val="0"/>
+                </a:ext>
+              </a:extLst>
+            </a:blip>
+            <a:stretch>
+              <a:fillRect/>
+            </a:stretch>
+          </p:blipFill>
+          <p:spPr>
+            <a:xfrm>
+              <a:off x="4709611" y="83094"/>
+              <a:ext cx="709744" cy="709744"/>
+            </a:xfrm>
+            <a:prstGeom prst="rect">
+              <a:avLst/>
+            </a:prstGeom>
+          </p:spPr>
+        </p:pic>
+        <p:sp>
+          <p:nvSpPr>
+            <p:cNvPr id="88" name="TextBox 87"/>
+            <p:cNvSpPr txBox="1"/>
+            <p:nvPr/>
+          </p:nvSpPr>
+          <p:spPr>
+            <a:xfrm>
+              <a:off x="3939266" y="634354"/>
+              <a:ext cx="541238" cy="307777"/>
+            </a:xfrm>
+            <a:prstGeom prst="rect">
+              <a:avLst/>
+            </a:prstGeom>
+            <a:noFill/>
+          </p:spPr>
+          <p:txBody>
+            <a:bodyPr wrap="none" rtlCol="0">
+              <a:spAutoFit/>
+            </a:bodyPr>
+            <a:lstStyle/>
+            <a:p>
+              <a:r>
+                <a:rPr lang="en-US" sz="1400" dirty="0" smtClean="0"/>
+                <a:t>relay</a:t>
+              </a:r>
+              <a:endParaRPr lang="en-US" sz="1400" dirty="0"/>
+            </a:p>
+          </p:txBody>
+        </p:sp>
+        <p:sp>
+          <p:nvSpPr>
+            <p:cNvPr id="89" name="TextBox 88"/>
+            <p:cNvSpPr txBox="1"/>
+            <p:nvPr/>
+          </p:nvSpPr>
+          <p:spPr>
+            <a:xfrm>
+              <a:off x="4649010" y="787490"/>
+              <a:ext cx="870688" cy="307777"/>
+            </a:xfrm>
+            <a:prstGeom prst="rect">
+              <a:avLst/>
+            </a:prstGeom>
+            <a:noFill/>
+          </p:spPr>
+          <p:txBody>
+            <a:bodyPr wrap="none" rtlCol="0">
+              <a:spAutoFit/>
+            </a:bodyPr>
+            <a:lstStyle/>
+            <a:p>
+              <a:r>
+                <a:rPr lang="en-US" sz="1400" dirty="0" smtClean="0"/>
+                <a:t>actuators</a:t>
+              </a:r>
+              <a:endParaRPr lang="en-US" sz="1400" dirty="0"/>
+            </a:p>
+          </p:txBody>
+        </p:sp>
+      </p:grpSp>
+      <p:pic>
+        <p:nvPicPr>
+          <p:cNvPr id="30" name="Picture 29"/>
+          <p:cNvPicPr>
+            <a:picLocks noChangeAspect="1"/>
+          </p:cNvPicPr>
+          <p:nvPr/>
+        </p:nvPicPr>
+        <p:blipFill>
+          <a:blip r:embed="rId14" cstate="print">
+            <a:extLst>
+              <a:ext uri="{28A0092B-C50C-407E-A947-70E740481C1C}">
+                <a14:useLocalDpi xmlns:a14="http://schemas.microsoft.com/office/drawing/2010/main" val="0"/>
+              </a:ext>
+            </a:extLst>
+          </a:blip>
+          <a:stretch>
+            <a:fillRect/>
+          </a:stretch>
+        </p:blipFill>
+        <p:spPr>
+          <a:xfrm>
+            <a:off x="5247471" y="2484149"/>
+            <a:ext cx="1578587" cy="1304159"/>
+          </a:xfrm>
+          <a:prstGeom prst="rect">
+            <a:avLst/>
+          </a:prstGeom>
+        </p:spPr>
+      </p:pic>
+      <p:cxnSp>
+        <p:nvCxnSpPr>
+          <p:cNvPr id="90" name="Straight Arrow Connector 89"/>
+          <p:cNvCxnSpPr/>
+          <p:nvPr/>
+        </p:nvCxnSpPr>
+        <p:spPr>
+          <a:xfrm flipH="1">
+            <a:off x="5717833" y="3519042"/>
+            <a:ext cx="87086" cy="455251"/>
+          </a:xfrm>
+          <a:prstGeom prst="straightConnector1">
+            <a:avLst/>
+          </a:prstGeom>
+          <a:ln>
+            <a:headEnd type="triangle"/>
+            <a:tailEnd type="triangle"/>
+          </a:ln>
+        </p:spPr>
+        <p:style>
+          <a:lnRef idx="1">
+            <a:schemeClr val="accent1"/>
+          </a:lnRef>
+          <a:fillRef idx="0">
+            <a:schemeClr val="accent1"/>
+          </a:fillRef>
+          <a:effectRef idx="0">
+            <a:schemeClr val="accent1"/>
+          </a:effectRef>
+          <a:fontRef idx="minor">
+            <a:schemeClr val="tx1"/>
+          </a:fontRef>
+        </p:style>
+      </p:cxnSp>
+      <p:sp>
+        <p:nvSpPr>
+          <p:cNvPr id="91" name="TextBox 90"/>
+          <p:cNvSpPr txBox="1"/>
+          <p:nvPr/>
+        </p:nvSpPr>
+        <p:spPr>
+          <a:xfrm>
+            <a:off x="5119310" y="3519042"/>
+            <a:ext cx="695127" cy="369332"/>
+          </a:xfrm>
+          <a:prstGeom prst="rect">
+            <a:avLst/>
+          </a:prstGeom>
+          <a:noFill/>
+        </p:spPr>
+        <p:txBody>
+          <a:bodyPr wrap="none" rtlCol="0">
+            <a:spAutoFit/>
+          </a:bodyPr>
+          <a:lstStyle/>
+          <a:p>
+            <a:r>
+              <a:rPr lang="en-US" dirty="0" smtClean="0"/>
+              <a:t>UART</a:t>
+            </a:r>
+            <a:endParaRPr lang="en-US" dirty="0"/>
+          </a:p>
+        </p:txBody>
+      </p:sp>
     </p:spTree>
     <p:extLst>
       <p:ext uri="{BB962C8B-B14F-4D97-AF65-F5344CB8AC3E}">
@@ -7679,21 +8153,21 @@
                 <a:gridCol w="3257358">
                   <a:extLst>
                     <a:ext uri="{9D8B030D-6E8A-4147-A177-3AD203B41FA5}">
-                      <a16:colId xmlns:a16="http://schemas.microsoft.com/office/drawing/2014/main" val="2724298270"/>
+                      <a16:colId xmlns:a16="http://schemas.microsoft.com/office/drawing/2014/main" xmlns="" val="2724298270"/>
                     </a:ext>
                   </a:extLst>
                 </a:gridCol>
                 <a:gridCol w="3257358">
                   <a:extLst>
                     <a:ext uri="{9D8B030D-6E8A-4147-A177-3AD203B41FA5}">
-                      <a16:colId xmlns:a16="http://schemas.microsoft.com/office/drawing/2014/main" val="4102868576"/>
+                      <a16:colId xmlns:a16="http://schemas.microsoft.com/office/drawing/2014/main" xmlns="" val="4102868576"/>
                     </a:ext>
                   </a:extLst>
                 </a:gridCol>
                 <a:gridCol w="3257358">
                   <a:extLst>
                     <a:ext uri="{9D8B030D-6E8A-4147-A177-3AD203B41FA5}">
-                      <a16:colId xmlns:a16="http://schemas.microsoft.com/office/drawing/2014/main" val="1210860752"/>
+                      <a16:colId xmlns:a16="http://schemas.microsoft.com/office/drawing/2014/main" xmlns="" val="1210860752"/>
                     </a:ext>
                   </a:extLst>
                 </a:gridCol>
@@ -7750,7 +8224,7 @@
                 </a:tc>
                 <a:extLst>
                   <a:ext uri="{0D108BD9-81ED-4DB2-BD59-A6C34878D82A}">
-                    <a16:rowId xmlns:a16="http://schemas.microsoft.com/office/drawing/2014/main" val="1061089172"/>
+                    <a16:rowId xmlns:a16="http://schemas.microsoft.com/office/drawing/2014/main" xmlns="" val="1061089172"/>
                   </a:ext>
                 </a:extLst>
               </a:tr>
@@ -7823,7 +8297,7 @@
                 </a:tc>
                 <a:extLst>
                   <a:ext uri="{0D108BD9-81ED-4DB2-BD59-A6C34878D82A}">
-                    <a16:rowId xmlns:a16="http://schemas.microsoft.com/office/drawing/2014/main" val="2075331557"/>
+                    <a16:rowId xmlns:a16="http://schemas.microsoft.com/office/drawing/2014/main" xmlns="" val="2075331557"/>
                   </a:ext>
                 </a:extLst>
               </a:tr>
@@ -7879,7 +8353,7 @@
                 </a:tc>
                 <a:extLst>
                   <a:ext uri="{0D108BD9-81ED-4DB2-BD59-A6C34878D82A}">
-                    <a16:rowId xmlns:a16="http://schemas.microsoft.com/office/drawing/2014/main" val="1644948831"/>
+                    <a16:rowId xmlns:a16="http://schemas.microsoft.com/office/drawing/2014/main" xmlns="" val="1644948831"/>
                   </a:ext>
                 </a:extLst>
               </a:tr>
@@ -7935,7 +8409,7 @@
                 </a:tc>
                 <a:extLst>
                   <a:ext uri="{0D108BD9-81ED-4DB2-BD59-A6C34878D82A}">
-                    <a16:rowId xmlns:a16="http://schemas.microsoft.com/office/drawing/2014/main" val="91177799"/>
+                    <a16:rowId xmlns:a16="http://schemas.microsoft.com/office/drawing/2014/main" xmlns="" val="91177799"/>
                   </a:ext>
                 </a:extLst>
               </a:tr>
@@ -7991,7 +8465,7 @@
                 </a:tc>
                 <a:extLst>
                   <a:ext uri="{0D108BD9-81ED-4DB2-BD59-A6C34878D82A}">
-                    <a16:rowId xmlns:a16="http://schemas.microsoft.com/office/drawing/2014/main" val="2375620221"/>
+                    <a16:rowId xmlns:a16="http://schemas.microsoft.com/office/drawing/2014/main" xmlns="" val="2375620221"/>
                   </a:ext>
                 </a:extLst>
               </a:tr>
@@ -8047,7 +8521,7 @@
                 </a:tc>
                 <a:extLst>
                   <a:ext uri="{0D108BD9-81ED-4DB2-BD59-A6C34878D82A}">
-                    <a16:rowId xmlns:a16="http://schemas.microsoft.com/office/drawing/2014/main" val="2127423046"/>
+                    <a16:rowId xmlns:a16="http://schemas.microsoft.com/office/drawing/2014/main" xmlns="" val="2127423046"/>
                   </a:ext>
                 </a:extLst>
               </a:tr>
@@ -8148,14 +8622,14 @@
                 <a:gridCol w="2365828">
                   <a:extLst>
                     <a:ext uri="{9D8B030D-6E8A-4147-A177-3AD203B41FA5}">
-                      <a16:colId xmlns:a16="http://schemas.microsoft.com/office/drawing/2014/main" val="2957517704"/>
+                      <a16:colId xmlns:a16="http://schemas.microsoft.com/office/drawing/2014/main" xmlns="" val="2957517704"/>
                     </a:ext>
                   </a:extLst>
                 </a:gridCol>
                 <a:gridCol w="5762172">
                   <a:extLst>
                     <a:ext uri="{9D8B030D-6E8A-4147-A177-3AD203B41FA5}">
-                      <a16:colId xmlns:a16="http://schemas.microsoft.com/office/drawing/2014/main" val="2959448833"/>
+                      <a16:colId xmlns:a16="http://schemas.microsoft.com/office/drawing/2014/main" xmlns="" val="2959448833"/>
                     </a:ext>
                   </a:extLst>
                 </a:gridCol>
@@ -8194,7 +8668,7 @@
                 </a:tc>
                 <a:extLst>
                   <a:ext uri="{0D108BD9-81ED-4DB2-BD59-A6C34878D82A}">
-                    <a16:rowId xmlns:a16="http://schemas.microsoft.com/office/drawing/2014/main" val="3493983821"/>
+                    <a16:rowId xmlns:a16="http://schemas.microsoft.com/office/drawing/2014/main" xmlns="" val="3493983821"/>
                   </a:ext>
                 </a:extLst>
               </a:tr>
@@ -8259,7 +8733,7 @@
                 </a:tc>
                 <a:extLst>
                   <a:ext uri="{0D108BD9-81ED-4DB2-BD59-A6C34878D82A}">
-                    <a16:rowId xmlns:a16="http://schemas.microsoft.com/office/drawing/2014/main" val="1580518939"/>
+                    <a16:rowId xmlns:a16="http://schemas.microsoft.com/office/drawing/2014/main" xmlns="" val="1580518939"/>
                   </a:ext>
                 </a:extLst>
               </a:tr>
@@ -8332,7 +8806,7 @@
                 </a:tc>
                 <a:extLst>
                   <a:ext uri="{0D108BD9-81ED-4DB2-BD59-A6C34878D82A}">
-                    <a16:rowId xmlns:a16="http://schemas.microsoft.com/office/drawing/2014/main" val="2230040346"/>
+                    <a16:rowId xmlns:a16="http://schemas.microsoft.com/office/drawing/2014/main" xmlns="" val="2230040346"/>
                   </a:ext>
                 </a:extLst>
               </a:tr>
@@ -8405,7 +8879,7 @@
                 </a:tc>
                 <a:extLst>
                   <a:ext uri="{0D108BD9-81ED-4DB2-BD59-A6C34878D82A}">
-                    <a16:rowId xmlns:a16="http://schemas.microsoft.com/office/drawing/2014/main" val="2570328417"/>
+                    <a16:rowId xmlns:a16="http://schemas.microsoft.com/office/drawing/2014/main" xmlns="" val="2570328417"/>
                   </a:ext>
                 </a:extLst>
               </a:tr>
@@ -8486,7 +8960,7 @@
                 </a:tc>
                 <a:extLst>
                   <a:ext uri="{0D108BD9-81ED-4DB2-BD59-A6C34878D82A}">
-                    <a16:rowId xmlns:a16="http://schemas.microsoft.com/office/drawing/2014/main" val="614865113"/>
+                    <a16:rowId xmlns:a16="http://schemas.microsoft.com/office/drawing/2014/main" xmlns="" val="614865113"/>
                   </a:ext>
                 </a:extLst>
               </a:tr>
@@ -9123,14 +9597,14 @@
                 <a:gridCol w="5341257">
                   <a:extLst>
                     <a:ext uri="{9D8B030D-6E8A-4147-A177-3AD203B41FA5}">
-                      <a16:colId xmlns:a16="http://schemas.microsoft.com/office/drawing/2014/main" val="355922762"/>
+                      <a16:colId xmlns:a16="http://schemas.microsoft.com/office/drawing/2014/main" xmlns="" val="355922762"/>
                     </a:ext>
                   </a:extLst>
                 </a:gridCol>
                 <a:gridCol w="5341257">
                   <a:extLst>
                     <a:ext uri="{9D8B030D-6E8A-4147-A177-3AD203B41FA5}">
-                      <a16:colId xmlns:a16="http://schemas.microsoft.com/office/drawing/2014/main" val="2887717138"/>
+                      <a16:colId xmlns:a16="http://schemas.microsoft.com/office/drawing/2014/main" xmlns="" val="2887717138"/>
                     </a:ext>
                   </a:extLst>
                 </a:gridCol>
@@ -9173,7 +9647,7 @@
                 </a:tc>
                 <a:extLst>
                   <a:ext uri="{0D108BD9-81ED-4DB2-BD59-A6C34878D82A}">
-                    <a16:rowId xmlns:a16="http://schemas.microsoft.com/office/drawing/2014/main" val="781542941"/>
+                    <a16:rowId xmlns:a16="http://schemas.microsoft.com/office/drawing/2014/main" xmlns="" val="781542941"/>
                   </a:ext>
                 </a:extLst>
               </a:tr>
@@ -9443,7 +9917,7 @@
                 </a:tc>
                 <a:extLst>
                   <a:ext uri="{0D108BD9-81ED-4DB2-BD59-A6C34878D82A}">
-                    <a16:rowId xmlns:a16="http://schemas.microsoft.com/office/drawing/2014/main" val="3473623608"/>
+                    <a16:rowId xmlns:a16="http://schemas.microsoft.com/office/drawing/2014/main" xmlns="" val="3473623608"/>
                   </a:ext>
                 </a:extLst>
               </a:tr>
@@ -9615,14 +10089,14 @@
                 <a:gridCol w="1712686">
                   <a:extLst>
                     <a:ext uri="{9D8B030D-6E8A-4147-A177-3AD203B41FA5}">
-                      <a16:colId xmlns:a16="http://schemas.microsoft.com/office/drawing/2014/main" val="392866419"/>
+                      <a16:colId xmlns:a16="http://schemas.microsoft.com/office/drawing/2014/main" xmlns="" val="392866419"/>
                     </a:ext>
                   </a:extLst>
                 </a:gridCol>
                 <a:gridCol w="8873426">
                   <a:extLst>
                     <a:ext uri="{9D8B030D-6E8A-4147-A177-3AD203B41FA5}">
-                      <a16:colId xmlns:a16="http://schemas.microsoft.com/office/drawing/2014/main" val="3626155877"/>
+                      <a16:colId xmlns:a16="http://schemas.microsoft.com/office/drawing/2014/main" xmlns="" val="3626155877"/>
                     </a:ext>
                   </a:extLst>
                 </a:gridCol>
@@ -9664,7 +10138,7 @@
                 </a:tc>
                 <a:extLst>
                   <a:ext uri="{0D108BD9-81ED-4DB2-BD59-A6C34878D82A}">
-                    <a16:rowId xmlns:a16="http://schemas.microsoft.com/office/drawing/2014/main" val="3378398495"/>
+                    <a16:rowId xmlns:a16="http://schemas.microsoft.com/office/drawing/2014/main" xmlns="" val="3378398495"/>
                   </a:ext>
                 </a:extLst>
               </a:tr>
@@ -9772,7 +10246,7 @@
                 </a:tc>
                 <a:extLst>
                   <a:ext uri="{0D108BD9-81ED-4DB2-BD59-A6C34878D82A}">
-                    <a16:rowId xmlns:a16="http://schemas.microsoft.com/office/drawing/2014/main" val="3217190178"/>
+                    <a16:rowId xmlns:a16="http://schemas.microsoft.com/office/drawing/2014/main" xmlns="" val="3217190178"/>
                   </a:ext>
                 </a:extLst>
               </a:tr>
@@ -9880,7 +10354,7 @@
                 </a:tc>
                 <a:extLst>
                   <a:ext uri="{0D108BD9-81ED-4DB2-BD59-A6C34878D82A}">
-                    <a16:rowId xmlns:a16="http://schemas.microsoft.com/office/drawing/2014/main" val="2174416106"/>
+                    <a16:rowId xmlns:a16="http://schemas.microsoft.com/office/drawing/2014/main" xmlns="" val="2174416106"/>
                   </a:ext>
                 </a:extLst>
               </a:tr>
@@ -9988,7 +10462,7 @@
                 </a:tc>
                 <a:extLst>
                   <a:ext uri="{0D108BD9-81ED-4DB2-BD59-A6C34878D82A}">
-                    <a16:rowId xmlns:a16="http://schemas.microsoft.com/office/drawing/2014/main" val="3439451625"/>
+                    <a16:rowId xmlns:a16="http://schemas.microsoft.com/office/drawing/2014/main" xmlns="" val="3439451625"/>
                   </a:ext>
                 </a:extLst>
               </a:tr>
@@ -10096,7 +10570,7 @@
                 </a:tc>
                 <a:extLst>
                   <a:ext uri="{0D108BD9-81ED-4DB2-BD59-A6C34878D82A}">
-                    <a16:rowId xmlns:a16="http://schemas.microsoft.com/office/drawing/2014/main" val="654708714"/>
+                    <a16:rowId xmlns:a16="http://schemas.microsoft.com/office/drawing/2014/main" xmlns="" val="654708714"/>
                   </a:ext>
                 </a:extLst>
               </a:tr>
@@ -10320,14 +10794,14 @@
                 <a:gridCol w="4064000">
                   <a:extLst>
                     <a:ext uri="{9D8B030D-6E8A-4147-A177-3AD203B41FA5}">
-                      <a16:colId xmlns:a16="http://schemas.microsoft.com/office/drawing/2014/main" val="2395220621"/>
+                      <a16:colId xmlns:a16="http://schemas.microsoft.com/office/drawing/2014/main" xmlns="" val="2395220621"/>
                     </a:ext>
                   </a:extLst>
                 </a:gridCol>
                 <a:gridCol w="4064000">
                   <a:extLst>
                     <a:ext uri="{9D8B030D-6E8A-4147-A177-3AD203B41FA5}">
-                      <a16:colId xmlns:a16="http://schemas.microsoft.com/office/drawing/2014/main" val="728634953"/>
+                      <a16:colId xmlns:a16="http://schemas.microsoft.com/office/drawing/2014/main" xmlns="" val="728634953"/>
                     </a:ext>
                   </a:extLst>
                 </a:gridCol>
@@ -10361,7 +10835,7 @@
                 </a:tc>
                 <a:extLst>
                   <a:ext uri="{0D108BD9-81ED-4DB2-BD59-A6C34878D82A}">
-                    <a16:rowId xmlns:a16="http://schemas.microsoft.com/office/drawing/2014/main" val="2177191349"/>
+                    <a16:rowId xmlns:a16="http://schemas.microsoft.com/office/drawing/2014/main" xmlns="" val="2177191349"/>
                   </a:ext>
                 </a:extLst>
               </a:tr>
@@ -10508,7 +10982,7 @@
                 </a:tc>
                 <a:extLst>
                   <a:ext uri="{0D108BD9-81ED-4DB2-BD59-A6C34878D82A}">
-                    <a16:rowId xmlns:a16="http://schemas.microsoft.com/office/drawing/2014/main" val="1132785716"/>
+                    <a16:rowId xmlns:a16="http://schemas.microsoft.com/office/drawing/2014/main" xmlns="" val="1132785716"/>
                   </a:ext>
                 </a:extLst>
               </a:tr>
@@ -10684,14 +11158,14 @@
                 <a:gridCol w="5145315">
                   <a:extLst>
                     <a:ext uri="{9D8B030D-6E8A-4147-A177-3AD203B41FA5}">
-                      <a16:colId xmlns:a16="http://schemas.microsoft.com/office/drawing/2014/main" val="138156462"/>
+                      <a16:colId xmlns:a16="http://schemas.microsoft.com/office/drawing/2014/main" xmlns="" val="138156462"/>
                     </a:ext>
                   </a:extLst>
                 </a:gridCol>
                 <a:gridCol w="5145315">
                   <a:extLst>
                     <a:ext uri="{9D8B030D-6E8A-4147-A177-3AD203B41FA5}">
-                      <a16:colId xmlns:a16="http://schemas.microsoft.com/office/drawing/2014/main" val="313805466"/>
+                      <a16:colId xmlns:a16="http://schemas.microsoft.com/office/drawing/2014/main" xmlns="" val="313805466"/>
                     </a:ext>
                   </a:extLst>
                 </a:gridCol>
@@ -10725,7 +11199,7 @@
                 </a:tc>
                 <a:extLst>
                   <a:ext uri="{0D108BD9-81ED-4DB2-BD59-A6C34878D82A}">
-                    <a16:rowId xmlns:a16="http://schemas.microsoft.com/office/drawing/2014/main" val="3204291817"/>
+                    <a16:rowId xmlns:a16="http://schemas.microsoft.com/office/drawing/2014/main" xmlns="" val="3204291817"/>
                   </a:ext>
                 </a:extLst>
               </a:tr>
@@ -10851,7 +11325,7 @@
                 </a:tc>
                 <a:extLst>
                   <a:ext uri="{0D108BD9-81ED-4DB2-BD59-A6C34878D82A}">
-                    <a16:rowId xmlns:a16="http://schemas.microsoft.com/office/drawing/2014/main" val="2746817929"/>
+                    <a16:rowId xmlns:a16="http://schemas.microsoft.com/office/drawing/2014/main" xmlns="" val="2746817929"/>
                   </a:ext>
                 </a:extLst>
               </a:tr>
@@ -10991,7 +11465,7 @@
           <p:nvPr/>
         </p:nvPicPr>
         <p:blipFill>
-          <a:blip r:embed="rId5">
+          <a:blip r:embed="rId5" cstate="print">
             <a:extLst>
               <a:ext uri="{28A0092B-C50C-407E-A947-70E740481C1C}">
                 <a14:useLocalDpi xmlns:a14="http://schemas.microsoft.com/office/drawing/2010/main" val="0"/>
